--- a/Dokumenty/Presentation.pptx
+++ b/Dokumenty/Presentation.pptx
@@ -28,23 +28,23 @@
     <p:sldId id="313" r:id="rId19"/>
     <p:sldId id="264" r:id="rId20"/>
     <p:sldId id="292" r:id="rId21"/>
-    <p:sldId id="286" r:id="rId22"/>
-    <p:sldId id="287" r:id="rId23"/>
-    <p:sldId id="288" r:id="rId24"/>
-    <p:sldId id="289" r:id="rId25"/>
-    <p:sldId id="290" r:id="rId26"/>
-    <p:sldId id="291" r:id="rId27"/>
-    <p:sldId id="266" r:id="rId28"/>
-    <p:sldId id="294" r:id="rId29"/>
-    <p:sldId id="279" r:id="rId30"/>
-    <p:sldId id="296" r:id="rId31"/>
-    <p:sldId id="297" r:id="rId32"/>
-    <p:sldId id="295" r:id="rId33"/>
-    <p:sldId id="268" r:id="rId34"/>
-    <p:sldId id="269" r:id="rId35"/>
-    <p:sldId id="270" r:id="rId36"/>
-    <p:sldId id="304" r:id="rId37"/>
-    <p:sldId id="310" r:id="rId38"/>
+    <p:sldId id="310" r:id="rId22"/>
+    <p:sldId id="286" r:id="rId23"/>
+    <p:sldId id="287" r:id="rId24"/>
+    <p:sldId id="288" r:id="rId25"/>
+    <p:sldId id="289" r:id="rId26"/>
+    <p:sldId id="290" r:id="rId27"/>
+    <p:sldId id="291" r:id="rId28"/>
+    <p:sldId id="266" r:id="rId29"/>
+    <p:sldId id="294" r:id="rId30"/>
+    <p:sldId id="279" r:id="rId31"/>
+    <p:sldId id="296" r:id="rId32"/>
+    <p:sldId id="297" r:id="rId33"/>
+    <p:sldId id="295" r:id="rId34"/>
+    <p:sldId id="268" r:id="rId35"/>
+    <p:sldId id="269" r:id="rId36"/>
+    <p:sldId id="270" r:id="rId37"/>
+    <p:sldId id="304" r:id="rId38"/>
     <p:sldId id="271" r:id="rId39"/>
     <p:sldId id="272" r:id="rId40"/>
     <p:sldId id="273" r:id="rId41"/>
@@ -991,7 +991,7 @@
           <a:p>
             <a:fld id="{5DFAB087-39D9-4EAE-81A4-A4B45D677425}" type="slidenum">
               <a:rPr lang="pl-PL" smtClean="0"/>
-              <a:t>16</a:t>
+              <a:t>17</a:t>
             </a:fld>
             <a:endParaRPr lang="pl-PL"/>
           </a:p>
@@ -1075,7 +1075,7 @@
           <a:p>
             <a:fld id="{5DFAB087-39D9-4EAE-81A4-A4B45D677425}" type="slidenum">
               <a:rPr lang="pl-PL" smtClean="0"/>
-              <a:t>19</a:t>
+              <a:t>20</a:t>
             </a:fld>
             <a:endParaRPr lang="pl-PL"/>
           </a:p>
@@ -1159,7 +1159,7 @@
           <a:p>
             <a:fld id="{5DFAB087-39D9-4EAE-81A4-A4B45D677425}" type="slidenum">
               <a:rPr lang="pl-PL" smtClean="0"/>
-              <a:t>20</a:t>
+              <a:t>21</a:t>
             </a:fld>
             <a:endParaRPr lang="pl-PL"/>
           </a:p>
@@ -1243,7 +1243,7 @@
           <a:p>
             <a:fld id="{5DFAB087-39D9-4EAE-81A4-A4B45D677425}" type="slidenum">
               <a:rPr lang="pl-PL" smtClean="0"/>
-              <a:t>21</a:t>
+              <a:t>22</a:t>
             </a:fld>
             <a:endParaRPr lang="pl-PL"/>
           </a:p>
@@ -1465,7 +1465,7 @@
           <a:p>
             <a:fld id="{5DFAB087-39D9-4EAE-81A4-A4B45D677425}" type="slidenum">
               <a:rPr lang="pl-PL" smtClean="0"/>
-              <a:t>23</a:t>
+              <a:t>24</a:t>
             </a:fld>
             <a:endParaRPr lang="pl-PL"/>
           </a:p>
@@ -1549,7 +1549,7 @@
           <a:p>
             <a:fld id="{5DFAB087-39D9-4EAE-81A4-A4B45D677425}" type="slidenum">
               <a:rPr lang="pl-PL" smtClean="0"/>
-              <a:t>24</a:t>
+              <a:t>25</a:t>
             </a:fld>
             <a:endParaRPr lang="pl-PL"/>
           </a:p>
@@ -1736,7 +1736,7 @@
           <a:p>
             <a:fld id="{5DFAB087-39D9-4EAE-81A4-A4B45D677425}" type="slidenum">
               <a:rPr lang="pl-PL" smtClean="0"/>
-              <a:t>27</a:t>
+              <a:t>28</a:t>
             </a:fld>
             <a:endParaRPr lang="pl-PL"/>
           </a:p>
@@ -2041,7 +2041,7 @@
           <a:p>
             <a:fld id="{5DFAB087-39D9-4EAE-81A4-A4B45D677425}" type="slidenum">
               <a:rPr lang="pl-PL" smtClean="0"/>
-              <a:t>28</a:t>
+              <a:t>29</a:t>
             </a:fld>
             <a:endParaRPr lang="pl-PL"/>
           </a:p>
@@ -2104,81 +2104,6 @@
           <a:bodyPr/>
           <a:lstStyle/>
           <a:p>
-            <a:r>
-              <a:rPr lang="pl-PL" dirty="0" smtClean="0"/>
-              <a:t>Show in </a:t>
-            </a:r>
-            <a:r>
-              <a:rPr lang="pl-PL" dirty="0" err="1" smtClean="0"/>
-              <a:t>eclipse</a:t>
-            </a:r>
-            <a:r>
-              <a:rPr lang="pl-PL" dirty="0" smtClean="0"/>
-              <a:t> </a:t>
-            </a:r>
-            <a:r>
-              <a:rPr lang="pl-PL" dirty="0" err="1" smtClean="0"/>
-              <a:t>how</a:t>
-            </a:r>
-            <a:r>
-              <a:rPr lang="pl-PL" dirty="0" smtClean="0"/>
-              <a:t> to </a:t>
-            </a:r>
-            <a:r>
-              <a:rPr lang="pl-PL" dirty="0" err="1" smtClean="0"/>
-              <a:t>get</a:t>
-            </a:r>
-            <a:r>
-              <a:rPr lang="pl-PL" dirty="0" smtClean="0"/>
-              <a:t> </a:t>
-            </a:r>
-            <a:r>
-              <a:rPr lang="pl-PL" dirty="0" err="1" smtClean="0"/>
-              <a:t>text</a:t>
-            </a:r>
-            <a:r>
-              <a:rPr lang="pl-PL" dirty="0" smtClean="0"/>
-              <a:t> from </a:t>
-            </a:r>
-            <a:r>
-              <a:rPr lang="pl-PL" dirty="0" err="1" smtClean="0"/>
-              <a:t>edit</a:t>
-            </a:r>
-            <a:r>
-              <a:rPr lang="pl-PL" baseline="0" dirty="0" smtClean="0"/>
-              <a:t> </a:t>
-            </a:r>
-            <a:r>
-              <a:rPr lang="pl-PL" baseline="0" dirty="0" err="1" smtClean="0"/>
-              <a:t>text</a:t>
-            </a:r>
-            <a:r>
-              <a:rPr lang="pl-PL" baseline="0" dirty="0" smtClean="0"/>
-              <a:t> and </a:t>
-            </a:r>
-            <a:r>
-              <a:rPr lang="pl-PL" baseline="0" dirty="0" err="1" smtClean="0"/>
-              <a:t>how</a:t>
-            </a:r>
-            <a:r>
-              <a:rPr lang="pl-PL" baseline="0" dirty="0" smtClean="0"/>
-              <a:t> to </a:t>
-            </a:r>
-            <a:r>
-              <a:rPr lang="pl-PL" baseline="0" dirty="0" err="1" smtClean="0"/>
-              <a:t>use</a:t>
-            </a:r>
-            <a:r>
-              <a:rPr lang="pl-PL" baseline="0" dirty="0" smtClean="0"/>
-              <a:t> </a:t>
-            </a:r>
-            <a:r>
-              <a:rPr lang="pl-PL" baseline="0" dirty="0" err="1" smtClean="0"/>
-              <a:t>TextWatchers</a:t>
-            </a:r>
-            <a:endParaRPr lang="pl-PL" baseline="0" dirty="0" smtClean="0"/>
-          </a:p>
-          <a:p>
             <a:endParaRPr lang="pl-PL" baseline="0" dirty="0" smtClean="0"/>
           </a:p>
           <a:p>
@@ -2215,7 +2140,7 @@
           <a:p>
             <a:fld id="{5DFAB087-39D9-4EAE-81A4-A4B45D677425}" type="slidenum">
               <a:rPr lang="pl-PL" smtClean="0"/>
-              <a:t>31</a:t>
+              <a:t>32</a:t>
             </a:fld>
             <a:endParaRPr lang="pl-PL"/>
           </a:p>
@@ -2277,96 +2202,6 @@
         <p:txBody>
           <a:bodyPr/>
           <a:lstStyle/>
-          <a:p>
-            <a:r>
-              <a:rPr lang="pl-PL" dirty="0" smtClean="0"/>
-              <a:t>Show in </a:t>
-            </a:r>
-            <a:r>
-              <a:rPr lang="pl-PL" dirty="0" err="1" smtClean="0"/>
-              <a:t>eclipse</a:t>
-            </a:r>
-            <a:r>
-              <a:rPr lang="pl-PL" dirty="0" smtClean="0"/>
-              <a:t> </a:t>
-            </a:r>
-            <a:r>
-              <a:rPr lang="pl-PL" dirty="0" err="1" smtClean="0"/>
-              <a:t>how</a:t>
-            </a:r>
-            <a:r>
-              <a:rPr lang="pl-PL" dirty="0" smtClean="0"/>
-              <a:t> to </a:t>
-            </a:r>
-            <a:r>
-              <a:rPr lang="pl-PL" dirty="0" err="1" smtClean="0"/>
-              <a:t>get</a:t>
-            </a:r>
-            <a:r>
-              <a:rPr lang="pl-PL" dirty="0" smtClean="0"/>
-              <a:t> </a:t>
-            </a:r>
-            <a:r>
-              <a:rPr lang="pl-PL" dirty="0" err="1" smtClean="0"/>
-              <a:t>text</a:t>
-            </a:r>
-            <a:r>
-              <a:rPr lang="pl-PL" dirty="0" smtClean="0"/>
-              <a:t> from </a:t>
-            </a:r>
-            <a:r>
-              <a:rPr lang="pl-PL" dirty="0" err="1" smtClean="0"/>
-              <a:t>edit</a:t>
-            </a:r>
-            <a:r>
-              <a:rPr lang="pl-PL" baseline="0" dirty="0" smtClean="0"/>
-              <a:t> </a:t>
-            </a:r>
-            <a:r>
-              <a:rPr lang="pl-PL" baseline="0" dirty="0" err="1" smtClean="0"/>
-              <a:t>text</a:t>
-            </a:r>
-            <a:r>
-              <a:rPr lang="pl-PL" baseline="0" dirty="0" smtClean="0"/>
-              <a:t> and </a:t>
-            </a:r>
-            <a:r>
-              <a:rPr lang="pl-PL" baseline="0" dirty="0" err="1" smtClean="0"/>
-              <a:t>how</a:t>
-            </a:r>
-            <a:r>
-              <a:rPr lang="pl-PL" baseline="0" dirty="0" smtClean="0"/>
-              <a:t> to </a:t>
-            </a:r>
-            <a:r>
-              <a:rPr lang="pl-PL" baseline="0" dirty="0" err="1" smtClean="0"/>
-              <a:t>use</a:t>
-            </a:r>
-            <a:r>
-              <a:rPr lang="pl-PL" baseline="0" dirty="0" smtClean="0"/>
-              <a:t> </a:t>
-            </a:r>
-            <a:r>
-              <a:rPr lang="pl-PL" baseline="0" dirty="0" err="1" smtClean="0"/>
-              <a:t>TextWatchers</a:t>
-            </a:r>
-            <a:endParaRPr lang="pl-PL" baseline="0" dirty="0" smtClean="0"/>
-          </a:p>
-          <a:p>
-            <a:endParaRPr lang="pl-PL" baseline="0" dirty="0" smtClean="0"/>
-          </a:p>
-          <a:p>
-            <a:endParaRPr lang="pl-PL" baseline="0" dirty="0" smtClean="0"/>
-          </a:p>
-          <a:p>
-            <a:endParaRPr lang="pl-PL" baseline="0" dirty="0" smtClean="0"/>
-          </a:p>
-          <a:p>
-            <a:endParaRPr lang="pl-PL" baseline="0" dirty="0" smtClean="0"/>
-          </a:p>
-          <a:p>
-            <a:endParaRPr lang="pl-PL" baseline="0" dirty="0" smtClean="0"/>
-          </a:p>
           <a:p>
             <a:endParaRPr lang="pl-PL" dirty="0"/>
           </a:p>
@@ -10085,14 +9920,14 @@
             </a:pPr>
             <a:r>
               <a:rPr lang="pl-PL" dirty="0" smtClean="0"/>
-              <a:t>Activity</a:t>
+              <a:t>Aktywności - omówienie</a:t>
             </a:r>
             <a:endParaRPr lang="pl-PL" dirty="0" smtClean="0"/>
           </a:p>
           <a:p>
             <a:r>
               <a:rPr lang="pl-PL" dirty="0" smtClean="0"/>
-              <a:t>Activity odpowiada pojedynczemu ekranowi</a:t>
+              <a:t>Aktywność odpowiada pojedynczemu ekranowi</a:t>
             </a:r>
             <a:endParaRPr lang="pl-PL" dirty="0" smtClean="0"/>
           </a:p>
@@ -10106,7 +9941,7 @@
           <a:p>
             <a:r>
               <a:rPr lang="pl-PL" dirty="0" smtClean="0"/>
-              <a:t>Musi być zadeklarowane w </a:t>
+              <a:t>Musi być zadeklarowana w </a:t>
             </a:r>
             <a:br>
               <a:rPr lang="pl-PL" dirty="0" smtClean="0"/>
@@ -10119,8 +9954,12 @@
           </a:p>
           <a:p>
             <a:r>
+              <a:rPr lang="pl-PL" smtClean="0"/>
+              <a:t>Uruchamiana </a:t>
+            </a:r>
+            <a:r>
               <a:rPr lang="pl-PL" dirty="0" smtClean="0"/>
-              <a:t>Uruchamianie jest za pomocą</a:t>
+              <a:t>jest za pomocą</a:t>
             </a:r>
             <a:br>
               <a:rPr lang="pl-PL" dirty="0" smtClean="0"/>
@@ -10475,6 +10314,384 @@
             <a:fld id="{AB8D87DA-8905-40F0-85F7-F6E49E4446E9}" type="slidenum">
               <a:rPr lang="pl-PL" smtClean="0"/>
               <a:t>16</a:t>
+            </a:fld>
+            <a:endParaRPr lang="pl-PL" dirty="0"/>
+          </a:p>
+        </p:txBody>
+      </p:sp>
+      <p:sp>
+        <p:nvSpPr>
+          <p:cNvPr id="4" name="Content Placeholder 3"/>
+          <p:cNvSpPr>
+            <a:spLocks noGrp="1"/>
+          </p:cNvSpPr>
+          <p:nvPr>
+            <p:ph idx="1"/>
+          </p:nvPr>
+        </p:nvSpPr>
+        <p:spPr/>
+        <p:txBody>
+          <a:bodyPr/>
+          <a:lstStyle/>
+          <a:p>
+            <a:pPr marL="0" indent="0">
+              <a:buNone/>
+            </a:pPr>
+            <a:r>
+              <a:rPr lang="pl-PL" dirty="0" smtClean="0"/>
+              <a:t>Intencje(</a:t>
+            </a:r>
+            <a:r>
+              <a:rPr lang="pl-PL" dirty="0" err="1" smtClean="0"/>
+              <a:t>Intent</a:t>
+            </a:r>
+            <a:r>
+              <a:rPr lang="pl-PL" dirty="0" smtClean="0"/>
+              <a:t>)</a:t>
+            </a:r>
+            <a:endParaRPr lang="pl-PL" dirty="0" smtClean="0"/>
+          </a:p>
+          <a:p>
+            <a:pPr marL="0" indent="0">
+              <a:buNone/>
+            </a:pPr>
+            <a:endParaRPr lang="pl-PL" dirty="0" smtClean="0"/>
+          </a:p>
+          <a:p>
+            <a:pPr marL="0" indent="0">
+              <a:buNone/>
+            </a:pPr>
+            <a:endParaRPr lang="pl-PL" dirty="0" smtClean="0"/>
+          </a:p>
+          <a:p>
+            <a:pPr marL="0" indent="0">
+              <a:buNone/>
+            </a:pPr>
+            <a:r>
+              <a:rPr lang="pl-PL" dirty="0" smtClean="0"/>
+              <a:t>Intencje to asynchroniczne wiadomości, które pozwalają komponentom Androida (aplikacjom, aktywnościom, etc.) na komunikowanie się ze sobą.</a:t>
+            </a:r>
+          </a:p>
+          <a:p>
+            <a:pPr marL="0" indent="0">
+              <a:buNone/>
+            </a:pPr>
+            <a:endParaRPr lang="pl-PL" dirty="0" smtClean="0"/>
+          </a:p>
+          <a:p>
+            <a:pPr marL="0" indent="0">
+              <a:buNone/>
+            </a:pPr>
+            <a:r>
+              <a:rPr lang="pl-PL" dirty="0" smtClean="0"/>
+              <a:t>Przykład intencji, która otwiera nową aktywność:</a:t>
+            </a:r>
+            <a:endParaRPr lang="pl-PL" dirty="0"/>
+          </a:p>
+          <a:p>
+            <a:pPr marL="0" indent="0">
+              <a:buNone/>
+            </a:pPr>
+            <a:endParaRPr lang="pl-PL" sz="1600" dirty="0" smtClean="0">
+              <a:solidFill>
+                <a:srgbClr val="000000"/>
+              </a:solidFill>
+              <a:latin typeface="Courier New" pitchFamily="49" charset="0"/>
+              <a:cs typeface="Courier New" pitchFamily="49" charset="0"/>
+            </a:endParaRPr>
+          </a:p>
+          <a:p>
+            <a:pPr marL="0" indent="0">
+              <a:buNone/>
+            </a:pPr>
+            <a:r>
+              <a:rPr lang="en-US" sz="1600" dirty="0" smtClean="0">
+                <a:solidFill>
+                  <a:srgbClr val="000000"/>
+                </a:solidFill>
+                <a:latin typeface="Consolas" pitchFamily="49" charset="0"/>
+                <a:cs typeface="Consolas" pitchFamily="49" charset="0"/>
+              </a:rPr>
+              <a:t>Intent </a:t>
+            </a:r>
+            <a:r>
+              <a:rPr lang="en-US" sz="1600" dirty="0" smtClean="0">
+                <a:solidFill>
+                  <a:srgbClr val="000000"/>
+                </a:solidFill>
+                <a:latin typeface="Consolas" pitchFamily="49" charset="0"/>
+                <a:cs typeface="Consolas" pitchFamily="49" charset="0"/>
+              </a:rPr>
+              <a:t>i</a:t>
+            </a:r>
+            <a:r>
+              <a:rPr lang="pl-PL" sz="1600" dirty="0" smtClean="0">
+                <a:solidFill>
+                  <a:srgbClr val="000000"/>
+                </a:solidFill>
+                <a:latin typeface="Consolas" pitchFamily="49" charset="0"/>
+                <a:cs typeface="Consolas" pitchFamily="49" charset="0"/>
+              </a:rPr>
+              <a:t>ntent</a:t>
+            </a:r>
+            <a:r>
+              <a:rPr lang="en-US" sz="1600" dirty="0" smtClean="0">
+                <a:solidFill>
+                  <a:srgbClr val="000000"/>
+                </a:solidFill>
+                <a:latin typeface="Consolas" pitchFamily="49" charset="0"/>
+                <a:cs typeface="Consolas" pitchFamily="49" charset="0"/>
+              </a:rPr>
+              <a:t> </a:t>
+            </a:r>
+            <a:r>
+              <a:rPr lang="en-US" sz="1600" dirty="0">
+                <a:solidFill>
+                  <a:srgbClr val="000000"/>
+                </a:solidFill>
+                <a:latin typeface="Consolas" pitchFamily="49" charset="0"/>
+                <a:cs typeface="Consolas" pitchFamily="49" charset="0"/>
+              </a:rPr>
+              <a:t>= </a:t>
+            </a:r>
+            <a:r>
+              <a:rPr lang="en-US" sz="1600" dirty="0">
+                <a:solidFill>
+                  <a:srgbClr val="7F0055"/>
+                </a:solidFill>
+                <a:latin typeface="Consolas" pitchFamily="49" charset="0"/>
+                <a:cs typeface="Consolas" pitchFamily="49" charset="0"/>
+              </a:rPr>
+              <a:t>new</a:t>
+            </a:r>
+            <a:r>
+              <a:rPr lang="en-US" sz="1600" dirty="0">
+                <a:solidFill>
+                  <a:srgbClr val="000000"/>
+                </a:solidFill>
+                <a:latin typeface="Consolas" pitchFamily="49" charset="0"/>
+                <a:cs typeface="Consolas" pitchFamily="49" charset="0"/>
+              </a:rPr>
+              <a:t> Intent(</a:t>
+            </a:r>
+            <a:r>
+              <a:rPr lang="en-US" sz="1600" dirty="0">
+                <a:solidFill>
+                  <a:srgbClr val="7F0055"/>
+                </a:solidFill>
+                <a:latin typeface="Consolas" pitchFamily="49" charset="0"/>
+                <a:cs typeface="Consolas" pitchFamily="49" charset="0"/>
+              </a:rPr>
+              <a:t>this</a:t>
+            </a:r>
+            <a:r>
+              <a:rPr lang="en-US" sz="1600" dirty="0">
+                <a:solidFill>
+                  <a:srgbClr val="000000"/>
+                </a:solidFill>
+                <a:latin typeface="Consolas" pitchFamily="49" charset="0"/>
+                <a:cs typeface="Consolas" pitchFamily="49" charset="0"/>
+              </a:rPr>
+              <a:t>, </a:t>
+            </a:r>
+            <a:r>
+              <a:rPr lang="en-US" sz="1600" dirty="0" err="1">
+                <a:solidFill>
+                  <a:srgbClr val="000000"/>
+                </a:solidFill>
+                <a:highlight>
+                  <a:srgbClr val="D4D4D4"/>
+                </a:highlight>
+                <a:latin typeface="Consolas" pitchFamily="49" charset="0"/>
+                <a:cs typeface="Consolas" pitchFamily="49" charset="0"/>
+              </a:rPr>
+              <a:t>ActivityTwo.</a:t>
+            </a:r>
+            <a:r>
+              <a:rPr lang="en-US" sz="1600" dirty="0" err="1">
+                <a:solidFill>
+                  <a:srgbClr val="7F0055"/>
+                </a:solidFill>
+                <a:highlight>
+                  <a:srgbClr val="D4D4D4"/>
+                </a:highlight>
+                <a:latin typeface="Consolas" pitchFamily="49" charset="0"/>
+                <a:cs typeface="Consolas" pitchFamily="49" charset="0"/>
+              </a:rPr>
+              <a:t>class</a:t>
+            </a:r>
+            <a:r>
+              <a:rPr lang="en-US" sz="1600" dirty="0">
+                <a:solidFill>
+                  <a:srgbClr val="000000"/>
+                </a:solidFill>
+                <a:highlight>
+                  <a:srgbClr val="D4D4D4"/>
+                </a:highlight>
+                <a:latin typeface="Consolas" pitchFamily="49" charset="0"/>
+                <a:cs typeface="Consolas" pitchFamily="49" charset="0"/>
+              </a:rPr>
+              <a:t>);</a:t>
+            </a:r>
+          </a:p>
+          <a:p>
+            <a:pPr marL="0" indent="0">
+              <a:buNone/>
+            </a:pPr>
+            <a:r>
+              <a:rPr lang="en-US" sz="1600" dirty="0" err="1" smtClean="0">
+                <a:solidFill>
+                  <a:srgbClr val="000000"/>
+                </a:solidFill>
+                <a:latin typeface="Consolas" pitchFamily="49" charset="0"/>
+                <a:cs typeface="Consolas" pitchFamily="49" charset="0"/>
+              </a:rPr>
+              <a:t>startActivity</a:t>
+            </a:r>
+            <a:r>
+              <a:rPr lang="en-US" sz="1600" dirty="0" smtClean="0">
+                <a:solidFill>
+                  <a:srgbClr val="000000"/>
+                </a:solidFill>
+                <a:latin typeface="Consolas" pitchFamily="49" charset="0"/>
+                <a:cs typeface="Consolas" pitchFamily="49" charset="0"/>
+              </a:rPr>
+              <a:t>(</a:t>
+            </a:r>
+            <a:r>
+              <a:rPr lang="en-US" sz="1600" dirty="0" err="1" smtClean="0">
+                <a:solidFill>
+                  <a:srgbClr val="000000"/>
+                </a:solidFill>
+                <a:latin typeface="Consolas" pitchFamily="49" charset="0"/>
+                <a:cs typeface="Consolas" pitchFamily="49" charset="0"/>
+              </a:rPr>
+              <a:t>i</a:t>
+            </a:r>
+            <a:r>
+              <a:rPr lang="pl-PL" sz="1600" dirty="0" err="1" smtClean="0">
+                <a:solidFill>
+                  <a:srgbClr val="000000"/>
+                </a:solidFill>
+                <a:latin typeface="Consolas" pitchFamily="49" charset="0"/>
+                <a:cs typeface="Consolas" pitchFamily="49" charset="0"/>
+              </a:rPr>
+              <a:t>ntent</a:t>
+            </a:r>
+            <a:r>
+              <a:rPr lang="en-US" sz="1600" dirty="0" smtClean="0">
+                <a:solidFill>
+                  <a:srgbClr val="000000"/>
+                </a:solidFill>
+                <a:latin typeface="Consolas" pitchFamily="49" charset="0"/>
+                <a:cs typeface="Consolas" pitchFamily="49" charset="0"/>
+              </a:rPr>
+              <a:t>);</a:t>
+            </a:r>
+            <a:endParaRPr lang="pl-PL" sz="1600" dirty="0" smtClean="0">
+              <a:solidFill>
+                <a:srgbClr val="000000"/>
+              </a:solidFill>
+              <a:latin typeface="Consolas" pitchFamily="49" charset="0"/>
+              <a:cs typeface="Consolas" pitchFamily="49" charset="0"/>
+            </a:endParaRPr>
+          </a:p>
+          <a:p>
+            <a:pPr marL="0" indent="0">
+              <a:buNone/>
+            </a:pPr>
+            <a:endParaRPr lang="pl-PL" dirty="0" smtClean="0"/>
+          </a:p>
+          <a:p>
+            <a:pPr marL="0" indent="0">
+              <a:buNone/>
+            </a:pPr>
+            <a:endParaRPr lang="pl-PL" dirty="0"/>
+          </a:p>
+        </p:txBody>
+      </p:sp>
+    </p:spTree>
+    <p:extLst>
+      <p:ext uri="{BB962C8B-B14F-4D97-AF65-F5344CB8AC3E}">
+        <p14:creationId xmlns:p14="http://schemas.microsoft.com/office/powerpoint/2010/main" val="3286949168"/>
+      </p:ext>
+    </p:extLst>
+  </p:cSld>
+  <p:clrMapOvr>
+    <a:masterClrMapping/>
+  </p:clrMapOvr>
+  <p:timing>
+    <p:tnLst>
+      <p:par>
+        <p:cTn id="1" dur="indefinite" restart="never" nodeType="tmRoot"/>
+      </p:par>
+    </p:tnLst>
+  </p:timing>
+</p:sld>
+</file>
+
+<file path=ppt/slides/slide17.xml><?xml version="1.0" encoding="utf-8"?>
+<p:sld xmlns:a="http://schemas.openxmlformats.org/drawingml/2006/main" xmlns:r="http://schemas.openxmlformats.org/officeDocument/2006/relationships" xmlns:p="http://schemas.openxmlformats.org/presentationml/2006/main">
+  <p:cSld>
+    <p:spTree>
+      <p:nvGrpSpPr>
+        <p:cNvPr id="1" name=""/>
+        <p:cNvGrpSpPr/>
+        <p:nvPr/>
+      </p:nvGrpSpPr>
+      <p:grpSpPr>
+        <a:xfrm>
+          <a:off x="0" y="0"/>
+          <a:ext cx="0" cy="0"/>
+          <a:chOff x="0" y="0"/>
+          <a:chExt cx="0" cy="0"/>
+        </a:xfrm>
+      </p:grpSpPr>
+      <p:sp>
+        <p:nvSpPr>
+          <p:cNvPr id="2" name="Date Placeholder 1"/>
+          <p:cNvSpPr>
+            <a:spLocks noGrp="1"/>
+          </p:cNvSpPr>
+          <p:nvPr>
+            <p:ph type="dt" sz="half" idx="10"/>
+          </p:nvPr>
+        </p:nvSpPr>
+        <p:spPr/>
+        <p:txBody>
+          <a:bodyPr/>
+          <a:lstStyle/>
+          <a:p>
+            <a:r>
+              <a:rPr lang="pl-PL" dirty="0"/>
+              <a:t>2015-03-07 |  </a:t>
+            </a:r>
+            <a:r>
+              <a:rPr lang="pl-PL" dirty="0" smtClean="0"/>
+              <a:t>Gliwice</a:t>
+            </a:r>
+            <a:endParaRPr lang="pl-PL" dirty="0"/>
+          </a:p>
+        </p:txBody>
+      </p:sp>
+      <p:sp>
+        <p:nvSpPr>
+          <p:cNvPr id="3" name="Slide Number Placeholder 2"/>
+          <p:cNvSpPr>
+            <a:spLocks noGrp="1"/>
+          </p:cNvSpPr>
+          <p:nvPr>
+            <p:ph type="sldNum" sz="quarter" idx="12"/>
+          </p:nvPr>
+        </p:nvSpPr>
+        <p:spPr/>
+        <p:txBody>
+          <a:bodyPr/>
+          <a:lstStyle/>
+          <a:p>
+            <a:fld id="{AB8D87DA-8905-40F0-85F7-F6E49E4446E9}" type="slidenum">
+              <a:rPr lang="pl-PL" smtClean="0"/>
+              <a:t>17</a:t>
             </a:fld>
             <a:endParaRPr lang="pl-PL" dirty="0"/>
           </a:p>
@@ -10797,7 +11014,7 @@
 </p:sld>
 </file>
 
-<file path=ppt/slides/slide17.xml><?xml version="1.0" encoding="utf-8"?>
+<file path=ppt/slides/slide18.xml><?xml version="1.0" encoding="utf-8"?>
 <p:sld xmlns:a="http://schemas.openxmlformats.org/drawingml/2006/main" xmlns:r="http://schemas.openxmlformats.org/officeDocument/2006/relationships" xmlns:p="http://schemas.openxmlformats.org/presentationml/2006/main">
   <p:cSld>
     <p:spTree>
@@ -10858,7 +11075,7 @@
           <a:p>
             <a:fld id="{AB8D87DA-8905-40F0-85F7-F6E49E4446E9}" type="slidenum">
               <a:rPr lang="pl-PL" smtClean="0"/>
-              <a:t>17</a:t>
+              <a:t>18</a:t>
             </a:fld>
             <a:endParaRPr lang="pl-PL" dirty="0"/>
           </a:p>
@@ -10992,7 +11209,7 @@
 </p:sld>
 </file>
 
-<file path=ppt/slides/slide18.xml><?xml version="1.0" encoding="utf-8"?>
+<file path=ppt/slides/slide19.xml><?xml version="1.0" encoding="utf-8"?>
 <p:sld xmlns:a="http://schemas.openxmlformats.org/drawingml/2006/main" xmlns:r="http://schemas.openxmlformats.org/officeDocument/2006/relationships" xmlns:p="http://schemas.openxmlformats.org/presentationml/2006/main">
   <p:cSld>
     <p:spTree>
@@ -11053,7 +11270,7 @@
           <a:p>
             <a:fld id="{AB8D87DA-8905-40F0-85F7-F6E49E4446E9}" type="slidenum">
               <a:rPr lang="pl-PL" smtClean="0"/>
-              <a:t>18</a:t>
+              <a:t>19</a:t>
             </a:fld>
             <a:endParaRPr lang="pl-PL" dirty="0"/>
           </a:p>
@@ -11186,236 +11403,6 @@
     <p:extLst>
       <p:ext uri="{BB962C8B-B14F-4D97-AF65-F5344CB8AC3E}">
         <p14:creationId xmlns:p14="http://schemas.microsoft.com/office/powerpoint/2010/main" val="1542516543"/>
-      </p:ext>
-    </p:extLst>
-  </p:cSld>
-  <p:clrMapOvr>
-    <a:masterClrMapping/>
-  </p:clrMapOvr>
-  <p:timing>
-    <p:tnLst>
-      <p:par>
-        <p:cTn id="1" dur="indefinite" restart="never" nodeType="tmRoot"/>
-      </p:par>
-    </p:tnLst>
-  </p:timing>
-</p:sld>
-</file>
-
-<file path=ppt/slides/slide19.xml><?xml version="1.0" encoding="utf-8"?>
-<p:sld xmlns:a="http://schemas.openxmlformats.org/drawingml/2006/main" xmlns:r="http://schemas.openxmlformats.org/officeDocument/2006/relationships" xmlns:p="http://schemas.openxmlformats.org/presentationml/2006/main">
-  <p:cSld>
-    <p:spTree>
-      <p:nvGrpSpPr>
-        <p:cNvPr id="1" name=""/>
-        <p:cNvGrpSpPr/>
-        <p:nvPr/>
-      </p:nvGrpSpPr>
-      <p:grpSpPr>
-        <a:xfrm>
-          <a:off x="0" y="0"/>
-          <a:ext cx="0" cy="0"/>
-          <a:chOff x="0" y="0"/>
-          <a:chExt cx="0" cy="0"/>
-        </a:xfrm>
-      </p:grpSpPr>
-      <p:sp>
-        <p:nvSpPr>
-          <p:cNvPr id="2" name="Date Placeholder 1"/>
-          <p:cNvSpPr>
-            <a:spLocks noGrp="1"/>
-          </p:cNvSpPr>
-          <p:nvPr>
-            <p:ph type="dt" sz="half" idx="10"/>
-          </p:nvPr>
-        </p:nvSpPr>
-        <p:spPr/>
-        <p:txBody>
-          <a:bodyPr/>
-          <a:lstStyle/>
-          <a:p>
-            <a:r>
-              <a:rPr lang="pl-PL" dirty="0"/>
-              <a:t>2015-03-07 |  </a:t>
-            </a:r>
-            <a:r>
-              <a:rPr lang="pl-PL" dirty="0" smtClean="0"/>
-              <a:t>Gliwice</a:t>
-            </a:r>
-            <a:endParaRPr lang="pl-PL" dirty="0"/>
-          </a:p>
-        </p:txBody>
-      </p:sp>
-      <p:sp>
-        <p:nvSpPr>
-          <p:cNvPr id="3" name="Slide Number Placeholder 2"/>
-          <p:cNvSpPr>
-            <a:spLocks noGrp="1"/>
-          </p:cNvSpPr>
-          <p:nvPr>
-            <p:ph type="sldNum" sz="quarter" idx="12"/>
-          </p:nvPr>
-        </p:nvSpPr>
-        <p:spPr/>
-        <p:txBody>
-          <a:bodyPr/>
-          <a:lstStyle/>
-          <a:p>
-            <a:fld id="{AB8D87DA-8905-40F0-85F7-F6E49E4446E9}" type="slidenum">
-              <a:rPr lang="pl-PL" smtClean="0"/>
-              <a:t>19</a:t>
-            </a:fld>
-            <a:endParaRPr lang="pl-PL" dirty="0"/>
-          </a:p>
-        </p:txBody>
-      </p:sp>
-      <p:sp>
-        <p:nvSpPr>
-          <p:cNvPr id="4" name="Content Placeholder 3"/>
-          <p:cNvSpPr>
-            <a:spLocks noGrp="1"/>
-          </p:cNvSpPr>
-          <p:nvPr>
-            <p:ph idx="1"/>
-          </p:nvPr>
-        </p:nvSpPr>
-        <p:spPr/>
-        <p:txBody>
-          <a:bodyPr/>
-          <a:lstStyle/>
-          <a:p>
-            <a:pPr marL="0" indent="0">
-              <a:buNone/>
-            </a:pPr>
-            <a:r>
-              <a:rPr lang="pl-PL" dirty="0" smtClean="0"/>
-              <a:t>Podstawowe widoki</a:t>
-            </a:r>
-            <a:endParaRPr lang="pl-PL" dirty="0" smtClean="0"/>
-          </a:p>
-          <a:p>
-            <a:r>
-              <a:rPr lang="pl-PL" dirty="0" smtClean="0"/>
-              <a:t>TextView</a:t>
-            </a:r>
-          </a:p>
-          <a:p>
-            <a:r>
-              <a:rPr lang="pl-PL" dirty="0" smtClean="0"/>
-              <a:t>EditText</a:t>
-            </a:r>
-          </a:p>
-          <a:p>
-            <a:r>
-              <a:rPr lang="pl-PL" dirty="0" smtClean="0"/>
-              <a:t>Button</a:t>
-            </a:r>
-          </a:p>
-          <a:p>
-            <a:r>
-              <a:rPr lang="pl-PL" dirty="0" smtClean="0"/>
-              <a:t>ImageView</a:t>
-            </a:r>
-          </a:p>
-          <a:p>
-            <a:endParaRPr lang="pl-PL" dirty="0" smtClean="0"/>
-          </a:p>
-          <a:p>
-            <a:endParaRPr lang="pl-PL" dirty="0"/>
-          </a:p>
-          <a:p>
-            <a:endParaRPr lang="pl-PL" dirty="0"/>
-          </a:p>
-          <a:p>
-            <a:pPr marL="0" indent="0">
-              <a:buNone/>
-            </a:pPr>
-            <a:r>
-              <a:rPr lang="pl-PL" dirty="0" smtClean="0"/>
-              <a:t>Definicje układów ekranu przechowywane są w plikach</a:t>
-            </a:r>
-            <a:r>
-              <a:rPr lang="pl-PL" dirty="0" smtClean="0"/>
-              <a:t>*.xml w pod folderze </a:t>
-            </a:r>
-            <a:r>
-              <a:rPr lang="pl-PL" dirty="0" err="1" smtClean="0"/>
-              <a:t>src</a:t>
-            </a:r>
-            <a:r>
-              <a:rPr lang="pl-PL" dirty="0" smtClean="0"/>
-              <a:t>/</a:t>
-            </a:r>
-            <a:r>
-              <a:rPr lang="pl-PL" dirty="0" err="1" smtClean="0"/>
-              <a:t>main</a:t>
-            </a:r>
-            <a:r>
-              <a:rPr lang="pl-PL" dirty="0" smtClean="0"/>
-              <a:t>/res/</a:t>
-            </a:r>
-            <a:r>
-              <a:rPr lang="pl-PL" dirty="0" err="1" smtClean="0"/>
-              <a:t>layout</a:t>
-            </a:r>
-            <a:endParaRPr lang="pl-PL" dirty="0" smtClean="0"/>
-          </a:p>
-          <a:p>
-            <a:endParaRPr lang="pl-PL" dirty="0" smtClean="0"/>
-          </a:p>
-          <a:p>
-            <a:pPr marL="0" indent="0">
-              <a:buNone/>
-            </a:pPr>
-            <a:endParaRPr lang="pl-PL" dirty="0"/>
-          </a:p>
-        </p:txBody>
-      </p:sp>
-      <p:pic>
-        <p:nvPicPr>
-          <p:cNvPr id="3074" name="Picture 2" descr="http://developer.android.com/images/ui/ui-controls.png"/>
-          <p:cNvPicPr>
-            <a:picLocks noChangeAspect="1" noChangeArrowheads="1"/>
-          </p:cNvPicPr>
-          <p:nvPr/>
-        </p:nvPicPr>
-        <p:blipFill>
-          <a:blip r:embed="rId3">
-            <a:extLst>
-              <a:ext uri="{28A0092B-C50C-407E-A947-70E740481C1C}">
-                <a14:useLocalDpi xmlns:a14="http://schemas.microsoft.com/office/drawing/2010/main" val="0"/>
-              </a:ext>
-            </a:extLst>
-          </a:blip>
-          <a:srcRect/>
-          <a:stretch>
-            <a:fillRect/>
-          </a:stretch>
-        </p:blipFill>
-        <p:spPr bwMode="auto">
-          <a:xfrm>
-            <a:off x="4716016" y="1484784"/>
-            <a:ext cx="3190875" cy="1781176"/>
-          </a:xfrm>
-          <a:prstGeom prst="rect">
-            <a:avLst/>
-          </a:prstGeom>
-          <a:noFill/>
-          <a:extLst>
-            <a:ext uri="{909E8E84-426E-40DD-AFC4-6F175D3DCCD1}">
-              <a14:hiddenFill xmlns:a14="http://schemas.microsoft.com/office/drawing/2010/main">
-                <a:solidFill>
-                  <a:srgbClr val="FFFFFF"/>
-                </a:solidFill>
-              </a14:hiddenFill>
-            </a:ext>
-          </a:extLst>
-        </p:spPr>
-      </p:pic>
-    </p:spTree>
-    <p:extLst>
-      <p:ext uri="{BB962C8B-B14F-4D97-AF65-F5344CB8AC3E}">
-        <p14:creationId xmlns:p14="http://schemas.microsoft.com/office/powerpoint/2010/main" val="3324976623"/>
       </p:ext>
     </p:extLst>
   </p:cSld>
@@ -12161,36 +12148,138 @@
           <a:bodyPr/>
           <a:lstStyle/>
           <a:p>
-            <a:pPr marL="0" indent="0" algn="ctr">
+            <a:pPr marL="0" indent="0">
               <a:buNone/>
             </a:pPr>
-            <a:endParaRPr lang="pl-PL" sz="5400" dirty="0" smtClean="0"/>
-          </a:p>
-          <a:p>
-            <a:pPr marL="0" indent="0" algn="ctr">
+            <a:r>
+              <a:rPr lang="pl-PL" dirty="0" smtClean="0"/>
+              <a:t>Podstawowe widoki</a:t>
+            </a:r>
+            <a:endParaRPr lang="pl-PL" dirty="0" smtClean="0"/>
+          </a:p>
+          <a:p>
+            <a:r>
+              <a:rPr lang="pl-PL" dirty="0" smtClean="0"/>
+              <a:t>TextView</a:t>
+            </a:r>
+          </a:p>
+          <a:p>
+            <a:r>
+              <a:rPr lang="pl-PL" dirty="0" smtClean="0"/>
+              <a:t>EditText</a:t>
+            </a:r>
+          </a:p>
+          <a:p>
+            <a:r>
+              <a:rPr lang="pl-PL" dirty="0" smtClean="0"/>
+              <a:t>Button</a:t>
+            </a:r>
+          </a:p>
+          <a:p>
+            <a:r>
+              <a:rPr lang="pl-PL" dirty="0" smtClean="0"/>
+              <a:t>ImageView</a:t>
+            </a:r>
+          </a:p>
+          <a:p>
+            <a:endParaRPr lang="pl-PL" dirty="0" smtClean="0"/>
+          </a:p>
+          <a:p>
+            <a:endParaRPr lang="pl-PL" dirty="0"/>
+          </a:p>
+          <a:p>
+            <a:endParaRPr lang="pl-PL" dirty="0"/>
+          </a:p>
+          <a:p>
+            <a:pPr marL="0" indent="0">
               <a:buNone/>
             </a:pPr>
             <a:r>
-              <a:rPr lang="pl-PL" sz="5400" dirty="0" smtClean="0"/>
-              <a:t>Android Studio Time</a:t>
-            </a:r>
-          </a:p>
-          <a:p>
-            <a:pPr marL="0" indent="0" algn="ctr">
+              <a:rPr lang="pl-PL" dirty="0" smtClean="0"/>
+              <a:t>Definicje układów ekranu przechowywane są w plikach</a:t>
+            </a:r>
+            <a:r>
+              <a:rPr lang="pl-PL" dirty="0" smtClean="0"/>
+              <a:t>*.xml w pod folderze </a:t>
+            </a:r>
+            <a:r>
+              <a:rPr lang="pl-PL" dirty="0" err="1" smtClean="0"/>
+              <a:t>src</a:t>
+            </a:r>
+            <a:r>
+              <a:rPr lang="pl-PL" dirty="0" smtClean="0"/>
+              <a:t>/</a:t>
+            </a:r>
+            <a:r>
+              <a:rPr lang="pl-PL" dirty="0" err="1" smtClean="0"/>
+              <a:t>main</a:t>
+            </a:r>
+            <a:r>
+              <a:rPr lang="pl-PL" dirty="0" smtClean="0"/>
+              <a:t>/res/</a:t>
+            </a:r>
+            <a:r>
+              <a:rPr lang="pl-PL" dirty="0" err="1" smtClean="0"/>
+              <a:t>layout</a:t>
+            </a:r>
+            <a:endParaRPr lang="pl-PL" dirty="0" smtClean="0"/>
+          </a:p>
+          <a:p>
+            <a:endParaRPr lang="pl-PL" dirty="0" smtClean="0"/>
+          </a:p>
+          <a:p>
+            <a:pPr marL="0" indent="0">
               <a:buNone/>
             </a:pPr>
-            <a:r>
-              <a:rPr lang="pl-PL" sz="3600" dirty="0" smtClean="0"/>
-              <a:t>Tworzenie układu ekranu</a:t>
-            </a:r>
-            <a:endParaRPr lang="pl-PL" sz="3600" dirty="0" smtClean="0"/>
-          </a:p>
-        </p:txBody>
-      </p:sp>
+            <a:endParaRPr lang="pl-PL" dirty="0"/>
+          </a:p>
+        </p:txBody>
+      </p:sp>
+      <p:pic>
+        <p:nvPicPr>
+          <p:cNvPr id="3074" name="Picture 2" descr="http://developer.android.com/images/ui/ui-controls.png"/>
+          <p:cNvPicPr>
+            <a:picLocks noChangeAspect="1" noChangeArrowheads="1"/>
+          </p:cNvPicPr>
+          <p:nvPr/>
+        </p:nvPicPr>
+        <p:blipFill>
+          <a:blip r:embed="rId3">
+            <a:extLst>
+              <a:ext uri="{28A0092B-C50C-407E-A947-70E740481C1C}">
+                <a14:useLocalDpi xmlns:a14="http://schemas.microsoft.com/office/drawing/2010/main" val="0"/>
+              </a:ext>
+            </a:extLst>
+          </a:blip>
+          <a:srcRect/>
+          <a:stretch>
+            <a:fillRect/>
+          </a:stretch>
+        </p:blipFill>
+        <p:spPr bwMode="auto">
+          <a:xfrm>
+            <a:off x="4716016" y="1484784"/>
+            <a:ext cx="3190875" cy="1781176"/>
+          </a:xfrm>
+          <a:prstGeom prst="rect">
+            <a:avLst/>
+          </a:prstGeom>
+          <a:noFill/>
+          <a:extLst>
+            <a:ext uri="{909E8E84-426E-40DD-AFC4-6F175D3DCCD1}">
+              <a14:hiddenFill xmlns:a14="http://schemas.microsoft.com/office/drawing/2010/main">
+                <a:solidFill>
+                  <a:srgbClr val="FFFFFF"/>
+                </a:solidFill>
+              </a14:hiddenFill>
+            </a:ext>
+          </a:extLst>
+        </p:spPr>
+      </p:pic>
     </p:spTree>
     <p:extLst>
       <p:ext uri="{BB962C8B-B14F-4D97-AF65-F5344CB8AC3E}">
-        <p14:creationId xmlns:p14="http://schemas.microsoft.com/office/powerpoint/2010/main" val="2063304633"/>
+        <p14:creationId xmlns:p14="http://schemas.microsoft.com/office/powerpoint/2010/main" val="3324976623"/>
       </p:ext>
     </p:extLst>
   </p:cSld>
@@ -12269,6 +12358,134 @@
             <a:fld id="{AB8D87DA-8905-40F0-85F7-F6E49E4446E9}" type="slidenum">
               <a:rPr lang="pl-PL" smtClean="0"/>
               <a:t>21</a:t>
+            </a:fld>
+            <a:endParaRPr lang="pl-PL" dirty="0"/>
+          </a:p>
+        </p:txBody>
+      </p:sp>
+      <p:sp>
+        <p:nvSpPr>
+          <p:cNvPr id="4" name="Content Placeholder 3"/>
+          <p:cNvSpPr>
+            <a:spLocks noGrp="1"/>
+          </p:cNvSpPr>
+          <p:nvPr>
+            <p:ph idx="1"/>
+          </p:nvPr>
+        </p:nvSpPr>
+        <p:spPr/>
+        <p:txBody>
+          <a:bodyPr/>
+          <a:lstStyle/>
+          <a:p>
+            <a:pPr marL="0" indent="0" algn="ctr">
+              <a:buNone/>
+            </a:pPr>
+            <a:endParaRPr lang="pl-PL" sz="5400" dirty="0" smtClean="0"/>
+          </a:p>
+          <a:p>
+            <a:pPr marL="0" indent="0" algn="ctr">
+              <a:buNone/>
+            </a:pPr>
+            <a:r>
+              <a:rPr lang="pl-PL" sz="5400" dirty="0" smtClean="0"/>
+              <a:t>Android Studio Time</a:t>
+            </a:r>
+          </a:p>
+          <a:p>
+            <a:pPr marL="0" indent="0" algn="ctr">
+              <a:buNone/>
+            </a:pPr>
+            <a:r>
+              <a:rPr lang="pl-PL" sz="3600" dirty="0" smtClean="0"/>
+              <a:t>Tworzenie układu ekranu</a:t>
+            </a:r>
+            <a:endParaRPr lang="pl-PL" sz="3600" dirty="0" smtClean="0"/>
+          </a:p>
+        </p:txBody>
+      </p:sp>
+    </p:spTree>
+    <p:extLst>
+      <p:ext uri="{BB962C8B-B14F-4D97-AF65-F5344CB8AC3E}">
+        <p14:creationId xmlns:p14="http://schemas.microsoft.com/office/powerpoint/2010/main" val="2063304633"/>
+      </p:ext>
+    </p:extLst>
+  </p:cSld>
+  <p:clrMapOvr>
+    <a:masterClrMapping/>
+  </p:clrMapOvr>
+  <p:timing>
+    <p:tnLst>
+      <p:par>
+        <p:cTn id="1" dur="indefinite" restart="never" nodeType="tmRoot"/>
+      </p:par>
+    </p:tnLst>
+  </p:timing>
+</p:sld>
+</file>
+
+<file path=ppt/slides/slide22.xml><?xml version="1.0" encoding="utf-8"?>
+<p:sld xmlns:a="http://schemas.openxmlformats.org/drawingml/2006/main" xmlns:r="http://schemas.openxmlformats.org/officeDocument/2006/relationships" xmlns:p="http://schemas.openxmlformats.org/presentationml/2006/main">
+  <p:cSld>
+    <p:spTree>
+      <p:nvGrpSpPr>
+        <p:cNvPr id="1" name=""/>
+        <p:cNvGrpSpPr/>
+        <p:nvPr/>
+      </p:nvGrpSpPr>
+      <p:grpSpPr>
+        <a:xfrm>
+          <a:off x="0" y="0"/>
+          <a:ext cx="0" cy="0"/>
+          <a:chOff x="0" y="0"/>
+          <a:chExt cx="0" cy="0"/>
+        </a:xfrm>
+      </p:grpSpPr>
+      <p:sp>
+        <p:nvSpPr>
+          <p:cNvPr id="2" name="Date Placeholder 1"/>
+          <p:cNvSpPr>
+            <a:spLocks noGrp="1"/>
+          </p:cNvSpPr>
+          <p:nvPr>
+            <p:ph type="dt" sz="half" idx="10"/>
+          </p:nvPr>
+        </p:nvSpPr>
+        <p:spPr/>
+        <p:txBody>
+          <a:bodyPr/>
+          <a:lstStyle/>
+          <a:p>
+            <a:r>
+              <a:rPr lang="pl-PL" dirty="0"/>
+              <a:t>2015-03-07 |  </a:t>
+            </a:r>
+            <a:r>
+              <a:rPr lang="pl-PL" dirty="0" smtClean="0"/>
+              <a:t>Gliwice</a:t>
+            </a:r>
+            <a:endParaRPr lang="pl-PL" dirty="0"/>
+          </a:p>
+        </p:txBody>
+      </p:sp>
+      <p:sp>
+        <p:nvSpPr>
+          <p:cNvPr id="3" name="Slide Number Placeholder 2"/>
+          <p:cNvSpPr>
+            <a:spLocks noGrp="1"/>
+          </p:cNvSpPr>
+          <p:nvPr>
+            <p:ph type="sldNum" sz="quarter" idx="12"/>
+          </p:nvPr>
+        </p:nvSpPr>
+        <p:spPr/>
+        <p:txBody>
+          <a:bodyPr/>
+          <a:lstStyle/>
+          <a:p>
+            <a:fld id="{AB8D87DA-8905-40F0-85F7-F6E49E4446E9}" type="slidenum">
+              <a:rPr lang="pl-PL" smtClean="0"/>
+              <a:t>22</a:t>
             </a:fld>
             <a:endParaRPr lang="pl-PL" dirty="0"/>
           </a:p>
@@ -12451,904 +12668,6 @@
 </p:sld>
 </file>
 
-<file path=ppt/slides/slide22.xml><?xml version="1.0" encoding="utf-8"?>
-<p:sld xmlns:a="http://schemas.openxmlformats.org/drawingml/2006/main" xmlns:r="http://schemas.openxmlformats.org/officeDocument/2006/relationships" xmlns:p="http://schemas.openxmlformats.org/presentationml/2006/main">
-  <p:cSld>
-    <p:spTree>
-      <p:nvGrpSpPr>
-        <p:cNvPr id="1" name=""/>
-        <p:cNvGrpSpPr/>
-        <p:nvPr/>
-      </p:nvGrpSpPr>
-      <p:grpSpPr>
-        <a:xfrm>
-          <a:off x="0" y="0"/>
-          <a:ext cx="0" cy="0"/>
-          <a:chOff x="0" y="0"/>
-          <a:chExt cx="0" cy="0"/>
-        </a:xfrm>
-      </p:grpSpPr>
-      <p:sp>
-        <p:nvSpPr>
-          <p:cNvPr id="2" name="Date Placeholder 1"/>
-          <p:cNvSpPr>
-            <a:spLocks noGrp="1"/>
-          </p:cNvSpPr>
-          <p:nvPr>
-            <p:ph type="dt" sz="half" idx="10"/>
-          </p:nvPr>
-        </p:nvSpPr>
-        <p:spPr/>
-        <p:txBody>
-          <a:bodyPr/>
-          <a:lstStyle/>
-          <a:p>
-            <a:r>
-              <a:rPr lang="pl-PL" dirty="0"/>
-              <a:t>2015-03-07 </a:t>
-            </a:r>
-            <a:r>
-              <a:rPr lang="pl-PL" dirty="0" smtClean="0"/>
-              <a:t>|  </a:t>
-            </a:r>
-            <a:r>
-              <a:rPr lang="pl-PL" dirty="0" smtClean="0"/>
-              <a:t>Gliwice</a:t>
-            </a:r>
-            <a:endParaRPr lang="pl-PL" dirty="0"/>
-          </a:p>
-        </p:txBody>
-      </p:sp>
-      <p:sp>
-        <p:nvSpPr>
-          <p:cNvPr id="3" name="Slide Number Placeholder 2"/>
-          <p:cNvSpPr>
-            <a:spLocks noGrp="1"/>
-          </p:cNvSpPr>
-          <p:nvPr>
-            <p:ph type="sldNum" sz="quarter" idx="12"/>
-          </p:nvPr>
-        </p:nvSpPr>
-        <p:spPr/>
-        <p:txBody>
-          <a:bodyPr/>
-          <a:lstStyle/>
-          <a:p>
-            <a:fld id="{AB8D87DA-8905-40F0-85F7-F6E49E4446E9}" type="slidenum">
-              <a:rPr lang="pl-PL" smtClean="0"/>
-              <a:t>22</a:t>
-            </a:fld>
-            <a:endParaRPr lang="pl-PL" dirty="0"/>
-          </a:p>
-        </p:txBody>
-      </p:sp>
-      <p:sp>
-        <p:nvSpPr>
-          <p:cNvPr id="4" name="Content Placeholder 3"/>
-          <p:cNvSpPr>
-            <a:spLocks noGrp="1"/>
-          </p:cNvSpPr>
-          <p:nvPr>
-            <p:ph idx="1"/>
-          </p:nvPr>
-        </p:nvSpPr>
-        <p:spPr/>
-        <p:txBody>
-          <a:bodyPr/>
-          <a:lstStyle/>
-          <a:p>
-            <a:pPr marL="0" indent="0">
-              <a:buNone/>
-            </a:pPr>
-            <a:r>
-              <a:rPr lang="pl-PL" dirty="0" smtClean="0"/>
-              <a:t>Interakcja między widokiem i aktywnością</a:t>
-            </a:r>
-            <a:endParaRPr lang="pl-PL" dirty="0" smtClean="0"/>
-          </a:p>
-          <a:p>
-            <a:pPr marL="0" indent="0">
-              <a:buNone/>
-            </a:pPr>
-            <a:r>
-              <a:rPr lang="pl-PL" dirty="0" smtClean="0"/>
-              <a:t>Źródło z </a:t>
-            </a:r>
-            <a:r>
-              <a:rPr lang="pl-PL" dirty="0" err="1" smtClean="0"/>
-              <a:t>src</a:t>
-            </a:r>
-            <a:r>
-              <a:rPr lang="pl-PL" dirty="0" smtClean="0"/>
-              <a:t>/</a:t>
-            </a:r>
-            <a:r>
-              <a:rPr lang="pl-PL" dirty="0" err="1" smtClean="0"/>
-              <a:t>main</a:t>
-            </a:r>
-            <a:r>
-              <a:rPr lang="pl-PL" dirty="0" smtClean="0"/>
-              <a:t>/res/</a:t>
-            </a:r>
-            <a:r>
-              <a:rPr lang="pl-PL" dirty="0" err="1" smtClean="0"/>
-              <a:t>layout</a:t>
-            </a:r>
-            <a:r>
-              <a:rPr lang="pl-PL" dirty="0" smtClean="0"/>
-              <a:t>/activity_main.xml</a:t>
-            </a:r>
-            <a:endParaRPr lang="pl-PL" dirty="0" smtClean="0"/>
-          </a:p>
-          <a:p>
-            <a:pPr marL="0" indent="0">
-              <a:buNone/>
-            </a:pPr>
-            <a:r>
-              <a:rPr lang="en-US" sz="1600" dirty="0" smtClean="0">
-                <a:solidFill>
-                  <a:srgbClr val="000000"/>
-                </a:solidFill>
-                <a:latin typeface="Consolas" pitchFamily="49" charset="0"/>
-                <a:cs typeface="Consolas" pitchFamily="49" charset="0"/>
-              </a:rPr>
-              <a:t>...</a:t>
-            </a:r>
-            <a:endParaRPr lang="en-US" sz="1600" dirty="0">
-              <a:solidFill>
-                <a:srgbClr val="000000"/>
-              </a:solidFill>
-              <a:latin typeface="Consolas" pitchFamily="49" charset="0"/>
-              <a:cs typeface="Consolas" pitchFamily="49" charset="0"/>
-            </a:endParaRPr>
-          </a:p>
-          <a:p>
-            <a:pPr marL="0" indent="0">
-              <a:buNone/>
-            </a:pPr>
-            <a:r>
-              <a:rPr lang="en-US" sz="1600" dirty="0" smtClean="0">
-                <a:solidFill>
-                  <a:srgbClr val="008080"/>
-                </a:solidFill>
-                <a:latin typeface="Consolas" pitchFamily="49" charset="0"/>
-                <a:cs typeface="Consolas" pitchFamily="49" charset="0"/>
-              </a:rPr>
-              <a:t>&lt;</a:t>
-            </a:r>
-            <a:r>
-              <a:rPr lang="en-US" sz="1600" dirty="0">
-                <a:solidFill>
-                  <a:srgbClr val="3F7F7F"/>
-                </a:solidFill>
-                <a:latin typeface="Consolas" pitchFamily="49" charset="0"/>
-                <a:cs typeface="Consolas" pitchFamily="49" charset="0"/>
-              </a:rPr>
-              <a:t>Button </a:t>
-            </a:r>
-            <a:r>
-              <a:rPr lang="en-US" sz="1600" dirty="0" err="1">
-                <a:solidFill>
-                  <a:srgbClr val="7F007F"/>
-                </a:solidFill>
-                <a:latin typeface="Consolas" pitchFamily="49" charset="0"/>
-                <a:cs typeface="Consolas" pitchFamily="49" charset="0"/>
-              </a:rPr>
-              <a:t>android:id</a:t>
-            </a:r>
-            <a:r>
-              <a:rPr lang="en-US" sz="1600" dirty="0" smtClean="0">
-                <a:solidFill>
-                  <a:srgbClr val="000000"/>
-                </a:solidFill>
-                <a:latin typeface="Consolas" pitchFamily="49" charset="0"/>
-                <a:cs typeface="Consolas" pitchFamily="49" charset="0"/>
-              </a:rPr>
-              <a:t>=</a:t>
-            </a:r>
-            <a:r>
-              <a:rPr lang="en-US" sz="1600" i="1" dirty="0">
-                <a:solidFill>
-                  <a:srgbClr val="2A00FF"/>
-                </a:solidFill>
-                <a:latin typeface="Consolas" pitchFamily="49" charset="0"/>
-                <a:cs typeface="Consolas" pitchFamily="49" charset="0"/>
-              </a:rPr>
-              <a:t>"@+id/</a:t>
-            </a:r>
-            <a:r>
-              <a:rPr lang="en-US" sz="1600" i="1" dirty="0" err="1">
-                <a:solidFill>
-                  <a:srgbClr val="2A00FF"/>
-                </a:solidFill>
-                <a:latin typeface="Consolas" pitchFamily="49" charset="0"/>
-                <a:cs typeface="Consolas" pitchFamily="49" charset="0"/>
-              </a:rPr>
-              <a:t>listCurrenciesButton</a:t>
-            </a:r>
-            <a:r>
-              <a:rPr lang="en-US" sz="1600" i="1" dirty="0">
-                <a:solidFill>
-                  <a:srgbClr val="2A00FF"/>
-                </a:solidFill>
-                <a:latin typeface="Consolas" pitchFamily="49" charset="0"/>
-                <a:cs typeface="Consolas" pitchFamily="49" charset="0"/>
-              </a:rPr>
-              <a:t>"</a:t>
-            </a:r>
-            <a:r>
-              <a:rPr lang="en-US" sz="1600" i="1" dirty="0" smtClean="0">
-                <a:solidFill>
-                  <a:srgbClr val="008080"/>
-                </a:solidFill>
-                <a:latin typeface="Consolas" pitchFamily="49" charset="0"/>
-                <a:cs typeface="Consolas" pitchFamily="49" charset="0"/>
-              </a:rPr>
-              <a:t>/&gt;</a:t>
-            </a:r>
-            <a:endParaRPr lang="en-US" sz="1600" i="1" dirty="0">
-              <a:solidFill>
-                <a:srgbClr val="008080"/>
-              </a:solidFill>
-              <a:latin typeface="Consolas" pitchFamily="49" charset="0"/>
-              <a:cs typeface="Consolas" pitchFamily="49" charset="0"/>
-            </a:endParaRPr>
-          </a:p>
-          <a:p>
-            <a:pPr marL="0" indent="0">
-              <a:buNone/>
-            </a:pPr>
-            <a:r>
-              <a:rPr lang="en-US" sz="1600" dirty="0" smtClean="0">
-                <a:solidFill>
-                  <a:srgbClr val="000000"/>
-                </a:solidFill>
-                <a:latin typeface="Consolas" pitchFamily="49" charset="0"/>
-                <a:cs typeface="Consolas" pitchFamily="49" charset="0"/>
-              </a:rPr>
-              <a:t>...</a:t>
-            </a:r>
-            <a:endParaRPr lang="pl-PL" sz="1600" dirty="0" smtClean="0">
-              <a:latin typeface="Consolas" pitchFamily="49" charset="0"/>
-              <a:cs typeface="Consolas" pitchFamily="49" charset="0"/>
-            </a:endParaRPr>
-          </a:p>
-          <a:p>
-            <a:pPr marL="0" indent="0">
-              <a:buNone/>
-            </a:pPr>
-            <a:r>
-              <a:rPr lang="pl-PL" dirty="0" smtClean="0"/>
-              <a:t>Źródło pliku </a:t>
-            </a:r>
-            <a:r>
-              <a:rPr lang="pl-PL" dirty="0" err="1" smtClean="0"/>
-              <a:t>src</a:t>
-            </a:r>
-            <a:r>
-              <a:rPr lang="pl-PL" dirty="0" smtClean="0"/>
-              <a:t>/</a:t>
-            </a:r>
-            <a:r>
-              <a:rPr lang="pl-PL" dirty="0" err="1" smtClean="0"/>
-              <a:t>main</a:t>
-            </a:r>
-            <a:r>
-              <a:rPr lang="pl-PL" dirty="0" smtClean="0"/>
-              <a:t>/</a:t>
-            </a:r>
-            <a:r>
-              <a:rPr lang="pl-PL" dirty="0" err="1" smtClean="0"/>
-              <a:t>java</a:t>
-            </a:r>
-            <a:r>
-              <a:rPr lang="pl-PL" dirty="0" smtClean="0"/>
-              <a:t>/…/MainActivity.java</a:t>
-            </a:r>
-            <a:endParaRPr lang="pl-PL" dirty="0" smtClean="0"/>
-          </a:p>
-          <a:p>
-            <a:pPr marL="0" indent="0">
-              <a:buNone/>
-            </a:pPr>
-            <a:r>
-              <a:rPr lang="pl-PL" sz="1600" dirty="0" smtClean="0">
-                <a:solidFill>
-                  <a:srgbClr val="7F0055"/>
-                </a:solidFill>
-                <a:latin typeface="Consolas" pitchFamily="49" charset="0"/>
-                <a:cs typeface="Consolas" pitchFamily="49" charset="0"/>
-              </a:rPr>
-              <a:t>...</a:t>
-            </a:r>
-          </a:p>
-          <a:p>
-            <a:pPr marL="0" indent="0">
-              <a:buNone/>
-            </a:pPr>
-            <a:r>
-              <a:rPr lang="en-US" sz="1600" dirty="0" smtClean="0">
-                <a:solidFill>
-                  <a:srgbClr val="7F0055"/>
-                </a:solidFill>
-                <a:latin typeface="Consolas" pitchFamily="49" charset="0"/>
-                <a:cs typeface="Consolas" pitchFamily="49" charset="0"/>
-              </a:rPr>
-              <a:t>protected</a:t>
-            </a:r>
-            <a:r>
-              <a:rPr lang="en-US" sz="1600" dirty="0" smtClean="0">
-                <a:solidFill>
-                  <a:srgbClr val="000000"/>
-                </a:solidFill>
-                <a:latin typeface="Consolas" pitchFamily="49" charset="0"/>
-                <a:cs typeface="Consolas" pitchFamily="49" charset="0"/>
-              </a:rPr>
-              <a:t> Button </a:t>
-            </a:r>
-            <a:r>
-              <a:rPr lang="en-US" sz="1600" dirty="0" smtClean="0">
-                <a:solidFill>
-                  <a:srgbClr val="0000C0"/>
-                </a:solidFill>
-                <a:latin typeface="Consolas" pitchFamily="49" charset="0"/>
-                <a:cs typeface="Consolas" pitchFamily="49" charset="0"/>
-              </a:rPr>
-              <a:t>button1</a:t>
-            </a:r>
-            <a:r>
-              <a:rPr lang="en-US" sz="1600" dirty="0" smtClean="0">
-                <a:solidFill>
-                  <a:srgbClr val="000000"/>
-                </a:solidFill>
-                <a:latin typeface="Consolas" pitchFamily="49" charset="0"/>
-                <a:cs typeface="Consolas" pitchFamily="49" charset="0"/>
-              </a:rPr>
-              <a:t>;</a:t>
-            </a:r>
-          </a:p>
-          <a:p>
-            <a:pPr marL="0" indent="0">
-              <a:buNone/>
-            </a:pPr>
-            <a:r>
-              <a:rPr lang="en-US" sz="1600" dirty="0" smtClean="0">
-                <a:solidFill>
-                  <a:srgbClr val="7F0055"/>
-                </a:solidFill>
-                <a:latin typeface="Consolas" pitchFamily="49" charset="0"/>
-                <a:cs typeface="Consolas" pitchFamily="49" charset="0"/>
-              </a:rPr>
-              <a:t>protected</a:t>
-            </a:r>
-            <a:r>
-              <a:rPr lang="en-US" sz="1600" dirty="0" smtClean="0">
-                <a:solidFill>
-                  <a:srgbClr val="000000"/>
-                </a:solidFill>
-                <a:latin typeface="Consolas" pitchFamily="49" charset="0"/>
-                <a:cs typeface="Consolas" pitchFamily="49" charset="0"/>
-              </a:rPr>
-              <a:t> </a:t>
-            </a:r>
-            <a:r>
-              <a:rPr lang="en-US" sz="1600" dirty="0">
-                <a:solidFill>
-                  <a:srgbClr val="7F0055"/>
-                </a:solidFill>
-                <a:latin typeface="Consolas" pitchFamily="49" charset="0"/>
-                <a:cs typeface="Consolas" pitchFamily="49" charset="0"/>
-              </a:rPr>
-              <a:t>void</a:t>
-            </a:r>
-            <a:r>
-              <a:rPr lang="en-US" sz="1600" dirty="0">
-                <a:solidFill>
-                  <a:srgbClr val="000000"/>
-                </a:solidFill>
-                <a:latin typeface="Consolas" pitchFamily="49" charset="0"/>
-                <a:cs typeface="Consolas" pitchFamily="49" charset="0"/>
-              </a:rPr>
-              <a:t> </a:t>
-            </a:r>
-            <a:r>
-              <a:rPr lang="en-US" sz="1600" dirty="0" err="1">
-                <a:solidFill>
-                  <a:srgbClr val="000000"/>
-                </a:solidFill>
-                <a:latin typeface="Consolas" pitchFamily="49" charset="0"/>
-                <a:cs typeface="Consolas" pitchFamily="49" charset="0"/>
-              </a:rPr>
-              <a:t>onCreate</a:t>
-            </a:r>
-            <a:r>
-              <a:rPr lang="en-US" sz="1600" dirty="0">
-                <a:solidFill>
-                  <a:srgbClr val="000000"/>
-                </a:solidFill>
-                <a:latin typeface="Consolas" pitchFamily="49" charset="0"/>
-                <a:cs typeface="Consolas" pitchFamily="49" charset="0"/>
-              </a:rPr>
-              <a:t>(Bundle </a:t>
-            </a:r>
-            <a:r>
-              <a:rPr lang="en-US" sz="1600" dirty="0" err="1">
-                <a:solidFill>
-                  <a:srgbClr val="000000"/>
-                </a:solidFill>
-                <a:latin typeface="Consolas" pitchFamily="49" charset="0"/>
-                <a:cs typeface="Consolas" pitchFamily="49" charset="0"/>
-              </a:rPr>
-              <a:t>savedInstanceState</a:t>
-            </a:r>
-            <a:r>
-              <a:rPr lang="en-US" sz="1600" dirty="0">
-                <a:solidFill>
-                  <a:srgbClr val="000000"/>
-                </a:solidFill>
-                <a:latin typeface="Consolas" pitchFamily="49" charset="0"/>
-                <a:cs typeface="Consolas" pitchFamily="49" charset="0"/>
-              </a:rPr>
-              <a:t>) {</a:t>
-            </a:r>
-          </a:p>
-          <a:p>
-            <a:pPr marL="0" indent="0">
-              <a:buNone/>
-            </a:pPr>
-            <a:r>
-              <a:rPr lang="pl-PL" sz="1600" dirty="0" smtClean="0">
-                <a:solidFill>
-                  <a:srgbClr val="7F0055"/>
-                </a:solidFill>
-                <a:latin typeface="Consolas" pitchFamily="49" charset="0"/>
-                <a:cs typeface="Consolas" pitchFamily="49" charset="0"/>
-              </a:rPr>
-              <a:t>	</a:t>
-            </a:r>
-            <a:r>
-              <a:rPr lang="en-US" sz="1600" dirty="0" err="1" smtClean="0">
-                <a:solidFill>
-                  <a:srgbClr val="7F0055"/>
-                </a:solidFill>
-                <a:latin typeface="Consolas" pitchFamily="49" charset="0"/>
-                <a:cs typeface="Consolas" pitchFamily="49" charset="0"/>
-              </a:rPr>
-              <a:t>super</a:t>
-            </a:r>
-            <a:r>
-              <a:rPr lang="en-US" sz="1600" dirty="0" err="1" smtClean="0">
-                <a:solidFill>
-                  <a:srgbClr val="000000"/>
-                </a:solidFill>
-                <a:latin typeface="Consolas" pitchFamily="49" charset="0"/>
-                <a:cs typeface="Consolas" pitchFamily="49" charset="0"/>
-              </a:rPr>
-              <a:t>.onCreate</a:t>
-            </a:r>
-            <a:r>
-              <a:rPr lang="en-US" sz="1600" dirty="0" smtClean="0">
-                <a:solidFill>
-                  <a:srgbClr val="000000"/>
-                </a:solidFill>
-                <a:latin typeface="Consolas" pitchFamily="49" charset="0"/>
-                <a:cs typeface="Consolas" pitchFamily="49" charset="0"/>
-              </a:rPr>
-              <a:t>(</a:t>
-            </a:r>
-            <a:r>
-              <a:rPr lang="en-US" sz="1600" dirty="0" err="1" smtClean="0">
-                <a:solidFill>
-                  <a:srgbClr val="000000"/>
-                </a:solidFill>
-                <a:latin typeface="Consolas" pitchFamily="49" charset="0"/>
-                <a:cs typeface="Consolas" pitchFamily="49" charset="0"/>
-              </a:rPr>
-              <a:t>savedInstanceState</a:t>
-            </a:r>
-            <a:r>
-              <a:rPr lang="en-US" sz="1600" dirty="0" smtClean="0">
-                <a:solidFill>
-                  <a:srgbClr val="000000"/>
-                </a:solidFill>
-                <a:latin typeface="Consolas" pitchFamily="49" charset="0"/>
-                <a:cs typeface="Consolas" pitchFamily="49" charset="0"/>
-              </a:rPr>
-              <a:t>);</a:t>
-            </a:r>
-          </a:p>
-          <a:p>
-            <a:pPr marL="0" indent="0">
-              <a:buNone/>
-            </a:pPr>
-            <a:r>
-              <a:rPr lang="pl-PL" sz="1600" dirty="0" smtClean="0">
-                <a:solidFill>
-                  <a:srgbClr val="000000"/>
-                </a:solidFill>
-                <a:latin typeface="Consolas" pitchFamily="49" charset="0"/>
-                <a:cs typeface="Consolas" pitchFamily="49" charset="0"/>
-              </a:rPr>
-              <a:t>	</a:t>
-            </a:r>
-            <a:r>
-              <a:rPr lang="en-US" sz="1600" dirty="0" err="1" smtClean="0">
-                <a:solidFill>
-                  <a:srgbClr val="000000"/>
-                </a:solidFill>
-                <a:latin typeface="Consolas" pitchFamily="49" charset="0"/>
-                <a:cs typeface="Consolas" pitchFamily="49" charset="0"/>
-              </a:rPr>
-              <a:t>setContentView</a:t>
-            </a:r>
-            <a:r>
-              <a:rPr lang="en-US" sz="1600" dirty="0" smtClean="0">
-                <a:solidFill>
-                  <a:srgbClr val="000000"/>
-                </a:solidFill>
-                <a:latin typeface="Consolas" pitchFamily="49" charset="0"/>
-                <a:cs typeface="Consolas" pitchFamily="49" charset="0"/>
-              </a:rPr>
-              <a:t>(</a:t>
-            </a:r>
-            <a:r>
-              <a:rPr lang="en-US" sz="1600" dirty="0" err="1" smtClean="0">
-                <a:solidFill>
-                  <a:srgbClr val="000000"/>
-                </a:solidFill>
-                <a:latin typeface="Consolas" pitchFamily="49" charset="0"/>
-                <a:cs typeface="Consolas" pitchFamily="49" charset="0"/>
-              </a:rPr>
-              <a:t>R.layout.</a:t>
-            </a:r>
-            <a:r>
-              <a:rPr lang="en-US" sz="1600" i="1" dirty="0" err="1" smtClean="0">
-                <a:solidFill>
-                  <a:srgbClr val="0000C0"/>
-                </a:solidFill>
-                <a:latin typeface="Consolas" pitchFamily="49" charset="0"/>
-                <a:cs typeface="Consolas" pitchFamily="49" charset="0"/>
-              </a:rPr>
-              <a:t>activity_main</a:t>
-            </a:r>
-            <a:r>
-              <a:rPr lang="en-US" sz="1600" i="1" dirty="0" smtClean="0">
-                <a:solidFill>
-                  <a:srgbClr val="000000"/>
-                </a:solidFill>
-                <a:latin typeface="Consolas" pitchFamily="49" charset="0"/>
-                <a:cs typeface="Consolas" pitchFamily="49" charset="0"/>
-              </a:rPr>
-              <a:t>);</a:t>
-            </a:r>
-          </a:p>
-          <a:p>
-            <a:pPr marL="0" indent="0">
-              <a:buNone/>
-            </a:pPr>
-            <a:r>
-              <a:rPr lang="pl-PL" sz="1600" dirty="0" smtClean="0">
-                <a:solidFill>
-                  <a:srgbClr val="0000C0"/>
-                </a:solidFill>
-                <a:latin typeface="Consolas" pitchFamily="49" charset="0"/>
-                <a:cs typeface="Consolas" pitchFamily="49" charset="0"/>
-              </a:rPr>
-              <a:t>	</a:t>
-            </a:r>
-            <a:r>
-              <a:rPr lang="en-US" sz="1600" dirty="0" smtClean="0">
-                <a:solidFill>
-                  <a:srgbClr val="0000C0"/>
-                </a:solidFill>
-                <a:latin typeface="Consolas" pitchFamily="49" charset="0"/>
-                <a:cs typeface="Consolas" pitchFamily="49" charset="0"/>
-              </a:rPr>
-              <a:t>button1</a:t>
-            </a:r>
-            <a:r>
-              <a:rPr lang="en-US" sz="1600" dirty="0" smtClean="0">
-                <a:solidFill>
-                  <a:srgbClr val="000000"/>
-                </a:solidFill>
-                <a:latin typeface="Consolas" pitchFamily="49" charset="0"/>
-                <a:cs typeface="Consolas" pitchFamily="49" charset="0"/>
-              </a:rPr>
-              <a:t> </a:t>
-            </a:r>
-            <a:r>
-              <a:rPr lang="en-US" sz="1600" dirty="0">
-                <a:solidFill>
-                  <a:srgbClr val="000000"/>
-                </a:solidFill>
-                <a:latin typeface="Consolas" pitchFamily="49" charset="0"/>
-                <a:cs typeface="Consolas" pitchFamily="49" charset="0"/>
-              </a:rPr>
-              <a:t>= (Button) </a:t>
-            </a:r>
-            <a:r>
-              <a:rPr lang="en-US" sz="1600" dirty="0" err="1" smtClean="0">
-                <a:solidFill>
-                  <a:srgbClr val="000000"/>
-                </a:solidFill>
-                <a:latin typeface="Consolas" pitchFamily="49" charset="0"/>
-                <a:cs typeface="Consolas" pitchFamily="49" charset="0"/>
-              </a:rPr>
-              <a:t>findViewById</a:t>
-            </a:r>
-            <a:r>
-              <a:rPr lang="en-US" sz="1600" dirty="0" smtClean="0">
-                <a:solidFill>
-                  <a:srgbClr val="000000"/>
-                </a:solidFill>
-                <a:latin typeface="Consolas" pitchFamily="49" charset="0"/>
-                <a:cs typeface="Consolas" pitchFamily="49" charset="0"/>
-              </a:rPr>
-              <a:t>(</a:t>
-            </a:r>
-            <a:r>
-              <a:rPr lang="en-US" sz="1600" dirty="0" err="1" smtClean="0">
-                <a:solidFill>
-                  <a:srgbClr val="000000"/>
-                </a:solidFill>
-                <a:latin typeface="Consolas" pitchFamily="49" charset="0"/>
-                <a:cs typeface="Consolas" pitchFamily="49" charset="0"/>
-              </a:rPr>
-              <a:t>R.id.</a:t>
-            </a:r>
-            <a:r>
-              <a:rPr lang="en-US" sz="1600" i="1" dirty="0" err="1" smtClean="0">
-                <a:solidFill>
-                  <a:srgbClr val="0000C0"/>
-                </a:solidFill>
-                <a:latin typeface="Consolas" pitchFamily="49" charset="0"/>
-                <a:cs typeface="Consolas" pitchFamily="49" charset="0"/>
-              </a:rPr>
-              <a:t>listCurrenciesButton</a:t>
-            </a:r>
-            <a:r>
-              <a:rPr lang="en-US" sz="1600" i="1" dirty="0" smtClean="0">
-                <a:solidFill>
-                  <a:srgbClr val="000000"/>
-                </a:solidFill>
-                <a:latin typeface="Consolas" pitchFamily="49" charset="0"/>
-                <a:cs typeface="Consolas" pitchFamily="49" charset="0"/>
-              </a:rPr>
-              <a:t>);</a:t>
-            </a:r>
-            <a:endParaRPr lang="pl-PL" sz="1600" i="1" dirty="0" smtClean="0">
-              <a:solidFill>
-                <a:srgbClr val="000000"/>
-              </a:solidFill>
-              <a:latin typeface="Consolas" pitchFamily="49" charset="0"/>
-              <a:cs typeface="Consolas" pitchFamily="49" charset="0"/>
-            </a:endParaRPr>
-          </a:p>
-          <a:p>
-            <a:pPr marL="0" indent="0">
-              <a:buNone/>
-            </a:pPr>
-            <a:r>
-              <a:rPr lang="pl-PL" sz="1600" i="1" dirty="0">
-                <a:solidFill>
-                  <a:srgbClr val="000000"/>
-                </a:solidFill>
-                <a:latin typeface="Consolas" pitchFamily="49" charset="0"/>
-                <a:cs typeface="Consolas" pitchFamily="49" charset="0"/>
-              </a:rPr>
-              <a:t>	</a:t>
-            </a:r>
-            <a:r>
-              <a:rPr lang="en-US" sz="1600" dirty="0" smtClean="0">
-                <a:solidFill>
-                  <a:srgbClr val="0000C0"/>
-                </a:solidFill>
-                <a:latin typeface="Consolas" pitchFamily="49" charset="0"/>
-                <a:cs typeface="Consolas" pitchFamily="49" charset="0"/>
-              </a:rPr>
-              <a:t>button1</a:t>
-            </a:r>
-            <a:r>
-              <a:rPr lang="en-US" sz="1600" dirty="0" smtClean="0">
-                <a:solidFill>
-                  <a:srgbClr val="000000"/>
-                </a:solidFill>
-                <a:latin typeface="Consolas" pitchFamily="49" charset="0"/>
-                <a:cs typeface="Consolas" pitchFamily="49" charset="0"/>
-              </a:rPr>
-              <a:t>.setOnClickListener(</a:t>
-            </a:r>
-            <a:r>
-              <a:rPr lang="en-US" sz="1600" dirty="0" smtClean="0">
-                <a:solidFill>
-                  <a:srgbClr val="7F0055"/>
-                </a:solidFill>
-                <a:latin typeface="Consolas" pitchFamily="49" charset="0"/>
-                <a:cs typeface="Consolas" pitchFamily="49" charset="0"/>
-              </a:rPr>
-              <a:t>new</a:t>
-            </a:r>
-            <a:r>
-              <a:rPr lang="en-US" sz="1600" dirty="0" smtClean="0">
-                <a:solidFill>
-                  <a:srgbClr val="000000"/>
-                </a:solidFill>
-                <a:latin typeface="Consolas" pitchFamily="49" charset="0"/>
-                <a:cs typeface="Consolas" pitchFamily="49" charset="0"/>
-              </a:rPr>
-              <a:t> </a:t>
-            </a:r>
-            <a:r>
-              <a:rPr lang="en-US" sz="1600" dirty="0" err="1">
-                <a:solidFill>
-                  <a:srgbClr val="000000"/>
-                </a:solidFill>
-                <a:latin typeface="Consolas" pitchFamily="49" charset="0"/>
-                <a:cs typeface="Consolas" pitchFamily="49" charset="0"/>
-              </a:rPr>
-              <a:t>OnClickListener</a:t>
-            </a:r>
-            <a:r>
-              <a:rPr lang="en-US" sz="1600" dirty="0">
-                <a:solidFill>
-                  <a:srgbClr val="000000"/>
-                </a:solidFill>
-                <a:latin typeface="Consolas" pitchFamily="49" charset="0"/>
-                <a:cs typeface="Consolas" pitchFamily="49" charset="0"/>
-              </a:rPr>
-              <a:t>() {</a:t>
-            </a:r>
-          </a:p>
-          <a:p>
-            <a:pPr marL="0" indent="0">
-              <a:buNone/>
-            </a:pPr>
-            <a:r>
-              <a:rPr lang="pl-PL" sz="1600" dirty="0" smtClean="0">
-                <a:solidFill>
-                  <a:srgbClr val="7F0055"/>
-                </a:solidFill>
-                <a:latin typeface="Consolas" pitchFamily="49" charset="0"/>
-                <a:cs typeface="Consolas" pitchFamily="49" charset="0"/>
-              </a:rPr>
-              <a:t>	</a:t>
-            </a:r>
-            <a:r>
-              <a:rPr lang="en-US" sz="1600" dirty="0" smtClean="0">
-                <a:solidFill>
-                  <a:srgbClr val="7F0055"/>
-                </a:solidFill>
-                <a:latin typeface="Consolas" pitchFamily="49" charset="0"/>
-                <a:cs typeface="Consolas" pitchFamily="49" charset="0"/>
-              </a:rPr>
-              <a:t>public</a:t>
-            </a:r>
-            <a:r>
-              <a:rPr lang="en-US" sz="1600" dirty="0" smtClean="0">
-                <a:solidFill>
-                  <a:srgbClr val="000000"/>
-                </a:solidFill>
-                <a:latin typeface="Consolas" pitchFamily="49" charset="0"/>
-                <a:cs typeface="Consolas" pitchFamily="49" charset="0"/>
-              </a:rPr>
-              <a:t> </a:t>
-            </a:r>
-            <a:r>
-              <a:rPr lang="en-US" sz="1600" dirty="0">
-                <a:solidFill>
-                  <a:srgbClr val="7F0055"/>
-                </a:solidFill>
-                <a:latin typeface="Consolas" pitchFamily="49" charset="0"/>
-                <a:cs typeface="Consolas" pitchFamily="49" charset="0"/>
-              </a:rPr>
-              <a:t>void</a:t>
-            </a:r>
-            <a:r>
-              <a:rPr lang="en-US" sz="1600" dirty="0">
-                <a:solidFill>
-                  <a:srgbClr val="000000"/>
-                </a:solidFill>
-                <a:latin typeface="Consolas" pitchFamily="49" charset="0"/>
-                <a:cs typeface="Consolas" pitchFamily="49" charset="0"/>
-              </a:rPr>
-              <a:t> </a:t>
-            </a:r>
-            <a:r>
-              <a:rPr lang="en-US" sz="1600" dirty="0" err="1">
-                <a:solidFill>
-                  <a:srgbClr val="000000"/>
-                </a:solidFill>
-                <a:latin typeface="Consolas" pitchFamily="49" charset="0"/>
-                <a:cs typeface="Consolas" pitchFamily="49" charset="0"/>
-              </a:rPr>
-              <a:t>onClick</a:t>
-            </a:r>
-            <a:r>
-              <a:rPr lang="en-US" sz="1600" dirty="0">
-                <a:solidFill>
-                  <a:srgbClr val="000000"/>
-                </a:solidFill>
-                <a:latin typeface="Consolas" pitchFamily="49" charset="0"/>
-                <a:cs typeface="Consolas" pitchFamily="49" charset="0"/>
-              </a:rPr>
-              <a:t>(View v) {}});</a:t>
-            </a:r>
-          </a:p>
-          <a:p>
-            <a:pPr marL="0" indent="0">
-              <a:buNone/>
-            </a:pPr>
-            <a:r>
-              <a:rPr lang="en-US" sz="1600" dirty="0" smtClean="0">
-                <a:solidFill>
-                  <a:srgbClr val="000000"/>
-                </a:solidFill>
-                <a:latin typeface="Consolas" pitchFamily="49" charset="0"/>
-                <a:cs typeface="Consolas" pitchFamily="49" charset="0"/>
-              </a:rPr>
-              <a:t>}</a:t>
-            </a:r>
-            <a:endParaRPr lang="pl-PL" sz="1600" dirty="0" smtClean="0">
-              <a:solidFill>
-                <a:srgbClr val="000000"/>
-              </a:solidFill>
-              <a:latin typeface="Consolas" pitchFamily="49" charset="0"/>
-              <a:cs typeface="Consolas" pitchFamily="49" charset="0"/>
-            </a:endParaRPr>
-          </a:p>
-          <a:p>
-            <a:pPr marL="0" indent="0">
-              <a:buNone/>
-            </a:pPr>
-            <a:r>
-              <a:rPr lang="pl-PL" sz="1600" dirty="0" smtClean="0">
-                <a:solidFill>
-                  <a:srgbClr val="000000"/>
-                </a:solidFill>
-                <a:latin typeface="Consolas" pitchFamily="49" charset="0"/>
-                <a:cs typeface="Consolas" pitchFamily="49" charset="0"/>
-              </a:rPr>
-              <a:t>...</a:t>
-            </a:r>
-            <a:endParaRPr lang="pl-PL" sz="1600" dirty="0" smtClean="0">
-              <a:latin typeface="Consolas" pitchFamily="49" charset="0"/>
-              <a:cs typeface="Consolas" pitchFamily="49" charset="0"/>
-            </a:endParaRPr>
-          </a:p>
-          <a:p>
-            <a:pPr marL="0" indent="0">
-              <a:buNone/>
-            </a:pPr>
-            <a:endParaRPr lang="pl-PL" dirty="0" smtClean="0"/>
-          </a:p>
-          <a:p>
-            <a:pPr marL="0" indent="0">
-              <a:buNone/>
-            </a:pPr>
-            <a:endParaRPr lang="pl-PL" dirty="0"/>
-          </a:p>
-        </p:txBody>
-      </p:sp>
-    </p:spTree>
-    <p:extLst>
-      <p:ext uri="{BB962C8B-B14F-4D97-AF65-F5344CB8AC3E}">
-        <p14:creationId xmlns:p14="http://schemas.microsoft.com/office/powerpoint/2010/main" val="3646475164"/>
-      </p:ext>
-    </p:extLst>
-  </p:cSld>
-  <p:clrMapOvr>
-    <a:masterClrMapping/>
-  </p:clrMapOvr>
-  <p:timing>
-    <p:tnLst>
-      <p:par>
-        <p:cTn id="1" dur="indefinite" restart="never" nodeType="tmRoot"/>
-      </p:par>
-    </p:tnLst>
-  </p:timing>
-</p:sld>
-</file>
-
 <file path=ppt/slides/slide23.xml><?xml version="1.0" encoding="utf-8"?>
 <p:sld xmlns:a="http://schemas.openxmlformats.org/drawingml/2006/main" xmlns:r="http://schemas.openxmlformats.org/officeDocument/2006/relationships" xmlns:p="http://schemas.openxmlformats.org/presentationml/2006/main">
   <p:cSld>
@@ -13383,7 +12702,11 @@
           <a:p>
             <a:r>
               <a:rPr lang="pl-PL" dirty="0"/>
-              <a:t>2015-03-07 |  </a:t>
+              <a:t>2015-03-07 </a:t>
+            </a:r>
+            <a:r>
+              <a:rPr lang="pl-PL" dirty="0" smtClean="0"/>
+              <a:t>|  </a:t>
             </a:r>
             <a:r>
               <a:rPr lang="pl-PL" dirty="0" smtClean="0"/>
@@ -13431,36 +12754,802 @@
           <a:bodyPr/>
           <a:lstStyle/>
           <a:p>
-            <a:pPr marL="0" indent="0" algn="ctr">
+            <a:pPr marL="0" indent="0">
               <a:buNone/>
             </a:pPr>
-            <a:endParaRPr lang="pl-PL" sz="5400" dirty="0" smtClean="0"/>
-          </a:p>
-          <a:p>
-            <a:pPr marL="0" indent="0" algn="ctr">
+            <a:r>
+              <a:rPr lang="pl-PL" dirty="0" smtClean="0"/>
+              <a:t>Interakcja między widokiem i aktywnością</a:t>
+            </a:r>
+            <a:endParaRPr lang="pl-PL" dirty="0" smtClean="0"/>
+          </a:p>
+          <a:p>
+            <a:pPr marL="0" indent="0">
               <a:buNone/>
             </a:pPr>
             <a:r>
-              <a:rPr lang="pl-PL" sz="5400" dirty="0" smtClean="0"/>
-              <a:t>Android Studio Time</a:t>
-            </a:r>
-          </a:p>
-          <a:p>
-            <a:pPr marL="0" indent="0" algn="ctr">
+              <a:rPr lang="pl-PL" dirty="0" smtClean="0"/>
+              <a:t>Źródło z </a:t>
+            </a:r>
+            <a:r>
+              <a:rPr lang="pl-PL" dirty="0" err="1" smtClean="0"/>
+              <a:t>src</a:t>
+            </a:r>
+            <a:r>
+              <a:rPr lang="pl-PL" dirty="0" smtClean="0"/>
+              <a:t>/</a:t>
+            </a:r>
+            <a:r>
+              <a:rPr lang="pl-PL" dirty="0" err="1" smtClean="0"/>
+              <a:t>main</a:t>
+            </a:r>
+            <a:r>
+              <a:rPr lang="pl-PL" dirty="0" smtClean="0"/>
+              <a:t>/res/</a:t>
+            </a:r>
+            <a:r>
+              <a:rPr lang="pl-PL" dirty="0" err="1" smtClean="0"/>
+              <a:t>layout</a:t>
+            </a:r>
+            <a:r>
+              <a:rPr lang="pl-PL" dirty="0" smtClean="0"/>
+              <a:t>/activity_main.xml</a:t>
+            </a:r>
+            <a:endParaRPr lang="pl-PL" dirty="0" smtClean="0"/>
+          </a:p>
+          <a:p>
+            <a:pPr marL="0" indent="0">
               <a:buNone/>
             </a:pPr>
             <a:r>
-              <a:rPr lang="pl-PL" sz="3600" dirty="0" smtClean="0"/>
-              <a:t>Odzyskiwanie widoków z układu</a:t>
-            </a:r>
-            <a:endParaRPr lang="pl-PL" sz="3600" dirty="0" smtClean="0"/>
+              <a:rPr lang="en-US" sz="1600" dirty="0" smtClean="0">
+                <a:solidFill>
+                  <a:srgbClr val="000000"/>
+                </a:solidFill>
+                <a:latin typeface="Consolas" pitchFamily="49" charset="0"/>
+                <a:cs typeface="Consolas" pitchFamily="49" charset="0"/>
+              </a:rPr>
+              <a:t>...</a:t>
+            </a:r>
+            <a:endParaRPr lang="en-US" sz="1600" dirty="0">
+              <a:solidFill>
+                <a:srgbClr val="000000"/>
+              </a:solidFill>
+              <a:latin typeface="Consolas" pitchFamily="49" charset="0"/>
+              <a:cs typeface="Consolas" pitchFamily="49" charset="0"/>
+            </a:endParaRPr>
+          </a:p>
+          <a:p>
+            <a:pPr marL="0" indent="0">
+              <a:buNone/>
+            </a:pPr>
+            <a:r>
+              <a:rPr lang="en-US" sz="1600" dirty="0" smtClean="0">
+                <a:solidFill>
+                  <a:srgbClr val="008080"/>
+                </a:solidFill>
+                <a:latin typeface="Consolas" pitchFamily="49" charset="0"/>
+                <a:cs typeface="Consolas" pitchFamily="49" charset="0"/>
+              </a:rPr>
+              <a:t>&lt;</a:t>
+            </a:r>
+            <a:r>
+              <a:rPr lang="en-US" sz="1600" dirty="0">
+                <a:solidFill>
+                  <a:srgbClr val="3F7F7F"/>
+                </a:solidFill>
+                <a:latin typeface="Consolas" pitchFamily="49" charset="0"/>
+                <a:cs typeface="Consolas" pitchFamily="49" charset="0"/>
+              </a:rPr>
+              <a:t>Button </a:t>
+            </a:r>
+            <a:r>
+              <a:rPr lang="en-US" sz="1600" dirty="0" err="1">
+                <a:solidFill>
+                  <a:srgbClr val="7F007F"/>
+                </a:solidFill>
+                <a:latin typeface="Consolas" pitchFamily="49" charset="0"/>
+                <a:cs typeface="Consolas" pitchFamily="49" charset="0"/>
+              </a:rPr>
+              <a:t>android:id</a:t>
+            </a:r>
+            <a:r>
+              <a:rPr lang="en-US" sz="1600" dirty="0" smtClean="0">
+                <a:solidFill>
+                  <a:srgbClr val="000000"/>
+                </a:solidFill>
+                <a:latin typeface="Consolas" pitchFamily="49" charset="0"/>
+                <a:cs typeface="Consolas" pitchFamily="49" charset="0"/>
+              </a:rPr>
+              <a:t>=</a:t>
+            </a:r>
+            <a:r>
+              <a:rPr lang="en-US" sz="1600" i="1" dirty="0">
+                <a:solidFill>
+                  <a:srgbClr val="2A00FF"/>
+                </a:solidFill>
+                <a:latin typeface="Consolas" pitchFamily="49" charset="0"/>
+                <a:cs typeface="Consolas" pitchFamily="49" charset="0"/>
+              </a:rPr>
+              <a:t>"@+id/</a:t>
+            </a:r>
+            <a:r>
+              <a:rPr lang="en-US" sz="1600" i="1" dirty="0" err="1">
+                <a:solidFill>
+                  <a:srgbClr val="2A00FF"/>
+                </a:solidFill>
+                <a:latin typeface="Consolas" pitchFamily="49" charset="0"/>
+                <a:cs typeface="Consolas" pitchFamily="49" charset="0"/>
+              </a:rPr>
+              <a:t>listCurrenciesButton</a:t>
+            </a:r>
+            <a:r>
+              <a:rPr lang="en-US" sz="1600" i="1" dirty="0">
+                <a:solidFill>
+                  <a:srgbClr val="2A00FF"/>
+                </a:solidFill>
+                <a:latin typeface="Consolas" pitchFamily="49" charset="0"/>
+                <a:cs typeface="Consolas" pitchFamily="49" charset="0"/>
+              </a:rPr>
+              <a:t>"</a:t>
+            </a:r>
+            <a:r>
+              <a:rPr lang="en-US" sz="1600" i="1" dirty="0" smtClean="0">
+                <a:solidFill>
+                  <a:srgbClr val="008080"/>
+                </a:solidFill>
+                <a:latin typeface="Consolas" pitchFamily="49" charset="0"/>
+                <a:cs typeface="Consolas" pitchFamily="49" charset="0"/>
+              </a:rPr>
+              <a:t>/&gt;</a:t>
+            </a:r>
+            <a:endParaRPr lang="en-US" sz="1600" i="1" dirty="0">
+              <a:solidFill>
+                <a:srgbClr val="008080"/>
+              </a:solidFill>
+              <a:latin typeface="Consolas" pitchFamily="49" charset="0"/>
+              <a:cs typeface="Consolas" pitchFamily="49" charset="0"/>
+            </a:endParaRPr>
+          </a:p>
+          <a:p>
+            <a:pPr marL="0" indent="0">
+              <a:buNone/>
+            </a:pPr>
+            <a:r>
+              <a:rPr lang="en-US" sz="1600" dirty="0" smtClean="0">
+                <a:solidFill>
+                  <a:srgbClr val="000000"/>
+                </a:solidFill>
+                <a:latin typeface="Consolas" pitchFamily="49" charset="0"/>
+                <a:cs typeface="Consolas" pitchFamily="49" charset="0"/>
+              </a:rPr>
+              <a:t>...</a:t>
+            </a:r>
+            <a:endParaRPr lang="pl-PL" sz="1600" dirty="0" smtClean="0">
+              <a:latin typeface="Consolas" pitchFamily="49" charset="0"/>
+              <a:cs typeface="Consolas" pitchFamily="49" charset="0"/>
+            </a:endParaRPr>
+          </a:p>
+          <a:p>
+            <a:pPr marL="0" indent="0">
+              <a:buNone/>
+            </a:pPr>
+            <a:r>
+              <a:rPr lang="pl-PL" dirty="0" smtClean="0"/>
+              <a:t>Źródło pliku </a:t>
+            </a:r>
+            <a:r>
+              <a:rPr lang="pl-PL" dirty="0" err="1" smtClean="0"/>
+              <a:t>src</a:t>
+            </a:r>
+            <a:r>
+              <a:rPr lang="pl-PL" dirty="0" smtClean="0"/>
+              <a:t>/</a:t>
+            </a:r>
+            <a:r>
+              <a:rPr lang="pl-PL" dirty="0" err="1" smtClean="0"/>
+              <a:t>main</a:t>
+            </a:r>
+            <a:r>
+              <a:rPr lang="pl-PL" dirty="0" smtClean="0"/>
+              <a:t>/</a:t>
+            </a:r>
+            <a:r>
+              <a:rPr lang="pl-PL" dirty="0" err="1" smtClean="0"/>
+              <a:t>java</a:t>
+            </a:r>
+            <a:r>
+              <a:rPr lang="pl-PL" dirty="0" smtClean="0"/>
+              <a:t>/…/MainActivity.java</a:t>
+            </a:r>
+            <a:endParaRPr lang="pl-PL" dirty="0" smtClean="0"/>
+          </a:p>
+          <a:p>
+            <a:pPr marL="0" indent="0">
+              <a:buNone/>
+            </a:pPr>
+            <a:r>
+              <a:rPr lang="pl-PL" sz="1600" dirty="0" smtClean="0">
+                <a:solidFill>
+                  <a:srgbClr val="7F0055"/>
+                </a:solidFill>
+                <a:latin typeface="Consolas" pitchFamily="49" charset="0"/>
+                <a:cs typeface="Consolas" pitchFamily="49" charset="0"/>
+              </a:rPr>
+              <a:t>...</a:t>
+            </a:r>
+          </a:p>
+          <a:p>
+            <a:pPr marL="0" indent="0">
+              <a:buNone/>
+            </a:pPr>
+            <a:r>
+              <a:rPr lang="en-US" sz="1600" dirty="0" smtClean="0">
+                <a:solidFill>
+                  <a:srgbClr val="7F0055"/>
+                </a:solidFill>
+                <a:latin typeface="Consolas" pitchFamily="49" charset="0"/>
+                <a:cs typeface="Consolas" pitchFamily="49" charset="0"/>
+              </a:rPr>
+              <a:t>protected</a:t>
+            </a:r>
+            <a:r>
+              <a:rPr lang="en-US" sz="1600" dirty="0" smtClean="0">
+                <a:solidFill>
+                  <a:srgbClr val="000000"/>
+                </a:solidFill>
+                <a:latin typeface="Consolas" pitchFamily="49" charset="0"/>
+                <a:cs typeface="Consolas" pitchFamily="49" charset="0"/>
+              </a:rPr>
+              <a:t> Button </a:t>
+            </a:r>
+            <a:r>
+              <a:rPr lang="en-US" sz="1600" dirty="0" smtClean="0">
+                <a:solidFill>
+                  <a:srgbClr val="0000C0"/>
+                </a:solidFill>
+                <a:latin typeface="Consolas" pitchFamily="49" charset="0"/>
+                <a:cs typeface="Consolas" pitchFamily="49" charset="0"/>
+              </a:rPr>
+              <a:t>button1</a:t>
+            </a:r>
+            <a:r>
+              <a:rPr lang="en-US" sz="1600" dirty="0" smtClean="0">
+                <a:solidFill>
+                  <a:srgbClr val="000000"/>
+                </a:solidFill>
+                <a:latin typeface="Consolas" pitchFamily="49" charset="0"/>
+                <a:cs typeface="Consolas" pitchFamily="49" charset="0"/>
+              </a:rPr>
+              <a:t>;</a:t>
+            </a:r>
+          </a:p>
+          <a:p>
+            <a:pPr marL="0" indent="0">
+              <a:buNone/>
+            </a:pPr>
+            <a:r>
+              <a:rPr lang="en-US" sz="1600" dirty="0" smtClean="0">
+                <a:solidFill>
+                  <a:srgbClr val="7F0055"/>
+                </a:solidFill>
+                <a:latin typeface="Consolas" pitchFamily="49" charset="0"/>
+                <a:cs typeface="Consolas" pitchFamily="49" charset="0"/>
+              </a:rPr>
+              <a:t>protected</a:t>
+            </a:r>
+            <a:r>
+              <a:rPr lang="en-US" sz="1600" dirty="0" smtClean="0">
+                <a:solidFill>
+                  <a:srgbClr val="000000"/>
+                </a:solidFill>
+                <a:latin typeface="Consolas" pitchFamily="49" charset="0"/>
+                <a:cs typeface="Consolas" pitchFamily="49" charset="0"/>
+              </a:rPr>
+              <a:t> </a:t>
+            </a:r>
+            <a:r>
+              <a:rPr lang="en-US" sz="1600" dirty="0">
+                <a:solidFill>
+                  <a:srgbClr val="7F0055"/>
+                </a:solidFill>
+                <a:latin typeface="Consolas" pitchFamily="49" charset="0"/>
+                <a:cs typeface="Consolas" pitchFamily="49" charset="0"/>
+              </a:rPr>
+              <a:t>void</a:t>
+            </a:r>
+            <a:r>
+              <a:rPr lang="en-US" sz="1600" dirty="0">
+                <a:solidFill>
+                  <a:srgbClr val="000000"/>
+                </a:solidFill>
+                <a:latin typeface="Consolas" pitchFamily="49" charset="0"/>
+                <a:cs typeface="Consolas" pitchFamily="49" charset="0"/>
+              </a:rPr>
+              <a:t> </a:t>
+            </a:r>
+            <a:r>
+              <a:rPr lang="en-US" sz="1600" dirty="0" err="1">
+                <a:solidFill>
+                  <a:srgbClr val="000000"/>
+                </a:solidFill>
+                <a:latin typeface="Consolas" pitchFamily="49" charset="0"/>
+                <a:cs typeface="Consolas" pitchFamily="49" charset="0"/>
+              </a:rPr>
+              <a:t>onCreate</a:t>
+            </a:r>
+            <a:r>
+              <a:rPr lang="en-US" sz="1600" dirty="0">
+                <a:solidFill>
+                  <a:srgbClr val="000000"/>
+                </a:solidFill>
+                <a:latin typeface="Consolas" pitchFamily="49" charset="0"/>
+                <a:cs typeface="Consolas" pitchFamily="49" charset="0"/>
+              </a:rPr>
+              <a:t>(Bundle </a:t>
+            </a:r>
+            <a:r>
+              <a:rPr lang="en-US" sz="1600" dirty="0" err="1">
+                <a:solidFill>
+                  <a:srgbClr val="000000"/>
+                </a:solidFill>
+                <a:latin typeface="Consolas" pitchFamily="49" charset="0"/>
+                <a:cs typeface="Consolas" pitchFamily="49" charset="0"/>
+              </a:rPr>
+              <a:t>savedInstanceState</a:t>
+            </a:r>
+            <a:r>
+              <a:rPr lang="en-US" sz="1600" dirty="0">
+                <a:solidFill>
+                  <a:srgbClr val="000000"/>
+                </a:solidFill>
+                <a:latin typeface="Consolas" pitchFamily="49" charset="0"/>
+                <a:cs typeface="Consolas" pitchFamily="49" charset="0"/>
+              </a:rPr>
+              <a:t>) {</a:t>
+            </a:r>
+          </a:p>
+          <a:p>
+            <a:pPr marL="0" indent="0">
+              <a:buNone/>
+            </a:pPr>
+            <a:r>
+              <a:rPr lang="pl-PL" sz="1600" dirty="0" smtClean="0">
+                <a:solidFill>
+                  <a:srgbClr val="7F0055"/>
+                </a:solidFill>
+                <a:latin typeface="Consolas" pitchFamily="49" charset="0"/>
+                <a:cs typeface="Consolas" pitchFamily="49" charset="0"/>
+              </a:rPr>
+              <a:t>	</a:t>
+            </a:r>
+            <a:r>
+              <a:rPr lang="en-US" sz="1600" dirty="0" err="1" smtClean="0">
+                <a:solidFill>
+                  <a:srgbClr val="7F0055"/>
+                </a:solidFill>
+                <a:latin typeface="Consolas" pitchFamily="49" charset="0"/>
+                <a:cs typeface="Consolas" pitchFamily="49" charset="0"/>
+              </a:rPr>
+              <a:t>super</a:t>
+            </a:r>
+            <a:r>
+              <a:rPr lang="en-US" sz="1600" dirty="0" err="1" smtClean="0">
+                <a:solidFill>
+                  <a:srgbClr val="000000"/>
+                </a:solidFill>
+                <a:latin typeface="Consolas" pitchFamily="49" charset="0"/>
+                <a:cs typeface="Consolas" pitchFamily="49" charset="0"/>
+              </a:rPr>
+              <a:t>.onCreate</a:t>
+            </a:r>
+            <a:r>
+              <a:rPr lang="en-US" sz="1600" dirty="0" smtClean="0">
+                <a:solidFill>
+                  <a:srgbClr val="000000"/>
+                </a:solidFill>
+                <a:latin typeface="Consolas" pitchFamily="49" charset="0"/>
+                <a:cs typeface="Consolas" pitchFamily="49" charset="0"/>
+              </a:rPr>
+              <a:t>(</a:t>
+            </a:r>
+            <a:r>
+              <a:rPr lang="en-US" sz="1600" dirty="0" err="1" smtClean="0">
+                <a:solidFill>
+                  <a:srgbClr val="000000"/>
+                </a:solidFill>
+                <a:latin typeface="Consolas" pitchFamily="49" charset="0"/>
+                <a:cs typeface="Consolas" pitchFamily="49" charset="0"/>
+              </a:rPr>
+              <a:t>savedInstanceState</a:t>
+            </a:r>
+            <a:r>
+              <a:rPr lang="en-US" sz="1600" dirty="0" smtClean="0">
+                <a:solidFill>
+                  <a:srgbClr val="000000"/>
+                </a:solidFill>
+                <a:latin typeface="Consolas" pitchFamily="49" charset="0"/>
+                <a:cs typeface="Consolas" pitchFamily="49" charset="0"/>
+              </a:rPr>
+              <a:t>);</a:t>
+            </a:r>
+          </a:p>
+          <a:p>
+            <a:pPr marL="0" indent="0">
+              <a:buNone/>
+            </a:pPr>
+            <a:r>
+              <a:rPr lang="pl-PL" sz="1600" dirty="0" smtClean="0">
+                <a:solidFill>
+                  <a:srgbClr val="000000"/>
+                </a:solidFill>
+                <a:latin typeface="Consolas" pitchFamily="49" charset="0"/>
+                <a:cs typeface="Consolas" pitchFamily="49" charset="0"/>
+              </a:rPr>
+              <a:t>	</a:t>
+            </a:r>
+            <a:r>
+              <a:rPr lang="en-US" sz="1600" dirty="0" err="1" smtClean="0">
+                <a:solidFill>
+                  <a:srgbClr val="000000"/>
+                </a:solidFill>
+                <a:latin typeface="Consolas" pitchFamily="49" charset="0"/>
+                <a:cs typeface="Consolas" pitchFamily="49" charset="0"/>
+              </a:rPr>
+              <a:t>setContentView</a:t>
+            </a:r>
+            <a:r>
+              <a:rPr lang="en-US" sz="1600" dirty="0" smtClean="0">
+                <a:solidFill>
+                  <a:srgbClr val="000000"/>
+                </a:solidFill>
+                <a:latin typeface="Consolas" pitchFamily="49" charset="0"/>
+                <a:cs typeface="Consolas" pitchFamily="49" charset="0"/>
+              </a:rPr>
+              <a:t>(</a:t>
+            </a:r>
+            <a:r>
+              <a:rPr lang="en-US" sz="1600" dirty="0" err="1" smtClean="0">
+                <a:solidFill>
+                  <a:srgbClr val="000000"/>
+                </a:solidFill>
+                <a:latin typeface="Consolas" pitchFamily="49" charset="0"/>
+                <a:cs typeface="Consolas" pitchFamily="49" charset="0"/>
+              </a:rPr>
+              <a:t>R.layout.</a:t>
+            </a:r>
+            <a:r>
+              <a:rPr lang="en-US" sz="1600" i="1" dirty="0" err="1" smtClean="0">
+                <a:solidFill>
+                  <a:srgbClr val="0000C0"/>
+                </a:solidFill>
+                <a:latin typeface="Consolas" pitchFamily="49" charset="0"/>
+                <a:cs typeface="Consolas" pitchFamily="49" charset="0"/>
+              </a:rPr>
+              <a:t>activity_main</a:t>
+            </a:r>
+            <a:r>
+              <a:rPr lang="en-US" sz="1600" i="1" dirty="0" smtClean="0">
+                <a:solidFill>
+                  <a:srgbClr val="000000"/>
+                </a:solidFill>
+                <a:latin typeface="Consolas" pitchFamily="49" charset="0"/>
+                <a:cs typeface="Consolas" pitchFamily="49" charset="0"/>
+              </a:rPr>
+              <a:t>);</a:t>
+            </a:r>
+          </a:p>
+          <a:p>
+            <a:pPr marL="0" indent="0">
+              <a:buNone/>
+            </a:pPr>
+            <a:r>
+              <a:rPr lang="pl-PL" sz="1600" dirty="0" smtClean="0">
+                <a:solidFill>
+                  <a:srgbClr val="0000C0"/>
+                </a:solidFill>
+                <a:latin typeface="Consolas" pitchFamily="49" charset="0"/>
+                <a:cs typeface="Consolas" pitchFamily="49" charset="0"/>
+              </a:rPr>
+              <a:t>	</a:t>
+            </a:r>
+            <a:r>
+              <a:rPr lang="en-US" sz="1600" dirty="0" smtClean="0">
+                <a:solidFill>
+                  <a:srgbClr val="0000C0"/>
+                </a:solidFill>
+                <a:latin typeface="Consolas" pitchFamily="49" charset="0"/>
+                <a:cs typeface="Consolas" pitchFamily="49" charset="0"/>
+              </a:rPr>
+              <a:t>button1</a:t>
+            </a:r>
+            <a:r>
+              <a:rPr lang="en-US" sz="1600" dirty="0" smtClean="0">
+                <a:solidFill>
+                  <a:srgbClr val="000000"/>
+                </a:solidFill>
+                <a:latin typeface="Consolas" pitchFamily="49" charset="0"/>
+                <a:cs typeface="Consolas" pitchFamily="49" charset="0"/>
+              </a:rPr>
+              <a:t> </a:t>
+            </a:r>
+            <a:r>
+              <a:rPr lang="en-US" sz="1600" dirty="0">
+                <a:solidFill>
+                  <a:srgbClr val="000000"/>
+                </a:solidFill>
+                <a:latin typeface="Consolas" pitchFamily="49" charset="0"/>
+                <a:cs typeface="Consolas" pitchFamily="49" charset="0"/>
+              </a:rPr>
+              <a:t>= (Button) </a:t>
+            </a:r>
+            <a:r>
+              <a:rPr lang="en-US" sz="1600" dirty="0" err="1" smtClean="0">
+                <a:solidFill>
+                  <a:srgbClr val="000000"/>
+                </a:solidFill>
+                <a:latin typeface="Consolas" pitchFamily="49" charset="0"/>
+                <a:cs typeface="Consolas" pitchFamily="49" charset="0"/>
+              </a:rPr>
+              <a:t>findViewById</a:t>
+            </a:r>
+            <a:r>
+              <a:rPr lang="en-US" sz="1600" dirty="0" smtClean="0">
+                <a:solidFill>
+                  <a:srgbClr val="000000"/>
+                </a:solidFill>
+                <a:latin typeface="Consolas" pitchFamily="49" charset="0"/>
+                <a:cs typeface="Consolas" pitchFamily="49" charset="0"/>
+              </a:rPr>
+              <a:t>(</a:t>
+            </a:r>
+            <a:r>
+              <a:rPr lang="en-US" sz="1600" dirty="0" err="1" smtClean="0">
+                <a:solidFill>
+                  <a:srgbClr val="000000"/>
+                </a:solidFill>
+                <a:latin typeface="Consolas" pitchFamily="49" charset="0"/>
+                <a:cs typeface="Consolas" pitchFamily="49" charset="0"/>
+              </a:rPr>
+              <a:t>R.id.</a:t>
+            </a:r>
+            <a:r>
+              <a:rPr lang="en-US" sz="1600" i="1" dirty="0" err="1" smtClean="0">
+                <a:solidFill>
+                  <a:srgbClr val="0000C0"/>
+                </a:solidFill>
+                <a:latin typeface="Consolas" pitchFamily="49" charset="0"/>
+                <a:cs typeface="Consolas" pitchFamily="49" charset="0"/>
+              </a:rPr>
+              <a:t>listCurrenciesButton</a:t>
+            </a:r>
+            <a:r>
+              <a:rPr lang="en-US" sz="1600" i="1" dirty="0" smtClean="0">
+                <a:solidFill>
+                  <a:srgbClr val="000000"/>
+                </a:solidFill>
+                <a:latin typeface="Consolas" pitchFamily="49" charset="0"/>
+                <a:cs typeface="Consolas" pitchFamily="49" charset="0"/>
+              </a:rPr>
+              <a:t>);</a:t>
+            </a:r>
+            <a:endParaRPr lang="pl-PL" sz="1600" i="1" dirty="0" smtClean="0">
+              <a:solidFill>
+                <a:srgbClr val="000000"/>
+              </a:solidFill>
+              <a:latin typeface="Consolas" pitchFamily="49" charset="0"/>
+              <a:cs typeface="Consolas" pitchFamily="49" charset="0"/>
+            </a:endParaRPr>
+          </a:p>
+          <a:p>
+            <a:pPr marL="0" indent="0">
+              <a:buNone/>
+            </a:pPr>
+            <a:r>
+              <a:rPr lang="pl-PL" sz="1600" i="1" dirty="0">
+                <a:solidFill>
+                  <a:srgbClr val="000000"/>
+                </a:solidFill>
+                <a:latin typeface="Consolas" pitchFamily="49" charset="0"/>
+                <a:cs typeface="Consolas" pitchFamily="49" charset="0"/>
+              </a:rPr>
+              <a:t>	</a:t>
+            </a:r>
+            <a:r>
+              <a:rPr lang="en-US" sz="1600" dirty="0" smtClean="0">
+                <a:solidFill>
+                  <a:srgbClr val="0000C0"/>
+                </a:solidFill>
+                <a:latin typeface="Consolas" pitchFamily="49" charset="0"/>
+                <a:cs typeface="Consolas" pitchFamily="49" charset="0"/>
+              </a:rPr>
+              <a:t>button1</a:t>
+            </a:r>
+            <a:r>
+              <a:rPr lang="en-US" sz="1600" dirty="0" smtClean="0">
+                <a:solidFill>
+                  <a:srgbClr val="000000"/>
+                </a:solidFill>
+                <a:latin typeface="Consolas" pitchFamily="49" charset="0"/>
+                <a:cs typeface="Consolas" pitchFamily="49" charset="0"/>
+              </a:rPr>
+              <a:t>.setOnClickListener(</a:t>
+            </a:r>
+            <a:r>
+              <a:rPr lang="en-US" sz="1600" dirty="0" smtClean="0">
+                <a:solidFill>
+                  <a:srgbClr val="7F0055"/>
+                </a:solidFill>
+                <a:latin typeface="Consolas" pitchFamily="49" charset="0"/>
+                <a:cs typeface="Consolas" pitchFamily="49" charset="0"/>
+              </a:rPr>
+              <a:t>new</a:t>
+            </a:r>
+            <a:r>
+              <a:rPr lang="en-US" sz="1600" dirty="0" smtClean="0">
+                <a:solidFill>
+                  <a:srgbClr val="000000"/>
+                </a:solidFill>
+                <a:latin typeface="Consolas" pitchFamily="49" charset="0"/>
+                <a:cs typeface="Consolas" pitchFamily="49" charset="0"/>
+              </a:rPr>
+              <a:t> </a:t>
+            </a:r>
+            <a:r>
+              <a:rPr lang="en-US" sz="1600" dirty="0" err="1">
+                <a:solidFill>
+                  <a:srgbClr val="000000"/>
+                </a:solidFill>
+                <a:latin typeface="Consolas" pitchFamily="49" charset="0"/>
+                <a:cs typeface="Consolas" pitchFamily="49" charset="0"/>
+              </a:rPr>
+              <a:t>OnClickListener</a:t>
+            </a:r>
+            <a:r>
+              <a:rPr lang="en-US" sz="1600" dirty="0">
+                <a:solidFill>
+                  <a:srgbClr val="000000"/>
+                </a:solidFill>
+                <a:latin typeface="Consolas" pitchFamily="49" charset="0"/>
+                <a:cs typeface="Consolas" pitchFamily="49" charset="0"/>
+              </a:rPr>
+              <a:t>() {</a:t>
+            </a:r>
+          </a:p>
+          <a:p>
+            <a:pPr marL="0" indent="0">
+              <a:buNone/>
+            </a:pPr>
+            <a:r>
+              <a:rPr lang="pl-PL" sz="1600" dirty="0" smtClean="0">
+                <a:solidFill>
+                  <a:srgbClr val="7F0055"/>
+                </a:solidFill>
+                <a:latin typeface="Consolas" pitchFamily="49" charset="0"/>
+                <a:cs typeface="Consolas" pitchFamily="49" charset="0"/>
+              </a:rPr>
+              <a:t>	</a:t>
+            </a:r>
+            <a:r>
+              <a:rPr lang="en-US" sz="1600" dirty="0" smtClean="0">
+                <a:solidFill>
+                  <a:srgbClr val="7F0055"/>
+                </a:solidFill>
+                <a:latin typeface="Consolas" pitchFamily="49" charset="0"/>
+                <a:cs typeface="Consolas" pitchFamily="49" charset="0"/>
+              </a:rPr>
+              <a:t>public</a:t>
+            </a:r>
+            <a:r>
+              <a:rPr lang="en-US" sz="1600" dirty="0" smtClean="0">
+                <a:solidFill>
+                  <a:srgbClr val="000000"/>
+                </a:solidFill>
+                <a:latin typeface="Consolas" pitchFamily="49" charset="0"/>
+                <a:cs typeface="Consolas" pitchFamily="49" charset="0"/>
+              </a:rPr>
+              <a:t> </a:t>
+            </a:r>
+            <a:r>
+              <a:rPr lang="en-US" sz="1600" dirty="0">
+                <a:solidFill>
+                  <a:srgbClr val="7F0055"/>
+                </a:solidFill>
+                <a:latin typeface="Consolas" pitchFamily="49" charset="0"/>
+                <a:cs typeface="Consolas" pitchFamily="49" charset="0"/>
+              </a:rPr>
+              <a:t>void</a:t>
+            </a:r>
+            <a:r>
+              <a:rPr lang="en-US" sz="1600" dirty="0">
+                <a:solidFill>
+                  <a:srgbClr val="000000"/>
+                </a:solidFill>
+                <a:latin typeface="Consolas" pitchFamily="49" charset="0"/>
+                <a:cs typeface="Consolas" pitchFamily="49" charset="0"/>
+              </a:rPr>
+              <a:t> </a:t>
+            </a:r>
+            <a:r>
+              <a:rPr lang="en-US" sz="1600" dirty="0" err="1">
+                <a:solidFill>
+                  <a:srgbClr val="000000"/>
+                </a:solidFill>
+                <a:latin typeface="Consolas" pitchFamily="49" charset="0"/>
+                <a:cs typeface="Consolas" pitchFamily="49" charset="0"/>
+              </a:rPr>
+              <a:t>onClick</a:t>
+            </a:r>
+            <a:r>
+              <a:rPr lang="en-US" sz="1600" dirty="0">
+                <a:solidFill>
+                  <a:srgbClr val="000000"/>
+                </a:solidFill>
+                <a:latin typeface="Consolas" pitchFamily="49" charset="0"/>
+                <a:cs typeface="Consolas" pitchFamily="49" charset="0"/>
+              </a:rPr>
+              <a:t>(View v) {}});</a:t>
+            </a:r>
+          </a:p>
+          <a:p>
+            <a:pPr marL="0" indent="0">
+              <a:buNone/>
+            </a:pPr>
+            <a:r>
+              <a:rPr lang="en-US" sz="1600" dirty="0" smtClean="0">
+                <a:solidFill>
+                  <a:srgbClr val="000000"/>
+                </a:solidFill>
+                <a:latin typeface="Consolas" pitchFamily="49" charset="0"/>
+                <a:cs typeface="Consolas" pitchFamily="49" charset="0"/>
+              </a:rPr>
+              <a:t>}</a:t>
+            </a:r>
+            <a:endParaRPr lang="pl-PL" sz="1600" dirty="0" smtClean="0">
+              <a:solidFill>
+                <a:srgbClr val="000000"/>
+              </a:solidFill>
+              <a:latin typeface="Consolas" pitchFamily="49" charset="0"/>
+              <a:cs typeface="Consolas" pitchFamily="49" charset="0"/>
+            </a:endParaRPr>
+          </a:p>
+          <a:p>
+            <a:pPr marL="0" indent="0">
+              <a:buNone/>
+            </a:pPr>
+            <a:r>
+              <a:rPr lang="pl-PL" sz="1600" dirty="0" smtClean="0">
+                <a:solidFill>
+                  <a:srgbClr val="000000"/>
+                </a:solidFill>
+                <a:latin typeface="Consolas" pitchFamily="49" charset="0"/>
+                <a:cs typeface="Consolas" pitchFamily="49" charset="0"/>
+              </a:rPr>
+              <a:t>...</a:t>
+            </a:r>
+            <a:endParaRPr lang="pl-PL" sz="1600" dirty="0" smtClean="0">
+              <a:latin typeface="Consolas" pitchFamily="49" charset="0"/>
+              <a:cs typeface="Consolas" pitchFamily="49" charset="0"/>
+            </a:endParaRPr>
+          </a:p>
+          <a:p>
+            <a:pPr marL="0" indent="0">
+              <a:buNone/>
+            </a:pPr>
+            <a:endParaRPr lang="pl-PL" dirty="0" smtClean="0"/>
+          </a:p>
+          <a:p>
+            <a:pPr marL="0" indent="0">
+              <a:buNone/>
+            </a:pPr>
+            <a:endParaRPr lang="pl-PL" dirty="0"/>
           </a:p>
         </p:txBody>
       </p:sp>
     </p:spTree>
     <p:extLst>
       <p:ext uri="{BB962C8B-B14F-4D97-AF65-F5344CB8AC3E}">
-        <p14:creationId xmlns:p14="http://schemas.microsoft.com/office/powerpoint/2010/main" val="2475552466"/>
+        <p14:creationId xmlns:p14="http://schemas.microsoft.com/office/powerpoint/2010/main" val="3646475164"/>
       </p:ext>
     </p:extLst>
   </p:cSld>
@@ -13539,6 +13628,134 @@
             <a:fld id="{AB8D87DA-8905-40F0-85F7-F6E49E4446E9}" type="slidenum">
               <a:rPr lang="pl-PL" smtClean="0"/>
               <a:t>24</a:t>
+            </a:fld>
+            <a:endParaRPr lang="pl-PL" dirty="0"/>
+          </a:p>
+        </p:txBody>
+      </p:sp>
+      <p:sp>
+        <p:nvSpPr>
+          <p:cNvPr id="4" name="Content Placeholder 3"/>
+          <p:cNvSpPr>
+            <a:spLocks noGrp="1"/>
+          </p:cNvSpPr>
+          <p:nvPr>
+            <p:ph idx="1"/>
+          </p:nvPr>
+        </p:nvSpPr>
+        <p:spPr/>
+        <p:txBody>
+          <a:bodyPr/>
+          <a:lstStyle/>
+          <a:p>
+            <a:pPr marL="0" indent="0" algn="ctr">
+              <a:buNone/>
+            </a:pPr>
+            <a:endParaRPr lang="pl-PL" sz="5400" dirty="0" smtClean="0"/>
+          </a:p>
+          <a:p>
+            <a:pPr marL="0" indent="0" algn="ctr">
+              <a:buNone/>
+            </a:pPr>
+            <a:r>
+              <a:rPr lang="pl-PL" sz="5400" dirty="0" smtClean="0"/>
+              <a:t>Android Studio Time</a:t>
+            </a:r>
+          </a:p>
+          <a:p>
+            <a:pPr marL="0" indent="0" algn="ctr">
+              <a:buNone/>
+            </a:pPr>
+            <a:r>
+              <a:rPr lang="pl-PL" sz="3600" dirty="0" smtClean="0"/>
+              <a:t>Odzyskiwanie widoków z układu</a:t>
+            </a:r>
+            <a:endParaRPr lang="pl-PL" sz="3600" dirty="0" smtClean="0"/>
+          </a:p>
+        </p:txBody>
+      </p:sp>
+    </p:spTree>
+    <p:extLst>
+      <p:ext uri="{BB962C8B-B14F-4D97-AF65-F5344CB8AC3E}">
+        <p14:creationId xmlns:p14="http://schemas.microsoft.com/office/powerpoint/2010/main" val="2475552466"/>
+      </p:ext>
+    </p:extLst>
+  </p:cSld>
+  <p:clrMapOvr>
+    <a:masterClrMapping/>
+  </p:clrMapOvr>
+  <p:timing>
+    <p:tnLst>
+      <p:par>
+        <p:cTn id="1" dur="indefinite" restart="never" nodeType="tmRoot"/>
+      </p:par>
+    </p:tnLst>
+  </p:timing>
+</p:sld>
+</file>
+
+<file path=ppt/slides/slide25.xml><?xml version="1.0" encoding="utf-8"?>
+<p:sld xmlns:a="http://schemas.openxmlformats.org/drawingml/2006/main" xmlns:r="http://schemas.openxmlformats.org/officeDocument/2006/relationships" xmlns:p="http://schemas.openxmlformats.org/presentationml/2006/main">
+  <p:cSld>
+    <p:spTree>
+      <p:nvGrpSpPr>
+        <p:cNvPr id="1" name=""/>
+        <p:cNvGrpSpPr/>
+        <p:nvPr/>
+      </p:nvGrpSpPr>
+      <p:grpSpPr>
+        <a:xfrm>
+          <a:off x="0" y="0"/>
+          <a:ext cx="0" cy="0"/>
+          <a:chOff x="0" y="0"/>
+          <a:chExt cx="0" cy="0"/>
+        </a:xfrm>
+      </p:grpSpPr>
+      <p:sp>
+        <p:nvSpPr>
+          <p:cNvPr id="2" name="Date Placeholder 1"/>
+          <p:cNvSpPr>
+            <a:spLocks noGrp="1"/>
+          </p:cNvSpPr>
+          <p:nvPr>
+            <p:ph type="dt" sz="half" idx="10"/>
+          </p:nvPr>
+        </p:nvSpPr>
+        <p:spPr/>
+        <p:txBody>
+          <a:bodyPr/>
+          <a:lstStyle/>
+          <a:p>
+            <a:r>
+              <a:rPr lang="pl-PL" dirty="0"/>
+              <a:t>2015-03-07 |  </a:t>
+            </a:r>
+            <a:r>
+              <a:rPr lang="pl-PL" dirty="0" smtClean="0"/>
+              <a:t>Gliwice</a:t>
+            </a:r>
+            <a:endParaRPr lang="pl-PL" dirty="0"/>
+          </a:p>
+        </p:txBody>
+      </p:sp>
+      <p:sp>
+        <p:nvSpPr>
+          <p:cNvPr id="3" name="Slide Number Placeholder 2"/>
+          <p:cNvSpPr>
+            <a:spLocks noGrp="1"/>
+          </p:cNvSpPr>
+          <p:nvPr>
+            <p:ph type="sldNum" sz="quarter" idx="12"/>
+          </p:nvPr>
+        </p:nvSpPr>
+        <p:spPr/>
+        <p:txBody>
+          <a:bodyPr/>
+          <a:lstStyle/>
+          <a:p>
+            <a:fld id="{AB8D87DA-8905-40F0-85F7-F6E49E4446E9}" type="slidenum">
+              <a:rPr lang="pl-PL" smtClean="0"/>
+              <a:t>25</a:t>
             </a:fld>
             <a:endParaRPr lang="pl-PL" dirty="0"/>
           </a:p>
@@ -13718,472 +13935,6 @@
 </p:sld>
 </file>
 
-<file path=ppt/slides/slide25.xml><?xml version="1.0" encoding="utf-8"?>
-<p:sld xmlns:a="http://schemas.openxmlformats.org/drawingml/2006/main" xmlns:r="http://schemas.openxmlformats.org/officeDocument/2006/relationships" xmlns:p="http://schemas.openxmlformats.org/presentationml/2006/main">
-  <p:cSld>
-    <p:spTree>
-      <p:nvGrpSpPr>
-        <p:cNvPr id="1" name=""/>
-        <p:cNvGrpSpPr/>
-        <p:nvPr/>
-      </p:nvGrpSpPr>
-      <p:grpSpPr>
-        <a:xfrm>
-          <a:off x="0" y="0"/>
-          <a:ext cx="0" cy="0"/>
-          <a:chOff x="0" y="0"/>
-          <a:chExt cx="0" cy="0"/>
-        </a:xfrm>
-      </p:grpSpPr>
-      <p:sp>
-        <p:nvSpPr>
-          <p:cNvPr id="2" name="Date Placeholder 1"/>
-          <p:cNvSpPr>
-            <a:spLocks noGrp="1"/>
-          </p:cNvSpPr>
-          <p:nvPr>
-            <p:ph type="dt" sz="half" idx="10"/>
-          </p:nvPr>
-        </p:nvSpPr>
-        <p:spPr/>
-        <p:txBody>
-          <a:bodyPr/>
-          <a:lstStyle/>
-          <a:p>
-            <a:r>
-              <a:rPr lang="pl-PL" dirty="0"/>
-              <a:t>2015-03-07 |  </a:t>
-            </a:r>
-            <a:r>
-              <a:rPr lang="pl-PL" dirty="0" smtClean="0"/>
-              <a:t>Gliwice</a:t>
-            </a:r>
-            <a:endParaRPr lang="pl-PL" dirty="0"/>
-          </a:p>
-        </p:txBody>
-      </p:sp>
-      <p:sp>
-        <p:nvSpPr>
-          <p:cNvPr id="3" name="Slide Number Placeholder 2"/>
-          <p:cNvSpPr>
-            <a:spLocks noGrp="1"/>
-          </p:cNvSpPr>
-          <p:nvPr>
-            <p:ph type="sldNum" sz="quarter" idx="12"/>
-          </p:nvPr>
-        </p:nvSpPr>
-        <p:spPr/>
-        <p:txBody>
-          <a:bodyPr/>
-          <a:lstStyle/>
-          <a:p>
-            <a:fld id="{AB8D87DA-8905-40F0-85F7-F6E49E4446E9}" type="slidenum">
-              <a:rPr lang="pl-PL" smtClean="0"/>
-              <a:t>25</a:t>
-            </a:fld>
-            <a:endParaRPr lang="pl-PL" dirty="0"/>
-          </a:p>
-        </p:txBody>
-      </p:sp>
-      <p:sp>
-        <p:nvSpPr>
-          <p:cNvPr id="4" name="Content Placeholder 3"/>
-          <p:cNvSpPr>
-            <a:spLocks noGrp="1"/>
-          </p:cNvSpPr>
-          <p:nvPr>
-            <p:ph idx="1"/>
-          </p:nvPr>
-        </p:nvSpPr>
-        <p:spPr/>
-        <p:txBody>
-          <a:bodyPr/>
-          <a:lstStyle/>
-          <a:p>
-            <a:pPr marL="0" indent="0">
-              <a:buNone/>
-            </a:pPr>
-            <a:r>
-              <a:rPr lang="pl-PL" dirty="0" smtClean="0"/>
-              <a:t>Przycisk i pole tekstowe</a:t>
-            </a:r>
-          </a:p>
-          <a:p>
-            <a:pPr marL="0" indent="0">
-              <a:buNone/>
-            </a:pPr>
-            <a:endParaRPr lang="pl-PL" dirty="0" smtClean="0"/>
-          </a:p>
-          <a:p>
-            <a:pPr marL="0" indent="0">
-              <a:buNone/>
-            </a:pPr>
-            <a:r>
-              <a:rPr lang="pl-PL" sz="2000" dirty="0" smtClean="0"/>
-              <a:t>Przycisk posiada odwołania zwrotne m.in. dla akcji kliknięcia</a:t>
-            </a:r>
-          </a:p>
-          <a:p>
-            <a:pPr marL="0" indent="0">
-              <a:buNone/>
-            </a:pPr>
-            <a:endParaRPr lang="pl-PL" sz="2000" dirty="0" smtClean="0"/>
-          </a:p>
-          <a:p>
-            <a:pPr marL="0" indent="0">
-              <a:buNone/>
-            </a:pPr>
-            <a:r>
-              <a:rPr lang="pl-PL" sz="2000" dirty="0" smtClean="0"/>
-              <a:t>Pola tekstowe mają metody do ustawienia oraz pobierania tekstu(</a:t>
-            </a:r>
-            <a:r>
-              <a:rPr lang="pl-PL" sz="2000" dirty="0" err="1" smtClean="0"/>
-              <a:t>setText</a:t>
-            </a:r>
-            <a:r>
-              <a:rPr lang="pl-PL" sz="2000" dirty="0" smtClean="0"/>
-              <a:t>, </a:t>
-            </a:r>
-            <a:r>
-              <a:rPr lang="pl-PL" sz="2000" dirty="0" err="1" smtClean="0"/>
-              <a:t>getText</a:t>
-            </a:r>
-            <a:r>
-              <a:rPr lang="pl-PL" sz="2000" dirty="0" smtClean="0"/>
-              <a:t>)</a:t>
-            </a:r>
-            <a:endParaRPr lang="pl-PL" sz="2000" dirty="0" smtClean="0"/>
-          </a:p>
-          <a:p>
-            <a:pPr marL="0" indent="0">
-              <a:buNone/>
-            </a:pPr>
-            <a:endParaRPr lang="pl-PL" sz="2000" dirty="0" smtClean="0"/>
-          </a:p>
-          <a:p>
-            <a:pPr marL="0" indent="0">
-              <a:buNone/>
-            </a:pPr>
-            <a:r>
-              <a:rPr lang="en-US" sz="1800" dirty="0" err="1" smtClean="0">
-                <a:solidFill>
-                  <a:srgbClr val="0000C0"/>
-                </a:solidFill>
-                <a:latin typeface="Consolas" pitchFamily="49" charset="0"/>
-                <a:cs typeface="Consolas" pitchFamily="49" charset="0"/>
-              </a:rPr>
-              <a:t>button</a:t>
-            </a:r>
-            <a:r>
-              <a:rPr lang="en-US" sz="1800" dirty="0" err="1" smtClean="0">
-                <a:solidFill>
-                  <a:srgbClr val="000000"/>
-                </a:solidFill>
-                <a:latin typeface="Consolas" pitchFamily="49" charset="0"/>
-                <a:cs typeface="Consolas" pitchFamily="49" charset="0"/>
-              </a:rPr>
-              <a:t>.setOnClickListener</a:t>
-            </a:r>
-            <a:r>
-              <a:rPr lang="en-US" sz="1800" dirty="0" smtClean="0">
-                <a:solidFill>
-                  <a:srgbClr val="000000"/>
-                </a:solidFill>
-                <a:latin typeface="Consolas" pitchFamily="49" charset="0"/>
-                <a:cs typeface="Consolas" pitchFamily="49" charset="0"/>
-              </a:rPr>
-              <a:t>(</a:t>
-            </a:r>
-            <a:r>
-              <a:rPr lang="en-US" sz="1800" dirty="0" smtClean="0">
-                <a:solidFill>
-                  <a:srgbClr val="7F0055"/>
-                </a:solidFill>
-                <a:latin typeface="Consolas" pitchFamily="49" charset="0"/>
-                <a:cs typeface="Consolas" pitchFamily="49" charset="0"/>
-              </a:rPr>
-              <a:t>new</a:t>
-            </a:r>
-            <a:r>
-              <a:rPr lang="en-US" sz="1800" dirty="0" smtClean="0">
-                <a:solidFill>
-                  <a:srgbClr val="000000"/>
-                </a:solidFill>
-                <a:latin typeface="Consolas" pitchFamily="49" charset="0"/>
-                <a:cs typeface="Consolas" pitchFamily="49" charset="0"/>
-              </a:rPr>
-              <a:t> </a:t>
-            </a:r>
-            <a:r>
-              <a:rPr lang="en-US" sz="1800" dirty="0" err="1">
-                <a:solidFill>
-                  <a:srgbClr val="000000"/>
-                </a:solidFill>
-                <a:latin typeface="Consolas" pitchFamily="49" charset="0"/>
-                <a:cs typeface="Consolas" pitchFamily="49" charset="0"/>
-              </a:rPr>
-              <a:t>OnClickListener</a:t>
-            </a:r>
-            <a:r>
-              <a:rPr lang="en-US" sz="1800" dirty="0">
-                <a:solidFill>
-                  <a:srgbClr val="000000"/>
-                </a:solidFill>
-                <a:latin typeface="Consolas" pitchFamily="49" charset="0"/>
-                <a:cs typeface="Consolas" pitchFamily="49" charset="0"/>
-              </a:rPr>
-              <a:t>() {</a:t>
-            </a:r>
-          </a:p>
-          <a:p>
-            <a:pPr marL="0" indent="0">
-              <a:buNone/>
-            </a:pPr>
-            <a:r>
-              <a:rPr lang="pl-PL" sz="1800" dirty="0">
-                <a:solidFill>
-                  <a:srgbClr val="7F0055"/>
-                </a:solidFill>
-                <a:latin typeface="Consolas" pitchFamily="49" charset="0"/>
-                <a:cs typeface="Consolas" pitchFamily="49" charset="0"/>
-              </a:rPr>
-              <a:t>	</a:t>
-            </a:r>
-            <a:r>
-              <a:rPr lang="en-US" sz="1800" dirty="0">
-                <a:solidFill>
-                  <a:srgbClr val="7F0055"/>
-                </a:solidFill>
-                <a:latin typeface="Consolas" pitchFamily="49" charset="0"/>
-                <a:cs typeface="Consolas" pitchFamily="49" charset="0"/>
-              </a:rPr>
-              <a:t>public</a:t>
-            </a:r>
-            <a:r>
-              <a:rPr lang="en-US" sz="1800" dirty="0">
-                <a:solidFill>
-                  <a:srgbClr val="000000"/>
-                </a:solidFill>
-                <a:latin typeface="Consolas" pitchFamily="49" charset="0"/>
-                <a:cs typeface="Consolas" pitchFamily="49" charset="0"/>
-              </a:rPr>
-              <a:t> </a:t>
-            </a:r>
-            <a:r>
-              <a:rPr lang="en-US" sz="1800" dirty="0">
-                <a:solidFill>
-                  <a:srgbClr val="7F0055"/>
-                </a:solidFill>
-                <a:latin typeface="Consolas" pitchFamily="49" charset="0"/>
-                <a:cs typeface="Consolas" pitchFamily="49" charset="0"/>
-              </a:rPr>
-              <a:t>void</a:t>
-            </a:r>
-            <a:r>
-              <a:rPr lang="en-US" sz="1800" dirty="0">
-                <a:solidFill>
-                  <a:srgbClr val="000000"/>
-                </a:solidFill>
-                <a:latin typeface="Consolas" pitchFamily="49" charset="0"/>
-                <a:cs typeface="Consolas" pitchFamily="49" charset="0"/>
-              </a:rPr>
-              <a:t> </a:t>
-            </a:r>
-            <a:r>
-              <a:rPr lang="en-US" sz="1800" dirty="0" err="1">
-                <a:solidFill>
-                  <a:srgbClr val="000000"/>
-                </a:solidFill>
-                <a:latin typeface="Consolas" pitchFamily="49" charset="0"/>
-                <a:cs typeface="Consolas" pitchFamily="49" charset="0"/>
-              </a:rPr>
-              <a:t>onClick</a:t>
-            </a:r>
-            <a:r>
-              <a:rPr lang="en-US" sz="1800" dirty="0">
-                <a:solidFill>
-                  <a:srgbClr val="000000"/>
-                </a:solidFill>
-                <a:latin typeface="Consolas" pitchFamily="49" charset="0"/>
-                <a:cs typeface="Consolas" pitchFamily="49" charset="0"/>
-              </a:rPr>
-              <a:t>(View v) </a:t>
-            </a:r>
-            <a:r>
-              <a:rPr lang="en-US" sz="1800" dirty="0" smtClean="0">
-                <a:solidFill>
-                  <a:srgbClr val="000000"/>
-                </a:solidFill>
-                <a:latin typeface="Consolas" pitchFamily="49" charset="0"/>
-                <a:cs typeface="Consolas" pitchFamily="49" charset="0"/>
-              </a:rPr>
-              <a:t>{</a:t>
-            </a:r>
-            <a:endParaRPr lang="pl-PL" sz="1800" dirty="0" smtClean="0">
-              <a:solidFill>
-                <a:srgbClr val="000000"/>
-              </a:solidFill>
-              <a:latin typeface="Consolas" pitchFamily="49" charset="0"/>
-              <a:cs typeface="Consolas" pitchFamily="49" charset="0"/>
-            </a:endParaRPr>
-          </a:p>
-          <a:p>
-            <a:pPr marL="0" indent="0">
-              <a:buNone/>
-            </a:pPr>
-            <a:r>
-              <a:rPr lang="pl-PL" sz="1800" dirty="0">
-                <a:solidFill>
-                  <a:srgbClr val="0000C0"/>
-                </a:solidFill>
-                <a:highlight>
-                  <a:srgbClr val="D4D4D4"/>
-                </a:highlight>
-                <a:latin typeface="Consolas"/>
-              </a:rPr>
-              <a:t>	</a:t>
-            </a:r>
-            <a:r>
-              <a:rPr lang="pl-PL" sz="1800" dirty="0" smtClean="0">
-                <a:solidFill>
-                  <a:srgbClr val="0000C0"/>
-                </a:solidFill>
-                <a:highlight>
-                  <a:srgbClr val="D4D4D4"/>
-                </a:highlight>
-                <a:latin typeface="Consolas"/>
-              </a:rPr>
-              <a:t>	</a:t>
-            </a:r>
-            <a:r>
-              <a:rPr lang="pl-PL" sz="1800" dirty="0" err="1" smtClean="0">
-                <a:solidFill>
-                  <a:srgbClr val="0000C0"/>
-                </a:solidFill>
-                <a:highlight>
-                  <a:srgbClr val="D4D4D4"/>
-                </a:highlight>
-                <a:latin typeface="Consolas"/>
-              </a:rPr>
-              <a:t>editText</a:t>
-            </a:r>
-            <a:r>
-              <a:rPr lang="pl-PL" sz="1800" dirty="0" err="1" smtClean="0">
-                <a:solidFill>
-                  <a:srgbClr val="000000"/>
-                </a:solidFill>
-                <a:highlight>
-                  <a:srgbClr val="E8F2FE"/>
-                </a:highlight>
-                <a:latin typeface="Consolas"/>
-              </a:rPr>
-              <a:t>.getText</a:t>
-            </a:r>
-            <a:r>
-              <a:rPr lang="pl-PL" sz="1800" dirty="0">
-                <a:solidFill>
-                  <a:srgbClr val="000000"/>
-                </a:solidFill>
-                <a:highlight>
-                  <a:srgbClr val="E8F2FE"/>
-                </a:highlight>
-                <a:latin typeface="Consolas"/>
-              </a:rPr>
-              <a:t>().</a:t>
-            </a:r>
-            <a:r>
-              <a:rPr lang="pl-PL" sz="1800" dirty="0" err="1">
-                <a:solidFill>
-                  <a:srgbClr val="000000"/>
-                </a:solidFill>
-                <a:highlight>
-                  <a:srgbClr val="E8F2FE"/>
-                </a:highlight>
-                <a:latin typeface="Consolas"/>
-              </a:rPr>
-              <a:t>toString</a:t>
-            </a:r>
-            <a:r>
-              <a:rPr lang="pl-PL" sz="1800" dirty="0" smtClean="0">
-                <a:solidFill>
-                  <a:srgbClr val="000000"/>
-                </a:solidFill>
-                <a:highlight>
-                  <a:srgbClr val="E8F2FE"/>
-                </a:highlight>
-                <a:latin typeface="Consolas"/>
-              </a:rPr>
-              <a:t>();</a:t>
-            </a:r>
-            <a:endParaRPr lang="pl-PL" sz="1800" dirty="0" smtClean="0">
-              <a:solidFill>
-                <a:srgbClr val="000000"/>
-              </a:solidFill>
-              <a:latin typeface="Consolas" pitchFamily="49" charset="0"/>
-              <a:cs typeface="Consolas" pitchFamily="49" charset="0"/>
-            </a:endParaRPr>
-          </a:p>
-          <a:p>
-            <a:pPr marL="0" indent="0">
-              <a:buNone/>
-            </a:pPr>
-            <a:r>
-              <a:rPr lang="pl-PL" sz="1800" dirty="0" smtClean="0">
-                <a:solidFill>
-                  <a:srgbClr val="000000"/>
-                </a:solidFill>
-                <a:latin typeface="Consolas" pitchFamily="49" charset="0"/>
-                <a:cs typeface="Consolas" pitchFamily="49" charset="0"/>
-              </a:rPr>
-              <a:t>	</a:t>
-            </a:r>
-            <a:r>
-              <a:rPr lang="en-US" sz="1800" dirty="0" smtClean="0">
-                <a:solidFill>
-                  <a:srgbClr val="000000"/>
-                </a:solidFill>
-                <a:latin typeface="Consolas" pitchFamily="49" charset="0"/>
-                <a:cs typeface="Consolas" pitchFamily="49" charset="0"/>
-              </a:rPr>
-              <a:t>}});</a:t>
-            </a:r>
-            <a:endParaRPr lang="en-US" sz="1800" dirty="0">
-              <a:solidFill>
-                <a:srgbClr val="000000"/>
-              </a:solidFill>
-              <a:latin typeface="Consolas" pitchFamily="49" charset="0"/>
-              <a:cs typeface="Consolas" pitchFamily="49" charset="0"/>
-            </a:endParaRPr>
-          </a:p>
-          <a:p>
-            <a:pPr marL="0" indent="0">
-              <a:buNone/>
-            </a:pPr>
-            <a:endParaRPr lang="pl-PL" dirty="0"/>
-          </a:p>
-        </p:txBody>
-      </p:sp>
-    </p:spTree>
-    <p:extLst>
-      <p:ext uri="{BB962C8B-B14F-4D97-AF65-F5344CB8AC3E}">
-        <p14:creationId xmlns:p14="http://schemas.microsoft.com/office/powerpoint/2010/main" val="1020994637"/>
-      </p:ext>
-    </p:extLst>
-  </p:cSld>
-  <p:clrMapOvr>
-    <a:masterClrMapping/>
-  </p:clrMapOvr>
-  <p:timing>
-    <p:tnLst>
-      <p:par>
-        <p:cTn id="1" dur="indefinite" restart="never" nodeType="tmRoot"/>
-      </p:par>
-    </p:tnLst>
-  </p:timing>
-</p:sld>
-</file>
-
 <file path=ppt/slides/slide26.xml><?xml version="1.0" encoding="utf-8"?>
 <p:sld xmlns:a="http://schemas.openxmlformats.org/drawingml/2006/main" xmlns:r="http://schemas.openxmlformats.org/officeDocument/2006/relationships" xmlns:p="http://schemas.openxmlformats.org/presentationml/2006/main">
   <p:cSld>
@@ -14270,10 +14021,9 @@
               <a:buNone/>
             </a:pPr>
             <a:r>
-              <a:rPr lang="pl-PL" dirty="0" err="1" smtClean="0"/>
-              <a:t>TextWatcher</a:t>
-            </a:r>
-            <a:endParaRPr lang="pl-PL" dirty="0" smtClean="0"/>
+              <a:rPr lang="pl-PL" dirty="0" smtClean="0"/>
+              <a:t>Przycisk i pole tekstowe</a:t>
+            </a:r>
           </a:p>
           <a:p>
             <a:pPr marL="0" indent="0">
@@ -14286,24 +14036,15 @@
               <a:buNone/>
             </a:pPr>
             <a:r>
-              <a:rPr lang="pl-PL" sz="2000" dirty="0" err="1" smtClean="0"/>
-              <a:t>TextWatcher</a:t>
-            </a:r>
-            <a:r>
               <a:rPr lang="pl-PL" sz="2000" dirty="0" smtClean="0"/>
-              <a:t> </a:t>
-            </a:r>
-            <a:r>
-              <a:rPr lang="pl-PL" sz="2000" dirty="0" smtClean="0"/>
-              <a:t>to interfejs za pomocą którego można rejestrować się na zdarzenia zmiany tekstu.</a:t>
-            </a:r>
-            <a:endParaRPr lang="pl-PL" sz="2000" dirty="0" smtClean="0"/>
+              <a:t>Przycisk posiada odwołania zwrotne m.in. dla akcji kliknięcia</a:t>
+            </a:r>
           </a:p>
           <a:p>
             <a:pPr marL="0" indent="0">
               <a:buNone/>
             </a:pPr>
-            <a:endParaRPr lang="pl-PL" sz="2000" dirty="0"/>
+            <a:endParaRPr lang="pl-PL" sz="2000" dirty="0" smtClean="0"/>
           </a:p>
           <a:p>
             <a:pPr marL="0" indent="0">
@@ -14311,11 +14052,23 @@
             </a:pPr>
             <a:r>
               <a:rPr lang="pl-PL" sz="2000" dirty="0" smtClean="0"/>
-              <a:t>Dla nas ważna będzie metoda </a:t>
+              <a:t>Pola tekstowe mają metody do ustawienia oraz pobierania tekstu(</a:t>
             </a:r>
             <a:r>
               <a:rPr lang="pl-PL" sz="2000" dirty="0" err="1" smtClean="0"/>
-              <a:t>onTextChanged</a:t>
+              <a:t>setText</a:t>
+            </a:r>
+            <a:r>
+              <a:rPr lang="pl-PL" sz="2000" dirty="0" smtClean="0"/>
+              <a:t>, </a:t>
+            </a:r>
+            <a:r>
+              <a:rPr lang="pl-PL" sz="2000" dirty="0" err="1" smtClean="0"/>
+              <a:t>getText</a:t>
+            </a:r>
+            <a:r>
+              <a:rPr lang="pl-PL" sz="2000" dirty="0" smtClean="0"/>
+              <a:t>)</a:t>
             </a:r>
             <a:endParaRPr lang="pl-PL" sz="2000" dirty="0" smtClean="0"/>
           </a:p>
@@ -14326,61 +14079,178 @@
             <a:endParaRPr lang="pl-PL" sz="2000" dirty="0" smtClean="0"/>
           </a:p>
           <a:p>
-            <a:r>
-              <a:rPr lang="en-US" sz="2000" dirty="0"/>
-              <a:t>void </a:t>
-            </a:r>
-            <a:r>
-              <a:rPr lang="en-US" sz="2000" dirty="0" err="1" smtClean="0"/>
-              <a:t>onTextChanged</a:t>
-            </a:r>
-            <a:r>
-              <a:rPr lang="en-US" sz="2000" dirty="0" smtClean="0"/>
+            <a:pPr marL="0" indent="0">
+              <a:buNone/>
+            </a:pPr>
+            <a:r>
+              <a:rPr lang="en-US" sz="1800" dirty="0" err="1" smtClean="0">
+                <a:solidFill>
+                  <a:srgbClr val="0000C0"/>
+                </a:solidFill>
+                <a:latin typeface="Consolas" pitchFamily="49" charset="0"/>
+                <a:cs typeface="Consolas" pitchFamily="49" charset="0"/>
+              </a:rPr>
+              <a:t>button</a:t>
+            </a:r>
+            <a:r>
+              <a:rPr lang="en-US" sz="1800" dirty="0" err="1" smtClean="0">
+                <a:solidFill>
+                  <a:srgbClr val="000000"/>
+                </a:solidFill>
+                <a:latin typeface="Consolas" pitchFamily="49" charset="0"/>
+                <a:cs typeface="Consolas" pitchFamily="49" charset="0"/>
+              </a:rPr>
+              <a:t>.setOnClickListener</a:t>
+            </a:r>
+            <a:r>
+              <a:rPr lang="en-US" sz="1800" dirty="0" smtClean="0">
+                <a:solidFill>
+                  <a:srgbClr val="000000"/>
+                </a:solidFill>
+                <a:latin typeface="Consolas" pitchFamily="49" charset="0"/>
+                <a:cs typeface="Consolas" pitchFamily="49" charset="0"/>
+              </a:rPr>
               <a:t>(</a:t>
             </a:r>
             <a:r>
-              <a:rPr lang="pl-PL" sz="2000" dirty="0" err="1" smtClean="0"/>
-              <a:t>CharSequence</a:t>
-            </a:r>
-            <a:r>
-              <a:rPr lang="en-US" sz="2000" dirty="0" smtClean="0"/>
+              <a:rPr lang="en-US" sz="1800" dirty="0" smtClean="0">
+                <a:solidFill>
+                  <a:srgbClr val="7F0055"/>
+                </a:solidFill>
+                <a:latin typeface="Consolas" pitchFamily="49" charset="0"/>
+                <a:cs typeface="Consolas" pitchFamily="49" charset="0"/>
+              </a:rPr>
+              <a:t>new</a:t>
+            </a:r>
+            <a:r>
+              <a:rPr lang="en-US" sz="1800" dirty="0" smtClean="0">
+                <a:solidFill>
+                  <a:srgbClr val="000000"/>
+                </a:solidFill>
+                <a:latin typeface="Consolas" pitchFamily="49" charset="0"/>
+                <a:cs typeface="Consolas" pitchFamily="49" charset="0"/>
+              </a:rPr>
               <a:t> </a:t>
             </a:r>
             <a:r>
-              <a:rPr lang="en-US" sz="2000" dirty="0"/>
-              <a:t>s, </a:t>
-            </a:r>
-            <a:r>
-              <a:rPr lang="en-US" sz="2000" dirty="0" err="1"/>
-              <a:t>int</a:t>
-            </a:r>
-            <a:r>
-              <a:rPr lang="en-US" sz="2000" dirty="0"/>
-              <a:t> start, </a:t>
-            </a:r>
-            <a:r>
-              <a:rPr lang="en-US" sz="2000" dirty="0" err="1"/>
-              <a:t>int</a:t>
-            </a:r>
-            <a:r>
-              <a:rPr lang="en-US" sz="2000" dirty="0"/>
-              <a:t> before, </a:t>
-            </a:r>
-            <a:r>
-              <a:rPr lang="en-US" sz="2000" dirty="0" err="1"/>
-              <a:t>int</a:t>
-            </a:r>
-            <a:r>
-              <a:rPr lang="en-US" sz="2000" dirty="0"/>
-              <a:t> count)</a:t>
-            </a:r>
-          </a:p>
-          <a:p>
-            <a:endParaRPr lang="pl-PL" sz="2000" dirty="0" smtClean="0"/>
-          </a:p>
-          <a:p>
-            <a:r>
-              <a:rPr lang="pl-PL" sz="2000" dirty="0" err="1" smtClean="0">
+              <a:rPr lang="en-US" sz="1800" dirty="0" err="1">
+                <a:solidFill>
+                  <a:srgbClr val="000000"/>
+                </a:solidFill>
+                <a:latin typeface="Consolas" pitchFamily="49" charset="0"/>
+                <a:cs typeface="Consolas" pitchFamily="49" charset="0"/>
+              </a:rPr>
+              <a:t>OnClickListener</a:t>
+            </a:r>
+            <a:r>
+              <a:rPr lang="en-US" sz="1800" dirty="0">
+                <a:solidFill>
+                  <a:srgbClr val="000000"/>
+                </a:solidFill>
+                <a:latin typeface="Consolas" pitchFamily="49" charset="0"/>
+                <a:cs typeface="Consolas" pitchFamily="49" charset="0"/>
+              </a:rPr>
+              <a:t>() {</a:t>
+            </a:r>
+          </a:p>
+          <a:p>
+            <a:pPr marL="0" indent="0">
+              <a:buNone/>
+            </a:pPr>
+            <a:r>
+              <a:rPr lang="pl-PL" sz="1800" dirty="0">
+                <a:solidFill>
+                  <a:srgbClr val="7F0055"/>
+                </a:solidFill>
+                <a:latin typeface="Consolas" pitchFamily="49" charset="0"/>
+                <a:cs typeface="Consolas" pitchFamily="49" charset="0"/>
+              </a:rPr>
+              <a:t>	</a:t>
+            </a:r>
+            <a:r>
+              <a:rPr lang="en-US" sz="1800" dirty="0">
+                <a:solidFill>
+                  <a:srgbClr val="7F0055"/>
+                </a:solidFill>
+                <a:latin typeface="Consolas" pitchFamily="49" charset="0"/>
+                <a:cs typeface="Consolas" pitchFamily="49" charset="0"/>
+              </a:rPr>
+              <a:t>public</a:t>
+            </a:r>
+            <a:r>
+              <a:rPr lang="en-US" sz="1800" dirty="0">
+                <a:solidFill>
+                  <a:srgbClr val="000000"/>
+                </a:solidFill>
+                <a:latin typeface="Consolas" pitchFamily="49" charset="0"/>
+                <a:cs typeface="Consolas" pitchFamily="49" charset="0"/>
+              </a:rPr>
+              <a:t> </a:t>
+            </a:r>
+            <a:r>
+              <a:rPr lang="en-US" sz="1800" dirty="0">
+                <a:solidFill>
+                  <a:srgbClr val="7F0055"/>
+                </a:solidFill>
+                <a:latin typeface="Consolas" pitchFamily="49" charset="0"/>
+                <a:cs typeface="Consolas" pitchFamily="49" charset="0"/>
+              </a:rPr>
+              <a:t>void</a:t>
+            </a:r>
+            <a:r>
+              <a:rPr lang="en-US" sz="1800" dirty="0">
+                <a:solidFill>
+                  <a:srgbClr val="000000"/>
+                </a:solidFill>
+                <a:latin typeface="Consolas" pitchFamily="49" charset="0"/>
+                <a:cs typeface="Consolas" pitchFamily="49" charset="0"/>
+              </a:rPr>
+              <a:t> </a:t>
+            </a:r>
+            <a:r>
+              <a:rPr lang="en-US" sz="1800" dirty="0" err="1">
+                <a:solidFill>
+                  <a:srgbClr val="000000"/>
+                </a:solidFill>
+                <a:latin typeface="Consolas" pitchFamily="49" charset="0"/>
+                <a:cs typeface="Consolas" pitchFamily="49" charset="0"/>
+              </a:rPr>
+              <a:t>onClick</a:t>
+            </a:r>
+            <a:r>
+              <a:rPr lang="en-US" sz="1800" dirty="0">
+                <a:solidFill>
+                  <a:srgbClr val="000000"/>
+                </a:solidFill>
+                <a:latin typeface="Consolas" pitchFamily="49" charset="0"/>
+                <a:cs typeface="Consolas" pitchFamily="49" charset="0"/>
+              </a:rPr>
+              <a:t>(View v) </a:t>
+            </a:r>
+            <a:r>
+              <a:rPr lang="en-US" sz="1800" dirty="0" smtClean="0">
+                <a:solidFill>
+                  <a:srgbClr val="000000"/>
+                </a:solidFill>
+                <a:latin typeface="Consolas" pitchFamily="49" charset="0"/>
+                <a:cs typeface="Consolas" pitchFamily="49" charset="0"/>
+              </a:rPr>
+              <a:t>{</a:t>
+            </a:r>
+            <a:endParaRPr lang="pl-PL" sz="1800" dirty="0" smtClean="0">
+              <a:solidFill>
+                <a:srgbClr val="000000"/>
+              </a:solidFill>
+              <a:latin typeface="Consolas" pitchFamily="49" charset="0"/>
+              <a:cs typeface="Consolas" pitchFamily="49" charset="0"/>
+            </a:endParaRPr>
+          </a:p>
+          <a:p>
+            <a:pPr marL="0" indent="0">
+              <a:buNone/>
+            </a:pPr>
+            <a:r>
+              <a:rPr lang="pl-PL" sz="1800" dirty="0">
                 <a:solidFill>
                   <a:srgbClr val="0000C0"/>
                 </a:solidFill>
@@ -14389,10 +14259,34 @@
                 </a:highlight>
                 <a:latin typeface="Consolas"/>
               </a:rPr>
+              <a:t>	</a:t>
+            </a:r>
+            <a:r>
+              <a:rPr lang="pl-PL" sz="1800" dirty="0" smtClean="0">
+                <a:solidFill>
+                  <a:srgbClr val="0000C0"/>
+                </a:solidFill>
+                <a:highlight>
+                  <a:srgbClr val="D4D4D4"/>
+                </a:highlight>
+                <a:latin typeface="Consolas"/>
+              </a:rPr>
+              <a:t>	</a:t>
+            </a:r>
+            <a:r>
+              <a:rPr lang="pl-PL" sz="1800" dirty="0" err="1" smtClean="0">
+                <a:solidFill>
+                  <a:srgbClr val="0000C0"/>
+                </a:solidFill>
+                <a:highlight>
+                  <a:srgbClr val="D4D4D4"/>
+                </a:highlight>
+                <a:latin typeface="Consolas"/>
+              </a:rPr>
               <a:t>editText</a:t>
             </a:r>
             <a:r>
-              <a:rPr lang="pl-PL" sz="2000" dirty="0" err="1" smtClean="0">
+              <a:rPr lang="pl-PL" sz="1800" dirty="0" err="1" smtClean="0">
                 <a:solidFill>
                   <a:srgbClr val="000000"/>
                 </a:solidFill>
@@ -14401,10 +14295,10 @@
                 </a:highlight>
                 <a:latin typeface="Consolas"/>
               </a:rPr>
-              <a:t>.addTextChangedListener</a:t>
-            </a:r>
-            <a:r>
-              <a:rPr lang="pl-PL" sz="2000" dirty="0" smtClean="0">
+              <a:t>.getText</a:t>
+            </a:r>
+            <a:r>
+              <a:rPr lang="pl-PL" sz="1800" dirty="0">
                 <a:solidFill>
                   <a:srgbClr val="000000"/>
                 </a:solidFill>
@@ -14413,64 +14307,84 @@
                 </a:highlight>
                 <a:latin typeface="Consolas"/>
               </a:rPr>
-              <a:t>(</a:t>
-            </a:r>
-            <a:r>
-              <a:rPr lang="pl-PL" sz="2000" dirty="0" err="1" smtClean="0">
-                <a:solidFill>
-                  <a:srgbClr val="7F0055"/>
+              <a:t>().</a:t>
+            </a:r>
+            <a:r>
+              <a:rPr lang="pl-PL" sz="1800" dirty="0" err="1">
+                <a:solidFill>
+                  <a:srgbClr val="000000"/>
                 </a:solidFill>
                 <a:highlight>
-                  <a:srgbClr val="CECCF7"/>
+                  <a:srgbClr val="E8F2FE"/>
                 </a:highlight>
                 <a:latin typeface="Consolas"/>
               </a:rPr>
-              <a:t>new</a:t>
-            </a:r>
-            <a:r>
-              <a:rPr lang="pl-PL" sz="2000" dirty="0" smtClean="0">
+              <a:t>toString</a:t>
+            </a:r>
+            <a:r>
+              <a:rPr lang="pl-PL" sz="1800" dirty="0" smtClean="0">
                 <a:solidFill>
                   <a:srgbClr val="000000"/>
                 </a:solidFill>
                 <a:highlight>
-                  <a:srgbClr val="CECCF7"/>
+                  <a:srgbClr val="E8F2FE"/>
                 </a:highlight>
                 <a:latin typeface="Consolas"/>
               </a:rPr>
-              <a:t> </a:t>
-            </a:r>
-            <a:r>
-              <a:rPr lang="pl-PL" sz="2000" dirty="0" err="1" smtClean="0">
-                <a:solidFill>
-                  <a:srgbClr val="000000"/>
-                </a:solidFill>
-                <a:highlight>
-                  <a:srgbClr val="CECCF7"/>
-                </a:highlight>
-                <a:latin typeface="Consolas"/>
-              </a:rPr>
-              <a:t>MyTextWatcher</a:t>
-            </a:r>
-            <a:r>
-              <a:rPr lang="pl-PL" sz="2000" dirty="0" smtClean="0">
-                <a:solidFill>
-                  <a:srgbClr val="000000"/>
-                </a:solidFill>
-                <a:highlight>
-                  <a:srgbClr val="CECCF7"/>
-                </a:highlight>
-                <a:latin typeface="Consolas"/>
-              </a:rPr>
-              <a:t>());</a:t>
-            </a:r>
-            <a:endParaRPr lang="en-US" sz="2000" dirty="0" smtClean="0"/>
+              <a:t>();</a:t>
+            </a:r>
+            <a:endParaRPr lang="pl-PL" sz="1800" dirty="0" smtClean="0">
+              <a:solidFill>
+                <a:srgbClr val="000000"/>
+              </a:solidFill>
+              <a:latin typeface="Consolas" pitchFamily="49" charset="0"/>
+              <a:cs typeface="Consolas" pitchFamily="49" charset="0"/>
+            </a:endParaRPr>
+          </a:p>
+          <a:p>
+            <a:pPr marL="0" indent="0">
+              <a:buNone/>
+            </a:pPr>
+            <a:r>
+              <a:rPr lang="pl-PL" sz="1800" dirty="0" smtClean="0">
+                <a:solidFill>
+                  <a:srgbClr val="000000"/>
+                </a:solidFill>
+                <a:latin typeface="Consolas" pitchFamily="49" charset="0"/>
+                <a:cs typeface="Consolas" pitchFamily="49" charset="0"/>
+              </a:rPr>
+              <a:t>	</a:t>
+            </a:r>
+            <a:r>
+              <a:rPr lang="en-US" sz="1800" dirty="0" smtClean="0">
+                <a:solidFill>
+                  <a:srgbClr val="000000"/>
+                </a:solidFill>
+                <a:latin typeface="Consolas" pitchFamily="49" charset="0"/>
+                <a:cs typeface="Consolas" pitchFamily="49" charset="0"/>
+              </a:rPr>
+              <a:t>}});</a:t>
+            </a:r>
+            <a:endParaRPr lang="en-US" sz="1800" dirty="0">
+              <a:solidFill>
+                <a:srgbClr val="000000"/>
+              </a:solidFill>
+              <a:latin typeface="Consolas" pitchFamily="49" charset="0"/>
+              <a:cs typeface="Consolas" pitchFamily="49" charset="0"/>
+            </a:endParaRPr>
+          </a:p>
+          <a:p>
+            <a:pPr marL="0" indent="0">
+              <a:buNone/>
+            </a:pPr>
+            <a:endParaRPr lang="pl-PL" dirty="0"/>
           </a:p>
         </p:txBody>
       </p:sp>
     </p:spTree>
     <p:extLst>
       <p:ext uri="{BB962C8B-B14F-4D97-AF65-F5344CB8AC3E}">
-        <p14:creationId xmlns:p14="http://schemas.microsoft.com/office/powerpoint/2010/main" val="347550943"/>
+        <p14:creationId xmlns:p14="http://schemas.microsoft.com/office/powerpoint/2010/main" val="1020994637"/>
       </p:ext>
     </p:extLst>
   </p:cSld>
@@ -14569,77 +14483,211 @@
           <a:bodyPr/>
           <a:lstStyle/>
           <a:p>
-            <a:pPr marL="0" indent="0" algn="ctr">
+            <a:pPr marL="0" indent="0">
               <a:buNone/>
             </a:pPr>
-            <a:endParaRPr lang="pl-PL" sz="5400" dirty="0" smtClean="0"/>
-          </a:p>
-          <a:p>
-            <a:pPr marL="0" indent="0" algn="ctr">
+            <a:r>
+              <a:rPr lang="pl-PL" dirty="0" err="1" smtClean="0"/>
+              <a:t>TextWatcher</a:t>
+            </a:r>
+            <a:endParaRPr lang="pl-PL" dirty="0" smtClean="0"/>
+          </a:p>
+          <a:p>
+            <a:pPr marL="0" indent="0">
               <a:buNone/>
             </a:pPr>
-            <a:r>
-              <a:rPr lang="pl-PL" sz="5400" dirty="0" smtClean="0"/>
-              <a:t>Android Studio Time</a:t>
-            </a:r>
-          </a:p>
-          <a:p>
-            <a:pPr marL="0" indent="0" algn="ctr">
+            <a:endParaRPr lang="pl-PL" dirty="0" smtClean="0"/>
+          </a:p>
+          <a:p>
+            <a:pPr marL="0" indent="0">
               <a:buNone/>
             </a:pPr>
             <a:r>
-              <a:rPr lang="pl-PL" sz="3600" dirty="0" smtClean="0"/>
-              <a:t>Write the </a:t>
-            </a:r>
-            <a:r>
-              <a:rPr lang="pl-PL" sz="3600" dirty="0" err="1" smtClean="0"/>
-              <a:t>main</a:t>
-            </a:r>
-            <a:r>
-              <a:rPr lang="pl-PL" sz="3600" dirty="0" smtClean="0"/>
+              <a:rPr lang="pl-PL" sz="2000" dirty="0" err="1" smtClean="0"/>
+              <a:t>TextWatcher</a:t>
+            </a:r>
+            <a:r>
+              <a:rPr lang="pl-PL" sz="2000" dirty="0" smtClean="0"/>
               <a:t> </a:t>
             </a:r>
             <a:r>
-              <a:rPr lang="pl-PL" sz="3600" dirty="0" err="1" smtClean="0"/>
-              <a:t>fuctionality</a:t>
-            </a:r>
-            <a:r>
-              <a:rPr lang="pl-PL" sz="3600" dirty="0" smtClean="0"/>
-              <a:t/>
-            </a:r>
-            <a:br>
-              <a:rPr lang="pl-PL" sz="3600" dirty="0" smtClean="0"/>
-            </a:br>
-            <a:r>
-              <a:rPr lang="pl-PL" sz="2800" dirty="0" err="1" smtClean="0"/>
-              <a:t>TextWatcher</a:t>
-            </a:r>
-            <a:r>
-              <a:rPr lang="pl-PL" sz="2800" dirty="0" smtClean="0"/>
-              <a:t> and/</a:t>
-            </a:r>
-            <a:r>
-              <a:rPr lang="pl-PL" sz="2800" dirty="0" err="1" smtClean="0"/>
-              <a:t>or</a:t>
-            </a:r>
-            <a:r>
-              <a:rPr lang="pl-PL" sz="2800" dirty="0" smtClean="0"/>
-              <a:t> Button</a:t>
-            </a:r>
-            <a:br>
-              <a:rPr lang="pl-PL" sz="2800" dirty="0" smtClean="0"/>
-            </a:br>
-            <a:r>
-              <a:rPr lang="pl-PL" sz="2800" dirty="0" smtClean="0"/>
-              <a:t>Solution</a:t>
-            </a:r>
+              <a:rPr lang="pl-PL" sz="2000" dirty="0" smtClean="0"/>
+              <a:t>to interfejs za pomocą którego można rejestrować się na zdarzenia zmiany tekstu.</a:t>
+            </a:r>
+            <a:endParaRPr lang="pl-PL" sz="2000" dirty="0" smtClean="0"/>
+          </a:p>
+          <a:p>
+            <a:pPr marL="0" indent="0">
+              <a:buNone/>
+            </a:pPr>
+            <a:endParaRPr lang="pl-PL" sz="2000" dirty="0"/>
+          </a:p>
+          <a:p>
+            <a:pPr marL="0" indent="0">
+              <a:buNone/>
+            </a:pPr>
+            <a:r>
+              <a:rPr lang="pl-PL" sz="2000" dirty="0" smtClean="0"/>
+              <a:t>Dla nas ważna będzie metoda </a:t>
+            </a:r>
+            <a:r>
+              <a:rPr lang="pl-PL" sz="2000" dirty="0" err="1" smtClean="0"/>
+              <a:t>onTextChanged</a:t>
+            </a:r>
+            <a:endParaRPr lang="pl-PL" sz="2000" dirty="0" smtClean="0"/>
+          </a:p>
+          <a:p>
+            <a:pPr marL="0" indent="0">
+              <a:buNone/>
+            </a:pPr>
+            <a:endParaRPr lang="pl-PL" sz="2000" dirty="0" smtClean="0"/>
+          </a:p>
+          <a:p>
+            <a:r>
+              <a:rPr lang="en-US" sz="2000" dirty="0"/>
+              <a:t>void </a:t>
+            </a:r>
+            <a:r>
+              <a:rPr lang="en-US" sz="2000" dirty="0" err="1" smtClean="0"/>
+              <a:t>onTextChanged</a:t>
+            </a:r>
+            <a:r>
+              <a:rPr lang="en-US" sz="2000" dirty="0" smtClean="0"/>
+              <a:t>(</a:t>
+            </a:r>
+            <a:r>
+              <a:rPr lang="pl-PL" sz="2000" dirty="0" err="1" smtClean="0"/>
+              <a:t>CharSequence</a:t>
+            </a:r>
+            <a:r>
+              <a:rPr lang="en-US" sz="2000" dirty="0" smtClean="0"/>
+              <a:t> </a:t>
+            </a:r>
+            <a:r>
+              <a:rPr lang="en-US" sz="2000" dirty="0"/>
+              <a:t>s, </a:t>
+            </a:r>
+            <a:r>
+              <a:rPr lang="en-US" sz="2000" dirty="0" err="1"/>
+              <a:t>int</a:t>
+            </a:r>
+            <a:r>
+              <a:rPr lang="en-US" sz="2000" dirty="0"/>
+              <a:t> start, </a:t>
+            </a:r>
+            <a:r>
+              <a:rPr lang="en-US" sz="2000" dirty="0" err="1"/>
+              <a:t>int</a:t>
+            </a:r>
+            <a:r>
+              <a:rPr lang="en-US" sz="2000" dirty="0"/>
+              <a:t> before, </a:t>
+            </a:r>
+            <a:r>
+              <a:rPr lang="en-US" sz="2000" dirty="0" err="1"/>
+              <a:t>int</a:t>
+            </a:r>
+            <a:r>
+              <a:rPr lang="en-US" sz="2000" dirty="0"/>
+              <a:t> count)</a:t>
+            </a:r>
+          </a:p>
+          <a:p>
+            <a:endParaRPr lang="pl-PL" sz="2000" dirty="0" smtClean="0"/>
+          </a:p>
+          <a:p>
+            <a:r>
+              <a:rPr lang="pl-PL" sz="2000" dirty="0" err="1" smtClean="0">
+                <a:solidFill>
+                  <a:srgbClr val="0000C0"/>
+                </a:solidFill>
+                <a:highlight>
+                  <a:srgbClr val="D4D4D4"/>
+                </a:highlight>
+                <a:latin typeface="Consolas"/>
+              </a:rPr>
+              <a:t>editText</a:t>
+            </a:r>
+            <a:r>
+              <a:rPr lang="pl-PL" sz="2000" dirty="0" err="1" smtClean="0">
+                <a:solidFill>
+                  <a:srgbClr val="000000"/>
+                </a:solidFill>
+                <a:highlight>
+                  <a:srgbClr val="E8F2FE"/>
+                </a:highlight>
+                <a:latin typeface="Consolas"/>
+              </a:rPr>
+              <a:t>.addTextChangedListener</a:t>
+            </a:r>
+            <a:r>
+              <a:rPr lang="pl-PL" sz="2000" dirty="0" smtClean="0">
+                <a:solidFill>
+                  <a:srgbClr val="000000"/>
+                </a:solidFill>
+                <a:highlight>
+                  <a:srgbClr val="E8F2FE"/>
+                </a:highlight>
+                <a:latin typeface="Consolas"/>
+              </a:rPr>
+              <a:t>(</a:t>
+            </a:r>
+            <a:r>
+              <a:rPr lang="pl-PL" sz="2000" dirty="0" err="1" smtClean="0">
+                <a:solidFill>
+                  <a:srgbClr val="7F0055"/>
+                </a:solidFill>
+                <a:highlight>
+                  <a:srgbClr val="CECCF7"/>
+                </a:highlight>
+                <a:latin typeface="Consolas"/>
+              </a:rPr>
+              <a:t>new</a:t>
+            </a:r>
+            <a:r>
+              <a:rPr lang="pl-PL" sz="2000" dirty="0" smtClean="0">
+                <a:solidFill>
+                  <a:srgbClr val="000000"/>
+                </a:solidFill>
+                <a:highlight>
+                  <a:srgbClr val="CECCF7"/>
+                </a:highlight>
+                <a:latin typeface="Consolas"/>
+              </a:rPr>
+              <a:t> </a:t>
+            </a:r>
+            <a:r>
+              <a:rPr lang="pl-PL" sz="2000" dirty="0" err="1" smtClean="0">
+                <a:solidFill>
+                  <a:srgbClr val="000000"/>
+                </a:solidFill>
+                <a:highlight>
+                  <a:srgbClr val="CECCF7"/>
+                </a:highlight>
+                <a:latin typeface="Consolas"/>
+              </a:rPr>
+              <a:t>MyTextWatcher</a:t>
+            </a:r>
+            <a:r>
+              <a:rPr lang="pl-PL" sz="2000" dirty="0" smtClean="0">
+                <a:solidFill>
+                  <a:srgbClr val="000000"/>
+                </a:solidFill>
+                <a:highlight>
+                  <a:srgbClr val="CECCF7"/>
+                </a:highlight>
+                <a:latin typeface="Consolas"/>
+              </a:rPr>
+              <a:t>());</a:t>
+            </a:r>
+            <a:endParaRPr lang="en-US" sz="2000" dirty="0" smtClean="0"/>
           </a:p>
         </p:txBody>
       </p:sp>
     </p:spTree>
     <p:extLst>
       <p:ext uri="{BB962C8B-B14F-4D97-AF65-F5344CB8AC3E}">
-        <p14:creationId xmlns:p14="http://schemas.microsoft.com/office/powerpoint/2010/main" val="3776937530"/>
+        <p14:creationId xmlns:p14="http://schemas.microsoft.com/office/powerpoint/2010/main" val="347550943"/>
       </p:ext>
     </p:extLst>
   </p:cSld>
@@ -14738,67 +14786,77 @@
           <a:bodyPr/>
           <a:lstStyle/>
           <a:p>
-            <a:pPr marL="0" indent="0">
+            <a:pPr marL="0" indent="0" algn="ctr">
               <a:buNone/>
             </a:pPr>
-            <a:r>
-              <a:rPr lang="pl-PL" dirty="0" smtClean="0"/>
-              <a:t>Przechowywanie i dostęp do danych trwałych w Android</a:t>
-            </a:r>
-            <a:endParaRPr lang="pl-PL" dirty="0" smtClean="0"/>
-          </a:p>
-          <a:p>
-            <a:pPr marL="0" indent="0">
+            <a:endParaRPr lang="pl-PL" sz="5400" dirty="0" smtClean="0"/>
+          </a:p>
+          <a:p>
+            <a:pPr marL="0" indent="0" algn="ctr">
               <a:buNone/>
             </a:pPr>
-            <a:endParaRPr lang="pl-PL" dirty="0" smtClean="0"/>
-          </a:p>
-          <a:p>
-            <a:pPr marL="0" indent="0">
+            <a:r>
+              <a:rPr lang="pl-PL" sz="5400" dirty="0" smtClean="0"/>
+              <a:t>Android Studio Time</a:t>
+            </a:r>
+          </a:p>
+          <a:p>
+            <a:pPr marL="0" indent="0" algn="ctr">
               <a:buNone/>
             </a:pPr>
-            <a:endParaRPr lang="pl-PL" dirty="0" smtClean="0"/>
-          </a:p>
-          <a:p>
-            <a:pPr marL="0" indent="0">
-              <a:buNone/>
-            </a:pPr>
-            <a:r>
-              <a:rPr lang="pl-PL" dirty="0" smtClean="0"/>
-              <a:t>Mamy do wyboru:</a:t>
-            </a:r>
-          </a:p>
-          <a:p>
-            <a:r>
-              <a:rPr lang="pl-PL" dirty="0" err="1" smtClean="0"/>
-              <a:t>SharedPreferences</a:t>
-            </a:r>
-            <a:endParaRPr lang="pl-PL" dirty="0" smtClean="0"/>
-          </a:p>
-          <a:p>
-            <a:r>
-              <a:rPr lang="pl-PL" dirty="0" smtClean="0"/>
-              <a:t>Wewnętrzną i zewnętrzną pamięć</a:t>
-            </a:r>
-            <a:endParaRPr lang="pl-PL" dirty="0" smtClean="0"/>
-          </a:p>
-          <a:p>
-            <a:r>
-              <a:rPr lang="pl-PL" dirty="0" smtClean="0"/>
-              <a:t>Bazę danych </a:t>
-            </a:r>
-            <a:r>
-              <a:rPr lang="pl-PL" dirty="0" err="1" smtClean="0"/>
-              <a:t>SQLite</a:t>
-            </a:r>
-            <a:endParaRPr lang="pl-PL" dirty="0" smtClean="0"/>
+            <a:r>
+              <a:rPr lang="pl-PL" sz="3600" dirty="0" smtClean="0"/>
+              <a:t>Write the </a:t>
+            </a:r>
+            <a:r>
+              <a:rPr lang="pl-PL" sz="3600" dirty="0" err="1" smtClean="0"/>
+              <a:t>main</a:t>
+            </a:r>
+            <a:r>
+              <a:rPr lang="pl-PL" sz="3600" dirty="0" smtClean="0"/>
+              <a:t> </a:t>
+            </a:r>
+            <a:r>
+              <a:rPr lang="pl-PL" sz="3600" dirty="0" err="1" smtClean="0"/>
+              <a:t>fuctionality</a:t>
+            </a:r>
+            <a:r>
+              <a:rPr lang="pl-PL" sz="3600" dirty="0" smtClean="0"/>
+              <a:t/>
+            </a:r>
+            <a:br>
+              <a:rPr lang="pl-PL" sz="3600" dirty="0" smtClean="0"/>
+            </a:br>
+            <a:r>
+              <a:rPr lang="pl-PL" sz="2800" dirty="0" err="1" smtClean="0"/>
+              <a:t>TextWatcher</a:t>
+            </a:r>
+            <a:r>
+              <a:rPr lang="pl-PL" sz="2800" dirty="0" smtClean="0"/>
+              <a:t> and/</a:t>
+            </a:r>
+            <a:r>
+              <a:rPr lang="pl-PL" sz="2800" dirty="0" err="1" smtClean="0"/>
+              <a:t>or</a:t>
+            </a:r>
+            <a:r>
+              <a:rPr lang="pl-PL" sz="2800" dirty="0" smtClean="0"/>
+              <a:t> Button</a:t>
+            </a:r>
+            <a:br>
+              <a:rPr lang="pl-PL" sz="2800" dirty="0" smtClean="0"/>
+            </a:br>
+            <a:r>
+              <a:rPr lang="pl-PL" sz="2800" dirty="0" smtClean="0"/>
+              <a:t>Solution</a:t>
+            </a:r>
           </a:p>
         </p:txBody>
       </p:sp>
     </p:spTree>
     <p:extLst>
       <p:ext uri="{BB962C8B-B14F-4D97-AF65-F5344CB8AC3E}">
-        <p14:creationId xmlns:p14="http://schemas.microsoft.com/office/powerpoint/2010/main" val="1957113625"/>
+        <p14:creationId xmlns:p14="http://schemas.microsoft.com/office/powerpoint/2010/main" val="3776937530"/>
       </p:ext>
     </p:extLst>
   </p:cSld>
@@ -14901,16 +14959,8 @@
               <a:buNone/>
             </a:pPr>
             <a:r>
-              <a:rPr lang="pl-PL" dirty="0" err="1" smtClean="0"/>
-              <a:t>Shared</a:t>
-            </a:r>
-            <a:r>
               <a:rPr lang="pl-PL" dirty="0" smtClean="0"/>
-              <a:t> </a:t>
-            </a:r>
-            <a:r>
-              <a:rPr lang="pl-PL" dirty="0" err="1" smtClean="0"/>
-              <a:t>Preferences</a:t>
+              <a:t>Przechowywanie i dostęp do danych trwałych w Android</a:t>
             </a:r>
             <a:endParaRPr lang="pl-PL" dirty="0" smtClean="0"/>
           </a:p>
@@ -14924,127 +14974,40 @@
             <a:pPr marL="0" indent="0">
               <a:buNone/>
             </a:pPr>
-            <a:r>
-              <a:rPr lang="pl-PL" dirty="0" smtClean="0"/>
-              <a:t>Pozwala przechowywać pary klucz - wartość typów prymitywnych(</a:t>
-            </a:r>
-            <a:r>
-              <a:rPr lang="pl-PL" dirty="0" err="1" smtClean="0"/>
-              <a:t>boolean</a:t>
-            </a:r>
-            <a:r>
-              <a:rPr lang="pl-PL" dirty="0" smtClean="0"/>
-              <a:t>, </a:t>
-            </a:r>
-            <a:r>
-              <a:rPr lang="pl-PL" dirty="0" err="1" smtClean="0"/>
-              <a:t>float</a:t>
-            </a:r>
-            <a:r>
-              <a:rPr lang="pl-PL" dirty="0" smtClean="0"/>
-              <a:t>, </a:t>
-            </a:r>
-            <a:r>
-              <a:rPr lang="pl-PL" dirty="0" err="1" smtClean="0"/>
-              <a:t>int</a:t>
-            </a:r>
-            <a:r>
-              <a:rPr lang="pl-PL" dirty="0" smtClean="0"/>
-              <a:t>, </a:t>
-            </a:r>
-            <a:r>
-              <a:rPr lang="pl-PL" dirty="0" err="1" smtClean="0"/>
-              <a:t>long</a:t>
-            </a:r>
-            <a:r>
-              <a:rPr lang="pl-PL" dirty="0" smtClean="0"/>
-              <a:t>, string). Dane będą przechowane pomiędzy uruchomieniami aplikacji(do momentu odinstalowania jej z urządzenia).</a:t>
-            </a:r>
             <a:endParaRPr lang="pl-PL" dirty="0" smtClean="0"/>
           </a:p>
           <a:p>
             <a:pPr marL="0" indent="0">
               <a:buNone/>
             </a:pPr>
+            <a:r>
+              <a:rPr lang="pl-PL" dirty="0" smtClean="0"/>
+              <a:t>Mamy do wyboru:</a:t>
+            </a:r>
+          </a:p>
+          <a:p>
+            <a:r>
+              <a:rPr lang="pl-PL" dirty="0" err="1" smtClean="0"/>
+              <a:t>SharedPreferences</a:t>
+            </a:r>
             <a:endParaRPr lang="pl-PL" dirty="0" smtClean="0"/>
           </a:p>
           <a:p>
-            <a:pPr marL="0" indent="0">
-              <a:buNone/>
-            </a:pPr>
-            <a:r>
-              <a:rPr lang="pl-PL" sz="2000" dirty="0" err="1" smtClean="0"/>
-              <a:t>SharedPreferences</a:t>
-            </a:r>
-            <a:r>
-              <a:rPr lang="pl-PL" sz="2000" dirty="0" smtClean="0"/>
-              <a:t> przetrzymywane są w:</a:t>
-            </a:r>
-          </a:p>
-          <a:p>
-            <a:pPr marL="0" indent="0">
-              <a:buNone/>
-            </a:pPr>
-            <a:endParaRPr lang="pl-PL" sz="2000" dirty="0" smtClean="0"/>
-          </a:p>
-          <a:p>
-            <a:r>
-              <a:rPr lang="en-US" sz="1800" dirty="0" smtClean="0">
-                <a:latin typeface="Consolas" pitchFamily="49" charset="0"/>
-                <a:cs typeface="Consolas" pitchFamily="49" charset="0"/>
-              </a:rPr>
-              <a:t>/data/data/YOUR_PACKAGE_NAME/</a:t>
-            </a:r>
-            <a:r>
-              <a:rPr lang="en-US" sz="1800" dirty="0" err="1" smtClean="0">
-                <a:latin typeface="Consolas" pitchFamily="49" charset="0"/>
-                <a:cs typeface="Consolas" pitchFamily="49" charset="0"/>
-              </a:rPr>
-              <a:t>shared_prefs</a:t>
-            </a:r>
-            <a:r>
-              <a:rPr lang="en-US" sz="1800" dirty="0" smtClean="0">
-                <a:latin typeface="Consolas" pitchFamily="49" charset="0"/>
-                <a:cs typeface="Consolas" pitchFamily="49" charset="0"/>
-              </a:rPr>
-              <a:t>/</a:t>
-            </a:r>
-            <a:r>
-              <a:rPr lang="pl-PL" sz="1800" dirty="0" smtClean="0">
-                <a:latin typeface="Consolas" pitchFamily="49" charset="0"/>
-                <a:cs typeface="Consolas" pitchFamily="49" charset="0"/>
-              </a:rPr>
-              <a:t/>
-            </a:r>
-            <a:br>
-              <a:rPr lang="pl-PL" sz="1800" dirty="0" smtClean="0">
-                <a:latin typeface="Consolas" pitchFamily="49" charset="0"/>
-                <a:cs typeface="Consolas" pitchFamily="49" charset="0"/>
-              </a:rPr>
-            </a:br>
-            <a:r>
-              <a:rPr lang="pl-PL" sz="1800" dirty="0" smtClean="0">
-                <a:latin typeface="Consolas" pitchFamily="49" charset="0"/>
-                <a:cs typeface="Consolas" pitchFamily="49" charset="0"/>
-              </a:rPr>
-              <a:t>				     </a:t>
-            </a:r>
-            <a:r>
-              <a:rPr lang="en-US" sz="1800" dirty="0" smtClean="0">
-                <a:latin typeface="Consolas" pitchFamily="49" charset="0"/>
-                <a:cs typeface="Consolas" pitchFamily="49" charset="0"/>
-              </a:rPr>
-              <a:t>YOUR_PACKAGE_NAME_preferences.xml</a:t>
-            </a:r>
-            <a:endParaRPr lang="pl-PL" sz="1800" dirty="0" smtClean="0">
-              <a:latin typeface="Consolas" pitchFamily="49" charset="0"/>
-              <a:cs typeface="Consolas" pitchFamily="49" charset="0"/>
-            </a:endParaRPr>
-          </a:p>
-          <a:p>
-            <a:pPr marL="0" indent="0">
-              <a:buNone/>
-            </a:pPr>
+            <a:r>
+              <a:rPr lang="pl-PL" dirty="0" smtClean="0"/>
+              <a:t>Wewnętrzną i zewnętrzną pamięć</a:t>
+            </a:r>
+            <a:endParaRPr lang="pl-PL" dirty="0" smtClean="0"/>
+          </a:p>
+          <a:p>
+            <a:r>
+              <a:rPr lang="pl-PL" dirty="0" smtClean="0"/>
+              <a:t>Bazę danych </a:t>
+            </a:r>
+            <a:r>
+              <a:rPr lang="pl-PL" dirty="0" err="1" smtClean="0"/>
+              <a:t>SQLite</a:t>
+            </a:r>
             <a:endParaRPr lang="pl-PL" dirty="0" smtClean="0"/>
           </a:p>
         </p:txBody>
@@ -15052,7 +15015,7 @@
     </p:spTree>
     <p:extLst>
       <p:ext uri="{BB962C8B-B14F-4D97-AF65-F5344CB8AC3E}">
-        <p14:creationId xmlns:p14="http://schemas.microsoft.com/office/powerpoint/2010/main" val="1417329467"/>
+        <p14:creationId xmlns:p14="http://schemas.microsoft.com/office/powerpoint/2010/main" val="1957113625"/>
       </p:ext>
     </p:extLst>
   </p:cSld>
@@ -15440,12 +15403,16 @@
               <a:buNone/>
             </a:pPr>
             <a:r>
+              <a:rPr lang="pl-PL" dirty="0" err="1" smtClean="0"/>
+              <a:t>Shared</a:t>
+            </a:r>
+            <a:r>
               <a:rPr lang="pl-PL" dirty="0" smtClean="0"/>
-              <a:t>Shared Preferences - </a:t>
-            </a:r>
-            <a:r>
-              <a:rPr lang="pl-PL" dirty="0" smtClean="0"/>
-              <a:t>przykład</a:t>
+              <a:t> </a:t>
+            </a:r>
+            <a:r>
+              <a:rPr lang="pl-PL" dirty="0" err="1" smtClean="0"/>
+              <a:t>Preferences</a:t>
             </a:r>
             <a:endParaRPr lang="pl-PL" dirty="0" smtClean="0"/>
           </a:p>
@@ -15453,239 +15420,125 @@
             <a:pPr marL="0" indent="0">
               <a:buNone/>
             </a:pPr>
-            <a:endParaRPr lang="pl-PL" sz="1000" dirty="0" smtClean="0">
-              <a:solidFill>
-                <a:srgbClr val="7F0055"/>
-              </a:solidFill>
-              <a:latin typeface="Courier New" pitchFamily="49" charset="0"/>
-              <a:cs typeface="Courier New" pitchFamily="49" charset="0"/>
-            </a:endParaRPr>
+            <a:endParaRPr lang="pl-PL" dirty="0" smtClean="0"/>
           </a:p>
           <a:p>
             <a:pPr marL="0" indent="0">
               <a:buNone/>
             </a:pPr>
             <a:r>
-              <a:rPr lang="en-US" sz="1000" dirty="0" smtClean="0">
-                <a:solidFill>
-                  <a:srgbClr val="7F0055"/>
-                </a:solidFill>
-                <a:latin typeface="Consolas" pitchFamily="49" charset="0"/>
-                <a:cs typeface="Consolas" pitchFamily="49" charset="0"/>
-              </a:rPr>
-              <a:t>public</a:t>
-            </a:r>
-            <a:r>
-              <a:rPr lang="en-US" sz="1000" dirty="0" smtClean="0">
-                <a:solidFill>
-                  <a:srgbClr val="000000"/>
-                </a:solidFill>
-                <a:latin typeface="Consolas" pitchFamily="49" charset="0"/>
-                <a:cs typeface="Consolas" pitchFamily="49" charset="0"/>
-              </a:rPr>
-              <a:t> </a:t>
-            </a:r>
-            <a:r>
-              <a:rPr lang="en-US" sz="1000" dirty="0">
-                <a:solidFill>
-                  <a:srgbClr val="7F0055"/>
-                </a:solidFill>
-                <a:latin typeface="Consolas" pitchFamily="49" charset="0"/>
-                <a:cs typeface="Consolas" pitchFamily="49" charset="0"/>
-              </a:rPr>
-              <a:t>class</a:t>
-            </a:r>
-            <a:r>
-              <a:rPr lang="en-US" sz="1000" dirty="0">
-                <a:solidFill>
-                  <a:srgbClr val="000000"/>
-                </a:solidFill>
-                <a:latin typeface="Consolas" pitchFamily="49" charset="0"/>
-                <a:cs typeface="Consolas" pitchFamily="49" charset="0"/>
-              </a:rPr>
-              <a:t> </a:t>
-            </a:r>
-            <a:r>
-              <a:rPr lang="en-US" sz="1000" dirty="0" err="1">
-                <a:solidFill>
-                  <a:srgbClr val="000000"/>
-                </a:solidFill>
-                <a:latin typeface="Consolas" pitchFamily="49" charset="0"/>
-                <a:cs typeface="Consolas" pitchFamily="49" charset="0"/>
-              </a:rPr>
-              <a:t>Calc</a:t>
-            </a:r>
-            <a:r>
-              <a:rPr lang="en-US" sz="1000" dirty="0">
-                <a:solidFill>
-                  <a:srgbClr val="000000"/>
-                </a:solidFill>
-                <a:latin typeface="Consolas" pitchFamily="49" charset="0"/>
-                <a:cs typeface="Consolas" pitchFamily="49" charset="0"/>
-              </a:rPr>
-              <a:t> </a:t>
-            </a:r>
-            <a:r>
-              <a:rPr lang="en-US" sz="1000" dirty="0">
-                <a:solidFill>
-                  <a:srgbClr val="7F0055"/>
-                </a:solidFill>
-                <a:latin typeface="Consolas" pitchFamily="49" charset="0"/>
-                <a:cs typeface="Consolas" pitchFamily="49" charset="0"/>
-              </a:rPr>
-              <a:t>extends</a:t>
-            </a:r>
-            <a:r>
-              <a:rPr lang="en-US" sz="1000" dirty="0">
-                <a:solidFill>
-                  <a:srgbClr val="000000"/>
-                </a:solidFill>
-                <a:latin typeface="Consolas" pitchFamily="49" charset="0"/>
-                <a:cs typeface="Consolas" pitchFamily="49" charset="0"/>
-              </a:rPr>
-              <a:t> Activity {</a:t>
-            </a:r>
+              <a:rPr lang="pl-PL" dirty="0" smtClean="0"/>
+              <a:t>Pozwala przechowywać pary klucz - wartość typów prymitywnych(</a:t>
+            </a:r>
+            <a:r>
+              <a:rPr lang="pl-PL" dirty="0" err="1" smtClean="0"/>
+              <a:t>boolean</a:t>
+            </a:r>
+            <a:r>
+              <a:rPr lang="pl-PL" dirty="0" smtClean="0"/>
+              <a:t>, </a:t>
+            </a:r>
+            <a:r>
+              <a:rPr lang="pl-PL" dirty="0" err="1" smtClean="0"/>
+              <a:t>float</a:t>
+            </a:r>
+            <a:r>
+              <a:rPr lang="pl-PL" dirty="0" smtClean="0"/>
+              <a:t>, </a:t>
+            </a:r>
+            <a:r>
+              <a:rPr lang="pl-PL" dirty="0" err="1" smtClean="0"/>
+              <a:t>int</a:t>
+            </a:r>
+            <a:r>
+              <a:rPr lang="pl-PL" dirty="0" smtClean="0"/>
+              <a:t>, </a:t>
+            </a:r>
+            <a:r>
+              <a:rPr lang="pl-PL" dirty="0" err="1" smtClean="0"/>
+              <a:t>long</a:t>
+            </a:r>
+            <a:r>
+              <a:rPr lang="pl-PL" dirty="0" smtClean="0"/>
+              <a:t>, string). Dane będą przechowane pomiędzy uruchomieniami aplikacji(do momentu odinstalowania jej z urządzenia).</a:t>
+            </a:r>
+            <a:endParaRPr lang="pl-PL" dirty="0" smtClean="0"/>
           </a:p>
           <a:p>
             <a:pPr marL="0" indent="0">
               <a:buNone/>
             </a:pPr>
-            <a:r>
-              <a:rPr lang="en-US" sz="1000" dirty="0">
-                <a:solidFill>
-                  <a:srgbClr val="000000"/>
-                </a:solidFill>
-                <a:latin typeface="Consolas" pitchFamily="49" charset="0"/>
-                <a:cs typeface="Consolas" pitchFamily="49" charset="0"/>
-              </a:rPr>
-              <a:t>        </a:t>
-            </a:r>
-            <a:r>
-              <a:rPr lang="en-US" sz="1000" dirty="0">
-                <a:solidFill>
-                  <a:srgbClr val="7F0055"/>
-                </a:solidFill>
-                <a:latin typeface="Consolas" pitchFamily="49" charset="0"/>
-                <a:cs typeface="Consolas" pitchFamily="49" charset="0"/>
-              </a:rPr>
-              <a:t>public</a:t>
-            </a:r>
-            <a:r>
-              <a:rPr lang="en-US" sz="1000" dirty="0">
-                <a:solidFill>
-                  <a:srgbClr val="000000"/>
-                </a:solidFill>
-                <a:latin typeface="Consolas" pitchFamily="49" charset="0"/>
-                <a:cs typeface="Consolas" pitchFamily="49" charset="0"/>
-              </a:rPr>
-              <a:t> </a:t>
-            </a:r>
-            <a:r>
-              <a:rPr lang="en-US" sz="1000" dirty="0">
-                <a:solidFill>
-                  <a:srgbClr val="7F0055"/>
-                </a:solidFill>
-                <a:latin typeface="Consolas" pitchFamily="49" charset="0"/>
-                <a:cs typeface="Consolas" pitchFamily="49" charset="0"/>
-              </a:rPr>
-              <a:t>static</a:t>
-            </a:r>
-            <a:r>
-              <a:rPr lang="en-US" sz="1000" dirty="0">
-                <a:solidFill>
-                  <a:srgbClr val="000000"/>
-                </a:solidFill>
-                <a:latin typeface="Consolas" pitchFamily="49" charset="0"/>
-                <a:cs typeface="Consolas" pitchFamily="49" charset="0"/>
-              </a:rPr>
-              <a:t> </a:t>
-            </a:r>
-            <a:r>
-              <a:rPr lang="en-US" sz="1000" dirty="0">
-                <a:solidFill>
-                  <a:srgbClr val="7F0055"/>
-                </a:solidFill>
-                <a:latin typeface="Consolas" pitchFamily="49" charset="0"/>
-                <a:cs typeface="Consolas" pitchFamily="49" charset="0"/>
-              </a:rPr>
-              <a:t>final</a:t>
-            </a:r>
-            <a:r>
-              <a:rPr lang="en-US" sz="1000" dirty="0">
-                <a:solidFill>
-                  <a:srgbClr val="000000"/>
-                </a:solidFill>
-                <a:latin typeface="Consolas" pitchFamily="49" charset="0"/>
-                <a:cs typeface="Consolas" pitchFamily="49" charset="0"/>
-              </a:rPr>
-              <a:t> String </a:t>
-            </a:r>
-            <a:r>
-              <a:rPr lang="en-US" sz="1000" i="1" dirty="0">
-                <a:solidFill>
-                  <a:srgbClr val="0000C0"/>
-                </a:solidFill>
-                <a:latin typeface="Consolas" pitchFamily="49" charset="0"/>
-                <a:cs typeface="Consolas" pitchFamily="49" charset="0"/>
-              </a:rPr>
-              <a:t>PREFS_NAME</a:t>
-            </a:r>
-            <a:r>
-              <a:rPr lang="en-US" sz="1000" i="1" dirty="0">
-                <a:solidFill>
-                  <a:srgbClr val="000000"/>
-                </a:solidFill>
-                <a:latin typeface="Consolas" pitchFamily="49" charset="0"/>
-                <a:cs typeface="Consolas" pitchFamily="49" charset="0"/>
-              </a:rPr>
-              <a:t> = </a:t>
-            </a:r>
-            <a:r>
-              <a:rPr lang="en-US" sz="1000" i="1" dirty="0">
-                <a:solidFill>
-                  <a:srgbClr val="2A00FF"/>
-                </a:solidFill>
-                <a:latin typeface="Consolas" pitchFamily="49" charset="0"/>
-                <a:cs typeface="Consolas" pitchFamily="49" charset="0"/>
-              </a:rPr>
-              <a:t>"</a:t>
-            </a:r>
-            <a:r>
-              <a:rPr lang="en-US" sz="1000" i="1" dirty="0" err="1">
-                <a:solidFill>
-                  <a:srgbClr val="2A00FF"/>
-                </a:solidFill>
-                <a:latin typeface="Consolas" pitchFamily="49" charset="0"/>
-                <a:cs typeface="Consolas" pitchFamily="49" charset="0"/>
-              </a:rPr>
-              <a:t>MyPrefsFile</a:t>
-            </a:r>
-            <a:r>
-              <a:rPr lang="en-US" sz="1000" i="1" dirty="0">
-                <a:solidFill>
-                  <a:srgbClr val="2A00FF"/>
-                </a:solidFill>
-                <a:latin typeface="Consolas" pitchFamily="49" charset="0"/>
-                <a:cs typeface="Consolas" pitchFamily="49" charset="0"/>
-              </a:rPr>
-              <a:t>"</a:t>
-            </a:r>
-            <a:r>
-              <a:rPr lang="en-US" sz="1000" i="1" dirty="0">
-                <a:solidFill>
-                  <a:srgbClr val="000000"/>
-                </a:solidFill>
-                <a:latin typeface="Consolas" pitchFamily="49" charset="0"/>
-                <a:cs typeface="Consolas" pitchFamily="49" charset="0"/>
-              </a:rPr>
-              <a:t>;</a:t>
-            </a:r>
+            <a:endParaRPr lang="pl-PL" dirty="0" smtClean="0"/>
           </a:p>
           <a:p>
             <a:pPr marL="0" indent="0">
               <a:buNone/>
             </a:pPr>
-            <a:endParaRPr lang="en-US" sz="1000" dirty="0">
+            <a:r>
+              <a:rPr lang="pl-PL" sz="2000" dirty="0" err="1" smtClean="0"/>
+              <a:t>SharedPreferences</a:t>
+            </a:r>
+            <a:r>
+              <a:rPr lang="pl-PL" sz="2000" dirty="0" smtClean="0"/>
+              <a:t> przetrzymywane są w:</a:t>
+            </a:r>
+          </a:p>
+          <a:p>
+            <a:pPr marL="0" indent="0">
+              <a:buNone/>
+            </a:pPr>
+            <a:endParaRPr lang="pl-PL" sz="2000" dirty="0" smtClean="0"/>
+          </a:p>
+          <a:p>
+            <a:r>
+              <a:rPr lang="en-US" sz="1800" dirty="0" smtClean="0">
+                <a:latin typeface="Consolas" pitchFamily="49" charset="0"/>
+                <a:cs typeface="Consolas" pitchFamily="49" charset="0"/>
+              </a:rPr>
+              <a:t>/data/data/YOUR_PACKAGE_NAME/</a:t>
+            </a:r>
+            <a:r>
+              <a:rPr lang="en-US" sz="1800" dirty="0" err="1" smtClean="0">
+                <a:latin typeface="Consolas" pitchFamily="49" charset="0"/>
+                <a:cs typeface="Consolas" pitchFamily="49" charset="0"/>
+              </a:rPr>
+              <a:t>shared_prefs</a:t>
+            </a:r>
+            <a:r>
+              <a:rPr lang="en-US" sz="1800" dirty="0" smtClean="0">
+                <a:latin typeface="Consolas" pitchFamily="49" charset="0"/>
+                <a:cs typeface="Consolas" pitchFamily="49" charset="0"/>
+              </a:rPr>
+              <a:t>/</a:t>
+            </a:r>
+            <a:r>
+              <a:rPr lang="pl-PL" sz="1800" dirty="0" smtClean="0">
+                <a:latin typeface="Consolas" pitchFamily="49" charset="0"/>
+                <a:cs typeface="Consolas" pitchFamily="49" charset="0"/>
+              </a:rPr>
+              <a:t/>
+            </a:r>
+            <a:br>
+              <a:rPr lang="pl-PL" sz="1800" dirty="0" smtClean="0">
+                <a:latin typeface="Consolas" pitchFamily="49" charset="0"/>
+                <a:cs typeface="Consolas" pitchFamily="49" charset="0"/>
+              </a:rPr>
+            </a:br>
+            <a:r>
+              <a:rPr lang="pl-PL" sz="1800" dirty="0" smtClean="0">
+                <a:latin typeface="Consolas" pitchFamily="49" charset="0"/>
+                <a:cs typeface="Consolas" pitchFamily="49" charset="0"/>
+              </a:rPr>
+              <a:t>				     </a:t>
+            </a:r>
+            <a:r>
+              <a:rPr lang="en-US" sz="1800" dirty="0" smtClean="0">
+                <a:latin typeface="Consolas" pitchFamily="49" charset="0"/>
+                <a:cs typeface="Consolas" pitchFamily="49" charset="0"/>
+              </a:rPr>
+              <a:t>YOUR_PACKAGE_NAME_preferences.xml</a:t>
+            </a:r>
+            <a:endParaRPr lang="pl-PL" sz="1800" dirty="0" smtClean="0">
               <a:latin typeface="Consolas" pitchFamily="49" charset="0"/>
               <a:cs typeface="Consolas" pitchFamily="49" charset="0"/>
             </a:endParaRPr>
@@ -15694,1028 +15547,14 @@
             <a:pPr marL="0" indent="0">
               <a:buNone/>
             </a:pPr>
-            <a:r>
-              <a:rPr lang="en-US" sz="1000" dirty="0">
-                <a:solidFill>
-                  <a:srgbClr val="000000"/>
-                </a:solidFill>
-                <a:latin typeface="Consolas" pitchFamily="49" charset="0"/>
-                <a:cs typeface="Consolas" pitchFamily="49" charset="0"/>
-              </a:rPr>
-              <a:t>        </a:t>
-            </a:r>
-            <a:r>
-              <a:rPr lang="en-US" sz="1000" dirty="0">
-                <a:solidFill>
-                  <a:srgbClr val="646464"/>
-                </a:solidFill>
-                <a:latin typeface="Consolas" pitchFamily="49" charset="0"/>
-                <a:cs typeface="Consolas" pitchFamily="49" charset="0"/>
-              </a:rPr>
-              <a:t>@</a:t>
-            </a:r>
-            <a:r>
-              <a:rPr lang="en-US" sz="1000" dirty="0">
-                <a:solidFill>
-                  <a:srgbClr val="000000"/>
-                </a:solidFill>
-                <a:latin typeface="Consolas" pitchFamily="49" charset="0"/>
-                <a:cs typeface="Consolas" pitchFamily="49" charset="0"/>
-              </a:rPr>
-              <a:t>Override</a:t>
-            </a:r>
-          </a:p>
-          <a:p>
-            <a:pPr marL="0" indent="0">
-              <a:buNone/>
-            </a:pPr>
-            <a:r>
-              <a:rPr lang="en-US" sz="1000" dirty="0">
-                <a:solidFill>
-                  <a:srgbClr val="000000"/>
-                </a:solidFill>
-                <a:latin typeface="Consolas" pitchFamily="49" charset="0"/>
-                <a:cs typeface="Consolas" pitchFamily="49" charset="0"/>
-              </a:rPr>
-              <a:t>        </a:t>
-            </a:r>
-            <a:r>
-              <a:rPr lang="en-US" sz="1000" dirty="0">
-                <a:solidFill>
-                  <a:srgbClr val="7F0055"/>
-                </a:solidFill>
-                <a:latin typeface="Consolas" pitchFamily="49" charset="0"/>
-                <a:cs typeface="Consolas" pitchFamily="49" charset="0"/>
-              </a:rPr>
-              <a:t>protected</a:t>
-            </a:r>
-            <a:r>
-              <a:rPr lang="en-US" sz="1000" dirty="0">
-                <a:solidFill>
-                  <a:srgbClr val="000000"/>
-                </a:solidFill>
-                <a:latin typeface="Consolas" pitchFamily="49" charset="0"/>
-                <a:cs typeface="Consolas" pitchFamily="49" charset="0"/>
-              </a:rPr>
-              <a:t> </a:t>
-            </a:r>
-            <a:r>
-              <a:rPr lang="en-US" sz="1000" dirty="0">
-                <a:solidFill>
-                  <a:srgbClr val="7F0055"/>
-                </a:solidFill>
-                <a:latin typeface="Consolas" pitchFamily="49" charset="0"/>
-                <a:cs typeface="Consolas" pitchFamily="49" charset="0"/>
-              </a:rPr>
-              <a:t>void</a:t>
-            </a:r>
-            <a:r>
-              <a:rPr lang="en-US" sz="1000" dirty="0">
-                <a:solidFill>
-                  <a:srgbClr val="000000"/>
-                </a:solidFill>
-                <a:latin typeface="Consolas" pitchFamily="49" charset="0"/>
-                <a:cs typeface="Consolas" pitchFamily="49" charset="0"/>
-              </a:rPr>
-              <a:t> </a:t>
-            </a:r>
-            <a:r>
-              <a:rPr lang="en-US" sz="1000" dirty="0" err="1">
-                <a:solidFill>
-                  <a:srgbClr val="000000"/>
-                </a:solidFill>
-                <a:latin typeface="Consolas" pitchFamily="49" charset="0"/>
-                <a:cs typeface="Consolas" pitchFamily="49" charset="0"/>
-              </a:rPr>
-              <a:t>onCreate</a:t>
-            </a:r>
-            <a:r>
-              <a:rPr lang="en-US" sz="1000" dirty="0">
-                <a:solidFill>
-                  <a:srgbClr val="000000"/>
-                </a:solidFill>
-                <a:latin typeface="Consolas" pitchFamily="49" charset="0"/>
-                <a:cs typeface="Consolas" pitchFamily="49" charset="0"/>
-              </a:rPr>
-              <a:t>(Bundle state){</a:t>
-            </a:r>
-          </a:p>
-          <a:p>
-            <a:pPr marL="0" indent="0">
-              <a:buNone/>
-            </a:pPr>
-            <a:r>
-              <a:rPr lang="en-US" sz="1000" dirty="0">
-                <a:solidFill>
-                  <a:srgbClr val="000000"/>
-                </a:solidFill>
-                <a:latin typeface="Consolas" pitchFamily="49" charset="0"/>
-                <a:cs typeface="Consolas" pitchFamily="49" charset="0"/>
-              </a:rPr>
-              <a:t>           </a:t>
-            </a:r>
-            <a:r>
-              <a:rPr lang="en-US" sz="1000" dirty="0" err="1">
-                <a:solidFill>
-                  <a:srgbClr val="7F0055"/>
-                </a:solidFill>
-                <a:latin typeface="Consolas" pitchFamily="49" charset="0"/>
-                <a:cs typeface="Consolas" pitchFamily="49" charset="0"/>
-              </a:rPr>
-              <a:t>super</a:t>
-            </a:r>
-            <a:r>
-              <a:rPr lang="en-US" sz="1000" dirty="0" err="1">
-                <a:solidFill>
-                  <a:srgbClr val="000000"/>
-                </a:solidFill>
-                <a:latin typeface="Consolas" pitchFamily="49" charset="0"/>
-                <a:cs typeface="Consolas" pitchFamily="49" charset="0"/>
-              </a:rPr>
-              <a:t>.onCreate</a:t>
-            </a:r>
-            <a:r>
-              <a:rPr lang="en-US" sz="1000" dirty="0">
-                <a:solidFill>
-                  <a:srgbClr val="000000"/>
-                </a:solidFill>
-                <a:latin typeface="Consolas" pitchFamily="49" charset="0"/>
-                <a:cs typeface="Consolas" pitchFamily="49" charset="0"/>
-              </a:rPr>
-              <a:t>(state);</a:t>
-            </a:r>
-          </a:p>
-          <a:p>
-            <a:pPr marL="0" indent="0">
-              <a:buNone/>
-            </a:pPr>
-            <a:r>
-              <a:rPr lang="pl-PL" sz="1000" dirty="0">
-                <a:solidFill>
-                  <a:srgbClr val="3F7F5F"/>
-                </a:solidFill>
-                <a:latin typeface="Consolas" pitchFamily="49" charset="0"/>
-                <a:cs typeface="Consolas" pitchFamily="49" charset="0"/>
-              </a:rPr>
-              <a:t> </a:t>
-            </a:r>
-            <a:r>
-              <a:rPr lang="pl-PL" sz="1000" dirty="0" smtClean="0">
-                <a:solidFill>
-                  <a:srgbClr val="3F7F5F"/>
-                </a:solidFill>
-                <a:latin typeface="Consolas" pitchFamily="49" charset="0"/>
-                <a:cs typeface="Consolas" pitchFamily="49" charset="0"/>
-              </a:rPr>
-              <a:t>          </a:t>
-            </a:r>
-            <a:r>
-              <a:rPr lang="en-US" sz="1000" dirty="0" smtClean="0">
-                <a:solidFill>
-                  <a:srgbClr val="3F7F5F"/>
-                </a:solidFill>
-                <a:latin typeface="Consolas" pitchFamily="49" charset="0"/>
-                <a:cs typeface="Consolas" pitchFamily="49" charset="0"/>
-              </a:rPr>
-              <a:t>// </a:t>
-            </a:r>
-            <a:r>
-              <a:rPr lang="en-US" sz="1000" dirty="0">
-                <a:solidFill>
-                  <a:srgbClr val="3F7F5F"/>
-                </a:solidFill>
-                <a:latin typeface="Consolas" pitchFamily="49" charset="0"/>
-                <a:cs typeface="Consolas" pitchFamily="49" charset="0"/>
-              </a:rPr>
-              <a:t>Restore preferences</a:t>
-            </a:r>
-          </a:p>
-          <a:p>
-            <a:pPr marL="0" indent="0">
-              <a:buNone/>
-            </a:pPr>
-            <a:r>
-              <a:rPr lang="en-US" sz="1000" dirty="0">
-                <a:solidFill>
-                  <a:srgbClr val="000000"/>
-                </a:solidFill>
-                <a:latin typeface="Consolas" pitchFamily="49" charset="0"/>
-                <a:cs typeface="Consolas" pitchFamily="49" charset="0"/>
-              </a:rPr>
-              <a:t>           </a:t>
-            </a:r>
-            <a:r>
-              <a:rPr lang="en-US" sz="1000" dirty="0" err="1">
-                <a:solidFill>
-                  <a:srgbClr val="000000"/>
-                </a:solidFill>
-                <a:highlight>
-                  <a:srgbClr val="D4D4D4"/>
-                </a:highlight>
-                <a:latin typeface="Consolas" pitchFamily="49" charset="0"/>
-                <a:cs typeface="Consolas" pitchFamily="49" charset="0"/>
-              </a:rPr>
-              <a:t>SharedPreferences</a:t>
-            </a:r>
-            <a:r>
-              <a:rPr lang="en-US" sz="1000" dirty="0">
-                <a:solidFill>
-                  <a:srgbClr val="000000"/>
-                </a:solidFill>
-                <a:highlight>
-                  <a:srgbClr val="D4D4D4"/>
-                </a:highlight>
-                <a:latin typeface="Consolas" pitchFamily="49" charset="0"/>
-                <a:cs typeface="Consolas" pitchFamily="49" charset="0"/>
-              </a:rPr>
-              <a:t> settings = </a:t>
-            </a:r>
-            <a:r>
-              <a:rPr lang="en-US" sz="1000" dirty="0" err="1">
-                <a:solidFill>
-                  <a:srgbClr val="000000"/>
-                </a:solidFill>
-                <a:highlight>
-                  <a:srgbClr val="D4D4D4"/>
-                </a:highlight>
-                <a:latin typeface="Consolas" pitchFamily="49" charset="0"/>
-                <a:cs typeface="Consolas" pitchFamily="49" charset="0"/>
-              </a:rPr>
-              <a:t>getSharedPreferences</a:t>
-            </a:r>
-            <a:r>
-              <a:rPr lang="en-US" sz="1000" dirty="0">
-                <a:solidFill>
-                  <a:srgbClr val="000000"/>
-                </a:solidFill>
-                <a:highlight>
-                  <a:srgbClr val="D4D4D4"/>
-                </a:highlight>
-                <a:latin typeface="Consolas" pitchFamily="49" charset="0"/>
-                <a:cs typeface="Consolas" pitchFamily="49" charset="0"/>
-              </a:rPr>
-              <a:t>(PREFS_NAME, 0);</a:t>
-            </a:r>
-          </a:p>
-          <a:p>
-            <a:pPr marL="0" indent="0">
-              <a:buNone/>
-            </a:pPr>
-            <a:r>
-              <a:rPr lang="en-US" sz="1000" dirty="0">
-                <a:solidFill>
-                  <a:srgbClr val="000000"/>
-                </a:solidFill>
-                <a:latin typeface="Consolas" pitchFamily="49" charset="0"/>
-                <a:cs typeface="Consolas" pitchFamily="49" charset="0"/>
-              </a:rPr>
-              <a:t>           </a:t>
-            </a:r>
-            <a:r>
-              <a:rPr lang="en-US" sz="1000" dirty="0" err="1">
-                <a:solidFill>
-                  <a:srgbClr val="7F0055"/>
-                </a:solidFill>
-                <a:latin typeface="Consolas" pitchFamily="49" charset="0"/>
-                <a:cs typeface="Consolas" pitchFamily="49" charset="0"/>
-              </a:rPr>
-              <a:t>boolean</a:t>
-            </a:r>
-            <a:r>
-              <a:rPr lang="en-US" sz="1000" dirty="0">
-                <a:solidFill>
-                  <a:srgbClr val="000000"/>
-                </a:solidFill>
-                <a:latin typeface="Consolas" pitchFamily="49" charset="0"/>
-                <a:cs typeface="Consolas" pitchFamily="49" charset="0"/>
-              </a:rPr>
-              <a:t> silent = </a:t>
-            </a:r>
-            <a:r>
-              <a:rPr lang="en-US" sz="1000" dirty="0" err="1">
-                <a:solidFill>
-                  <a:srgbClr val="000000"/>
-                </a:solidFill>
-                <a:latin typeface="Consolas" pitchFamily="49" charset="0"/>
-                <a:cs typeface="Consolas" pitchFamily="49" charset="0"/>
-              </a:rPr>
-              <a:t>settings.getBoolean</a:t>
-            </a:r>
-            <a:r>
-              <a:rPr lang="en-US" sz="1000" dirty="0">
-                <a:solidFill>
-                  <a:srgbClr val="000000"/>
-                </a:solidFill>
-                <a:latin typeface="Consolas" pitchFamily="49" charset="0"/>
-                <a:cs typeface="Consolas" pitchFamily="49" charset="0"/>
-              </a:rPr>
-              <a:t>(</a:t>
-            </a:r>
-            <a:r>
-              <a:rPr lang="en-US" sz="1000" dirty="0">
-                <a:solidFill>
-                  <a:srgbClr val="2A00FF"/>
-                </a:solidFill>
-                <a:latin typeface="Consolas" pitchFamily="49" charset="0"/>
-                <a:cs typeface="Consolas" pitchFamily="49" charset="0"/>
-              </a:rPr>
-              <a:t>"</a:t>
-            </a:r>
-            <a:r>
-              <a:rPr lang="en-US" sz="1000" dirty="0" err="1">
-                <a:solidFill>
-                  <a:srgbClr val="2A00FF"/>
-                </a:solidFill>
-                <a:latin typeface="Consolas" pitchFamily="49" charset="0"/>
-                <a:cs typeface="Consolas" pitchFamily="49" charset="0"/>
-              </a:rPr>
-              <a:t>silentMode</a:t>
-            </a:r>
-            <a:r>
-              <a:rPr lang="en-US" sz="1000" dirty="0">
-                <a:solidFill>
-                  <a:srgbClr val="2A00FF"/>
-                </a:solidFill>
-                <a:latin typeface="Consolas" pitchFamily="49" charset="0"/>
-                <a:cs typeface="Consolas" pitchFamily="49" charset="0"/>
-              </a:rPr>
-              <a:t>"</a:t>
-            </a:r>
-            <a:r>
-              <a:rPr lang="en-US" sz="1000" dirty="0">
-                <a:solidFill>
-                  <a:srgbClr val="000000"/>
-                </a:solidFill>
-                <a:latin typeface="Consolas" pitchFamily="49" charset="0"/>
-                <a:cs typeface="Consolas" pitchFamily="49" charset="0"/>
-              </a:rPr>
-              <a:t>, </a:t>
-            </a:r>
-            <a:r>
-              <a:rPr lang="en-US" sz="1000" dirty="0">
-                <a:solidFill>
-                  <a:srgbClr val="7F0055"/>
-                </a:solidFill>
-                <a:latin typeface="Consolas" pitchFamily="49" charset="0"/>
-                <a:cs typeface="Consolas" pitchFamily="49" charset="0"/>
-              </a:rPr>
-              <a:t>false</a:t>
-            </a:r>
-            <a:r>
-              <a:rPr lang="en-US" sz="1000" dirty="0">
-                <a:solidFill>
-                  <a:srgbClr val="000000"/>
-                </a:solidFill>
-                <a:latin typeface="Consolas" pitchFamily="49" charset="0"/>
-                <a:cs typeface="Consolas" pitchFamily="49" charset="0"/>
-              </a:rPr>
-              <a:t>);</a:t>
-            </a:r>
-          </a:p>
-          <a:p>
-            <a:pPr marL="0" indent="0">
-              <a:buNone/>
-            </a:pPr>
-            <a:r>
-              <a:rPr lang="en-US" sz="1000" dirty="0">
-                <a:solidFill>
-                  <a:srgbClr val="000000"/>
-                </a:solidFill>
-                <a:latin typeface="Consolas" pitchFamily="49" charset="0"/>
-                <a:cs typeface="Consolas" pitchFamily="49" charset="0"/>
-              </a:rPr>
-              <a:t>           </a:t>
-            </a:r>
-            <a:r>
-              <a:rPr lang="en-US" sz="1000" dirty="0" err="1">
-                <a:solidFill>
-                  <a:srgbClr val="000000"/>
-                </a:solidFill>
-                <a:latin typeface="Consolas" pitchFamily="49" charset="0"/>
-                <a:cs typeface="Consolas" pitchFamily="49" charset="0"/>
-              </a:rPr>
-              <a:t>setSilent</a:t>
-            </a:r>
-            <a:r>
-              <a:rPr lang="en-US" sz="1000" dirty="0">
-                <a:solidFill>
-                  <a:srgbClr val="000000"/>
-                </a:solidFill>
-                <a:latin typeface="Consolas" pitchFamily="49" charset="0"/>
-                <a:cs typeface="Consolas" pitchFamily="49" charset="0"/>
-              </a:rPr>
-              <a:t>(silent);</a:t>
-            </a:r>
-          </a:p>
-          <a:p>
-            <a:pPr marL="0" indent="0">
-              <a:buNone/>
-            </a:pPr>
-            <a:r>
-              <a:rPr lang="en-US" sz="1000" dirty="0">
-                <a:solidFill>
-                  <a:srgbClr val="000000"/>
-                </a:solidFill>
-                <a:latin typeface="Consolas" pitchFamily="49" charset="0"/>
-                <a:cs typeface="Consolas" pitchFamily="49" charset="0"/>
-              </a:rPr>
-              <a:t>        }</a:t>
-            </a:r>
-          </a:p>
-          <a:p>
-            <a:pPr marL="0" indent="0">
-              <a:buNone/>
-            </a:pPr>
-            <a:endParaRPr lang="en-US" sz="1000" dirty="0">
-              <a:latin typeface="Consolas" pitchFamily="49" charset="0"/>
-              <a:cs typeface="Consolas" pitchFamily="49" charset="0"/>
-            </a:endParaRPr>
-          </a:p>
-          <a:p>
-            <a:pPr marL="0" indent="0">
-              <a:buNone/>
-            </a:pPr>
-            <a:r>
-              <a:rPr lang="en-US" sz="1000" dirty="0">
-                <a:solidFill>
-                  <a:srgbClr val="000000"/>
-                </a:solidFill>
-                <a:latin typeface="Consolas" pitchFamily="49" charset="0"/>
-                <a:cs typeface="Consolas" pitchFamily="49" charset="0"/>
-              </a:rPr>
-              <a:t>        </a:t>
-            </a:r>
-            <a:r>
-              <a:rPr lang="en-US" sz="1000" dirty="0">
-                <a:solidFill>
-                  <a:srgbClr val="646464"/>
-                </a:solidFill>
-                <a:latin typeface="Consolas" pitchFamily="49" charset="0"/>
-                <a:cs typeface="Consolas" pitchFamily="49" charset="0"/>
-              </a:rPr>
-              <a:t>@Override</a:t>
-            </a:r>
-          </a:p>
-          <a:p>
-            <a:pPr marL="0" indent="0">
-              <a:buNone/>
-            </a:pPr>
-            <a:r>
-              <a:rPr lang="en-US" sz="1000" dirty="0">
-                <a:solidFill>
-                  <a:srgbClr val="000000"/>
-                </a:solidFill>
-                <a:latin typeface="Consolas" pitchFamily="49" charset="0"/>
-                <a:cs typeface="Consolas" pitchFamily="49" charset="0"/>
-              </a:rPr>
-              <a:t>        </a:t>
-            </a:r>
-            <a:r>
-              <a:rPr lang="en-US" sz="1000" dirty="0">
-                <a:solidFill>
-                  <a:srgbClr val="7F0055"/>
-                </a:solidFill>
-                <a:latin typeface="Consolas" pitchFamily="49" charset="0"/>
-                <a:cs typeface="Consolas" pitchFamily="49" charset="0"/>
-              </a:rPr>
-              <a:t>protected</a:t>
-            </a:r>
-            <a:r>
-              <a:rPr lang="en-US" sz="1000" dirty="0">
-                <a:solidFill>
-                  <a:srgbClr val="000000"/>
-                </a:solidFill>
-                <a:latin typeface="Consolas" pitchFamily="49" charset="0"/>
-                <a:cs typeface="Consolas" pitchFamily="49" charset="0"/>
-              </a:rPr>
-              <a:t> </a:t>
-            </a:r>
-            <a:r>
-              <a:rPr lang="en-US" sz="1000" dirty="0">
-                <a:solidFill>
-                  <a:srgbClr val="7F0055"/>
-                </a:solidFill>
-                <a:latin typeface="Consolas" pitchFamily="49" charset="0"/>
-                <a:cs typeface="Consolas" pitchFamily="49" charset="0"/>
-              </a:rPr>
-              <a:t>void</a:t>
-            </a:r>
-            <a:r>
-              <a:rPr lang="en-US" sz="1000" dirty="0">
-                <a:solidFill>
-                  <a:srgbClr val="000000"/>
-                </a:solidFill>
-                <a:latin typeface="Consolas" pitchFamily="49" charset="0"/>
-                <a:cs typeface="Consolas" pitchFamily="49" charset="0"/>
-              </a:rPr>
-              <a:t> </a:t>
-            </a:r>
-            <a:r>
-              <a:rPr lang="en-US" sz="1000" dirty="0" err="1">
-                <a:solidFill>
-                  <a:srgbClr val="000000"/>
-                </a:solidFill>
-                <a:latin typeface="Consolas" pitchFamily="49" charset="0"/>
-                <a:cs typeface="Consolas" pitchFamily="49" charset="0"/>
-              </a:rPr>
-              <a:t>onStop</a:t>
-            </a:r>
-            <a:r>
-              <a:rPr lang="en-US" sz="1000" dirty="0">
-                <a:solidFill>
-                  <a:srgbClr val="000000"/>
-                </a:solidFill>
-                <a:latin typeface="Consolas" pitchFamily="49" charset="0"/>
-                <a:cs typeface="Consolas" pitchFamily="49" charset="0"/>
-              </a:rPr>
-              <a:t>(){</a:t>
-            </a:r>
-          </a:p>
-          <a:p>
-            <a:pPr marL="0" indent="0">
-              <a:buNone/>
-            </a:pPr>
-            <a:r>
-              <a:rPr lang="en-US" sz="1000" dirty="0">
-                <a:solidFill>
-                  <a:srgbClr val="000000"/>
-                </a:solidFill>
-                <a:latin typeface="Consolas" pitchFamily="49" charset="0"/>
-                <a:cs typeface="Consolas" pitchFamily="49" charset="0"/>
-              </a:rPr>
-              <a:t>           </a:t>
-            </a:r>
-            <a:r>
-              <a:rPr lang="en-US" sz="1000" dirty="0" err="1">
-                <a:solidFill>
-                  <a:srgbClr val="7F0055"/>
-                </a:solidFill>
-                <a:latin typeface="Consolas" pitchFamily="49" charset="0"/>
-                <a:cs typeface="Consolas" pitchFamily="49" charset="0"/>
-              </a:rPr>
-              <a:t>super</a:t>
-            </a:r>
-            <a:r>
-              <a:rPr lang="en-US" sz="1000" dirty="0" err="1">
-                <a:solidFill>
-                  <a:srgbClr val="000000"/>
-                </a:solidFill>
-                <a:latin typeface="Consolas" pitchFamily="49" charset="0"/>
-                <a:cs typeface="Consolas" pitchFamily="49" charset="0"/>
-              </a:rPr>
-              <a:t>.onStop</a:t>
-            </a:r>
-            <a:r>
-              <a:rPr lang="en-US" sz="1000" dirty="0">
-                <a:solidFill>
-                  <a:srgbClr val="000000"/>
-                </a:solidFill>
-                <a:latin typeface="Consolas" pitchFamily="49" charset="0"/>
-                <a:cs typeface="Consolas" pitchFamily="49" charset="0"/>
-              </a:rPr>
-              <a:t>();</a:t>
-            </a:r>
-          </a:p>
-          <a:p>
-            <a:pPr marL="0" indent="0">
-              <a:buNone/>
-            </a:pPr>
-            <a:endParaRPr lang="en-US" sz="1000" dirty="0">
-              <a:latin typeface="Consolas" pitchFamily="49" charset="0"/>
-              <a:cs typeface="Consolas" pitchFamily="49" charset="0"/>
-            </a:endParaRPr>
-          </a:p>
-          <a:p>
-            <a:pPr marL="0" indent="0">
-              <a:buNone/>
-            </a:pPr>
-            <a:r>
-              <a:rPr lang="en-US" sz="1000" dirty="0">
-                <a:solidFill>
-                  <a:srgbClr val="000000"/>
-                </a:solidFill>
-                <a:latin typeface="Consolas" pitchFamily="49" charset="0"/>
-                <a:cs typeface="Consolas" pitchFamily="49" charset="0"/>
-              </a:rPr>
-              <a:t>          </a:t>
-            </a:r>
-            <a:r>
-              <a:rPr lang="en-US" sz="1000" dirty="0">
-                <a:solidFill>
-                  <a:srgbClr val="3F7F5F"/>
-                </a:solidFill>
-                <a:latin typeface="Consolas" pitchFamily="49" charset="0"/>
-                <a:cs typeface="Consolas" pitchFamily="49" charset="0"/>
-              </a:rPr>
-              <a:t>// We need an Editor object to make preference changes.</a:t>
-            </a:r>
-          </a:p>
-          <a:p>
-            <a:pPr marL="0" indent="0">
-              <a:buNone/>
-            </a:pPr>
-            <a:r>
-              <a:rPr lang="en-US" sz="1000" dirty="0">
-                <a:solidFill>
-                  <a:srgbClr val="000000"/>
-                </a:solidFill>
-                <a:latin typeface="Consolas" pitchFamily="49" charset="0"/>
-                <a:cs typeface="Consolas" pitchFamily="49" charset="0"/>
-              </a:rPr>
-              <a:t>          </a:t>
-            </a:r>
-            <a:r>
-              <a:rPr lang="en-US" sz="1000" dirty="0">
-                <a:solidFill>
-                  <a:srgbClr val="3F7F5F"/>
-                </a:solidFill>
-                <a:latin typeface="Consolas" pitchFamily="49" charset="0"/>
-                <a:cs typeface="Consolas" pitchFamily="49" charset="0"/>
-              </a:rPr>
-              <a:t>// All objects are from </a:t>
-            </a:r>
-            <a:r>
-              <a:rPr lang="en-US" sz="1000" dirty="0" err="1">
-                <a:solidFill>
-                  <a:srgbClr val="3F7F5F"/>
-                </a:solidFill>
-                <a:latin typeface="Consolas" pitchFamily="49" charset="0"/>
-                <a:cs typeface="Consolas" pitchFamily="49" charset="0"/>
-              </a:rPr>
-              <a:t>android.context.Context</a:t>
-            </a:r>
-            <a:endParaRPr lang="en-US" sz="1000" dirty="0">
-              <a:solidFill>
-                <a:srgbClr val="3F7F5F"/>
-              </a:solidFill>
-              <a:latin typeface="Consolas" pitchFamily="49" charset="0"/>
-              <a:cs typeface="Consolas" pitchFamily="49" charset="0"/>
-            </a:endParaRPr>
-          </a:p>
-          <a:p>
-            <a:pPr marL="0" indent="0">
-              <a:buNone/>
-            </a:pPr>
-            <a:r>
-              <a:rPr lang="en-US" sz="1000" dirty="0">
-                <a:solidFill>
-                  <a:srgbClr val="000000"/>
-                </a:solidFill>
-                <a:latin typeface="Consolas" pitchFamily="49" charset="0"/>
-                <a:cs typeface="Consolas" pitchFamily="49" charset="0"/>
-              </a:rPr>
-              <a:t>          </a:t>
-            </a:r>
-            <a:r>
-              <a:rPr lang="en-US" sz="1000" dirty="0" err="1">
-                <a:solidFill>
-                  <a:srgbClr val="000000"/>
-                </a:solidFill>
-                <a:highlight>
-                  <a:srgbClr val="D4D4D4"/>
-                </a:highlight>
-                <a:latin typeface="Consolas" pitchFamily="49" charset="0"/>
-                <a:cs typeface="Consolas" pitchFamily="49" charset="0"/>
-              </a:rPr>
-              <a:t>SharedPreferences</a:t>
-            </a:r>
-            <a:r>
-              <a:rPr lang="en-US" sz="1000" dirty="0">
-                <a:solidFill>
-                  <a:srgbClr val="000000"/>
-                </a:solidFill>
-                <a:highlight>
-                  <a:srgbClr val="D4D4D4"/>
-                </a:highlight>
-                <a:latin typeface="Consolas" pitchFamily="49" charset="0"/>
-                <a:cs typeface="Consolas" pitchFamily="49" charset="0"/>
-              </a:rPr>
-              <a:t> settings = </a:t>
-            </a:r>
-            <a:r>
-              <a:rPr lang="en-US" sz="1000" dirty="0" err="1">
-                <a:solidFill>
-                  <a:srgbClr val="000000"/>
-                </a:solidFill>
-                <a:highlight>
-                  <a:srgbClr val="D4D4D4"/>
-                </a:highlight>
-                <a:latin typeface="Consolas" pitchFamily="49" charset="0"/>
-                <a:cs typeface="Consolas" pitchFamily="49" charset="0"/>
-              </a:rPr>
-              <a:t>getSharedPreferences</a:t>
-            </a:r>
-            <a:r>
-              <a:rPr lang="en-US" sz="1000" dirty="0">
-                <a:solidFill>
-                  <a:srgbClr val="000000"/>
-                </a:solidFill>
-                <a:highlight>
-                  <a:srgbClr val="D4D4D4"/>
-                </a:highlight>
-                <a:latin typeface="Consolas" pitchFamily="49" charset="0"/>
-                <a:cs typeface="Consolas" pitchFamily="49" charset="0"/>
-              </a:rPr>
-              <a:t>(</a:t>
-            </a:r>
-            <a:r>
-              <a:rPr lang="en-US" sz="1000" i="1" dirty="0">
-                <a:solidFill>
-                  <a:srgbClr val="0000C0"/>
-                </a:solidFill>
-                <a:highlight>
-                  <a:srgbClr val="D4D4D4"/>
-                </a:highlight>
-                <a:latin typeface="Consolas" pitchFamily="49" charset="0"/>
-                <a:cs typeface="Consolas" pitchFamily="49" charset="0"/>
-              </a:rPr>
-              <a:t>PREFS_NAME</a:t>
-            </a:r>
-            <a:r>
-              <a:rPr lang="en-US" sz="1000" i="1" dirty="0">
-                <a:solidFill>
-                  <a:srgbClr val="000000"/>
-                </a:solidFill>
-                <a:highlight>
-                  <a:srgbClr val="D4D4D4"/>
-                </a:highlight>
-                <a:latin typeface="Consolas" pitchFamily="49" charset="0"/>
-                <a:cs typeface="Consolas" pitchFamily="49" charset="0"/>
-              </a:rPr>
-              <a:t>, 0);</a:t>
-            </a:r>
-          </a:p>
-          <a:p>
-            <a:pPr marL="0" indent="0">
-              <a:buNone/>
-            </a:pPr>
-            <a:r>
-              <a:rPr lang="en-US" sz="1000" dirty="0">
-                <a:solidFill>
-                  <a:srgbClr val="000000"/>
-                </a:solidFill>
-                <a:latin typeface="Consolas" pitchFamily="49" charset="0"/>
-                <a:cs typeface="Consolas" pitchFamily="49" charset="0"/>
-              </a:rPr>
-              <a:t>          </a:t>
-            </a:r>
-            <a:r>
-              <a:rPr lang="en-US" sz="1000" dirty="0" err="1">
-                <a:solidFill>
-                  <a:srgbClr val="000000"/>
-                </a:solidFill>
-                <a:highlight>
-                  <a:srgbClr val="D4D4D4"/>
-                </a:highlight>
-                <a:latin typeface="Consolas" pitchFamily="49" charset="0"/>
-                <a:cs typeface="Consolas" pitchFamily="49" charset="0"/>
-              </a:rPr>
-              <a:t>SharedPreferences.Editor</a:t>
-            </a:r>
-            <a:r>
-              <a:rPr lang="en-US" sz="1000" dirty="0">
-                <a:solidFill>
-                  <a:srgbClr val="000000"/>
-                </a:solidFill>
-                <a:highlight>
-                  <a:srgbClr val="D4D4D4"/>
-                </a:highlight>
-                <a:latin typeface="Consolas" pitchFamily="49" charset="0"/>
-                <a:cs typeface="Consolas" pitchFamily="49" charset="0"/>
-              </a:rPr>
-              <a:t> editor = </a:t>
-            </a:r>
-            <a:r>
-              <a:rPr lang="en-US" sz="1000" dirty="0" err="1">
-                <a:solidFill>
-                  <a:srgbClr val="000000"/>
-                </a:solidFill>
-                <a:highlight>
-                  <a:srgbClr val="D4D4D4"/>
-                </a:highlight>
-                <a:latin typeface="Consolas" pitchFamily="49" charset="0"/>
-                <a:cs typeface="Consolas" pitchFamily="49" charset="0"/>
-              </a:rPr>
-              <a:t>settings.edit</a:t>
-            </a:r>
-            <a:r>
-              <a:rPr lang="en-US" sz="1000" dirty="0">
-                <a:solidFill>
-                  <a:srgbClr val="000000"/>
-                </a:solidFill>
-                <a:highlight>
-                  <a:srgbClr val="D4D4D4"/>
-                </a:highlight>
-                <a:latin typeface="Consolas" pitchFamily="49" charset="0"/>
-                <a:cs typeface="Consolas" pitchFamily="49" charset="0"/>
-              </a:rPr>
-              <a:t>();</a:t>
-            </a:r>
-          </a:p>
-          <a:p>
-            <a:pPr marL="0" indent="0">
-              <a:buNone/>
-            </a:pPr>
-            <a:r>
-              <a:rPr lang="en-US" sz="1000" dirty="0">
-                <a:solidFill>
-                  <a:srgbClr val="000000"/>
-                </a:solidFill>
-                <a:latin typeface="Consolas" pitchFamily="49" charset="0"/>
-                <a:cs typeface="Consolas" pitchFamily="49" charset="0"/>
-              </a:rPr>
-              <a:t>          </a:t>
-            </a:r>
-            <a:r>
-              <a:rPr lang="en-US" sz="1000" dirty="0" err="1">
-                <a:solidFill>
-                  <a:srgbClr val="000000"/>
-                </a:solidFill>
-                <a:latin typeface="Consolas" pitchFamily="49" charset="0"/>
-                <a:cs typeface="Consolas" pitchFamily="49" charset="0"/>
-              </a:rPr>
-              <a:t>editor.putBoolean</a:t>
-            </a:r>
-            <a:r>
-              <a:rPr lang="en-US" sz="1000" dirty="0">
-                <a:solidFill>
-                  <a:srgbClr val="000000"/>
-                </a:solidFill>
-                <a:latin typeface="Consolas" pitchFamily="49" charset="0"/>
-                <a:cs typeface="Consolas" pitchFamily="49" charset="0"/>
-              </a:rPr>
-              <a:t>(</a:t>
-            </a:r>
-            <a:r>
-              <a:rPr lang="en-US" sz="1000" dirty="0">
-                <a:solidFill>
-                  <a:srgbClr val="2A00FF"/>
-                </a:solidFill>
-                <a:latin typeface="Consolas" pitchFamily="49" charset="0"/>
-                <a:cs typeface="Consolas" pitchFamily="49" charset="0"/>
-              </a:rPr>
-              <a:t>"</a:t>
-            </a:r>
-            <a:r>
-              <a:rPr lang="en-US" sz="1000" dirty="0" err="1">
-                <a:solidFill>
-                  <a:srgbClr val="2A00FF"/>
-                </a:solidFill>
-                <a:latin typeface="Consolas" pitchFamily="49" charset="0"/>
-                <a:cs typeface="Consolas" pitchFamily="49" charset="0"/>
-              </a:rPr>
-              <a:t>silentMode</a:t>
-            </a:r>
-            <a:r>
-              <a:rPr lang="en-US" sz="1000" dirty="0">
-                <a:solidFill>
-                  <a:srgbClr val="2A00FF"/>
-                </a:solidFill>
-                <a:latin typeface="Consolas" pitchFamily="49" charset="0"/>
-                <a:cs typeface="Consolas" pitchFamily="49" charset="0"/>
-              </a:rPr>
-              <a:t>"</a:t>
-            </a:r>
-            <a:r>
-              <a:rPr lang="en-US" sz="1000" dirty="0">
-                <a:solidFill>
-                  <a:srgbClr val="000000"/>
-                </a:solidFill>
-                <a:latin typeface="Consolas" pitchFamily="49" charset="0"/>
-                <a:cs typeface="Consolas" pitchFamily="49" charset="0"/>
-              </a:rPr>
-              <a:t>, </a:t>
-            </a:r>
-            <a:r>
-              <a:rPr lang="en-US" sz="1000" dirty="0" err="1">
-                <a:solidFill>
-                  <a:srgbClr val="000000"/>
-                </a:solidFill>
-                <a:latin typeface="Consolas" pitchFamily="49" charset="0"/>
-                <a:cs typeface="Consolas" pitchFamily="49" charset="0"/>
-              </a:rPr>
-              <a:t>mSilentMode</a:t>
-            </a:r>
-            <a:r>
-              <a:rPr lang="en-US" sz="1000" dirty="0">
-                <a:solidFill>
-                  <a:srgbClr val="000000"/>
-                </a:solidFill>
-                <a:latin typeface="Consolas" pitchFamily="49" charset="0"/>
-                <a:cs typeface="Consolas" pitchFamily="49" charset="0"/>
-              </a:rPr>
-              <a:t>);</a:t>
-            </a:r>
-          </a:p>
-          <a:p>
-            <a:pPr marL="0" indent="0">
-              <a:buNone/>
-            </a:pPr>
-            <a:endParaRPr lang="en-US" sz="1000" dirty="0">
-              <a:latin typeface="Consolas" pitchFamily="49" charset="0"/>
-              <a:cs typeface="Consolas" pitchFamily="49" charset="0"/>
-            </a:endParaRPr>
-          </a:p>
-          <a:p>
-            <a:pPr marL="0" indent="0">
-              <a:buNone/>
-            </a:pPr>
-            <a:r>
-              <a:rPr lang="en-US" sz="1000" dirty="0">
-                <a:solidFill>
-                  <a:srgbClr val="000000"/>
-                </a:solidFill>
-                <a:latin typeface="Consolas" pitchFamily="49" charset="0"/>
-                <a:cs typeface="Consolas" pitchFamily="49" charset="0"/>
-              </a:rPr>
-              <a:t>          </a:t>
-            </a:r>
-            <a:r>
-              <a:rPr lang="en-US" sz="1000" dirty="0">
-                <a:solidFill>
-                  <a:srgbClr val="3F7F5F"/>
-                </a:solidFill>
-                <a:latin typeface="Consolas" pitchFamily="49" charset="0"/>
-                <a:cs typeface="Consolas" pitchFamily="49" charset="0"/>
-              </a:rPr>
-              <a:t>// Commit the edits!</a:t>
-            </a:r>
-          </a:p>
-          <a:p>
-            <a:pPr marL="0" indent="0">
-              <a:buNone/>
-            </a:pPr>
-            <a:r>
-              <a:rPr lang="en-US" sz="1000" dirty="0">
-                <a:solidFill>
-                  <a:srgbClr val="000000"/>
-                </a:solidFill>
-                <a:latin typeface="Consolas" pitchFamily="49" charset="0"/>
-                <a:cs typeface="Consolas" pitchFamily="49" charset="0"/>
-              </a:rPr>
-              <a:t>          </a:t>
-            </a:r>
-            <a:r>
-              <a:rPr lang="en-US" sz="1000" dirty="0" err="1">
-                <a:solidFill>
-                  <a:srgbClr val="000000"/>
-                </a:solidFill>
-                <a:latin typeface="Consolas" pitchFamily="49" charset="0"/>
-                <a:cs typeface="Consolas" pitchFamily="49" charset="0"/>
-              </a:rPr>
-              <a:t>editor.commit</a:t>
-            </a:r>
-            <a:r>
-              <a:rPr lang="en-US" sz="1000" dirty="0">
-                <a:solidFill>
-                  <a:srgbClr val="000000"/>
-                </a:solidFill>
-                <a:latin typeface="Consolas" pitchFamily="49" charset="0"/>
-                <a:cs typeface="Consolas" pitchFamily="49" charset="0"/>
-              </a:rPr>
-              <a:t>();</a:t>
-            </a:r>
-          </a:p>
-          <a:p>
-            <a:pPr marL="0" indent="0">
-              <a:buNone/>
-            </a:pPr>
-            <a:r>
-              <a:rPr lang="en-US" sz="1000" dirty="0">
-                <a:solidFill>
-                  <a:srgbClr val="000000"/>
-                </a:solidFill>
-                <a:latin typeface="Consolas" pitchFamily="49" charset="0"/>
-                <a:cs typeface="Consolas" pitchFamily="49" charset="0"/>
-              </a:rPr>
-              <a:t>        }</a:t>
-            </a:r>
-          </a:p>
-          <a:p>
-            <a:pPr marL="0" indent="0">
-              <a:buNone/>
-            </a:pPr>
-            <a:r>
-              <a:rPr lang="en-US" sz="1000" dirty="0" smtClean="0">
-                <a:solidFill>
-                  <a:srgbClr val="000000"/>
-                </a:solidFill>
-                <a:latin typeface="Consolas" pitchFamily="49" charset="0"/>
-                <a:cs typeface="Consolas" pitchFamily="49" charset="0"/>
-              </a:rPr>
-              <a:t>}</a:t>
-            </a:r>
-            <a:endParaRPr lang="pl-PL" sz="1000" dirty="0" smtClean="0">
-              <a:latin typeface="Consolas" pitchFamily="49" charset="0"/>
-              <a:cs typeface="Consolas" pitchFamily="49" charset="0"/>
-            </a:endParaRPr>
+            <a:endParaRPr lang="pl-PL" dirty="0" smtClean="0"/>
           </a:p>
         </p:txBody>
       </p:sp>
     </p:spTree>
     <p:extLst>
       <p:ext uri="{BB962C8B-B14F-4D97-AF65-F5344CB8AC3E}">
-        <p14:creationId xmlns:p14="http://schemas.microsoft.com/office/powerpoint/2010/main" val="199421982"/>
+        <p14:creationId xmlns:p14="http://schemas.microsoft.com/office/powerpoint/2010/main" val="1417329467"/>
       </p:ext>
     </p:extLst>
   </p:cSld>
@@ -16814,61 +15653,1286 @@
           <a:bodyPr/>
           <a:lstStyle/>
           <a:p>
-            <a:pPr marL="0" indent="0" algn="ctr">
+            <a:pPr marL="0" indent="0">
               <a:buNone/>
             </a:pPr>
-            <a:endParaRPr lang="pl-PL" sz="5400" dirty="0" smtClean="0"/>
-          </a:p>
-          <a:p>
-            <a:pPr marL="0" indent="0" algn="ctr">
+            <a:r>
+              <a:rPr lang="pl-PL" dirty="0" smtClean="0"/>
+              <a:t>Shared Preferences - </a:t>
+            </a:r>
+            <a:r>
+              <a:rPr lang="pl-PL" dirty="0" smtClean="0"/>
+              <a:t>przykład</a:t>
+            </a:r>
+            <a:endParaRPr lang="pl-PL" dirty="0" smtClean="0"/>
+          </a:p>
+          <a:p>
+            <a:pPr marL="0" indent="0">
               <a:buNone/>
             </a:pPr>
-            <a:r>
-              <a:rPr lang="pl-PL" sz="5400" dirty="0" smtClean="0"/>
-              <a:t>Android Studio Time</a:t>
-            </a:r>
-          </a:p>
-          <a:p>
-            <a:pPr marL="0" indent="0" algn="ctr">
+            <a:endParaRPr lang="pl-PL" sz="1000" dirty="0" smtClean="0">
+              <a:solidFill>
+                <a:srgbClr val="7F0055"/>
+              </a:solidFill>
+              <a:latin typeface="Courier New" pitchFamily="49" charset="0"/>
+              <a:cs typeface="Courier New" pitchFamily="49" charset="0"/>
+            </a:endParaRPr>
+          </a:p>
+          <a:p>
+            <a:pPr marL="0" indent="0">
               <a:buNone/>
             </a:pPr>
-            <a:endParaRPr lang="pl-PL" sz="3600" dirty="0" smtClean="0"/>
-          </a:p>
-          <a:p>
-            <a:pPr marL="0" indent="0" algn="ctr">
+            <a:r>
+              <a:rPr lang="en-US" sz="1000" dirty="0" smtClean="0">
+                <a:solidFill>
+                  <a:srgbClr val="7F0055"/>
+                </a:solidFill>
+                <a:latin typeface="Consolas" pitchFamily="49" charset="0"/>
+                <a:cs typeface="Consolas" pitchFamily="49" charset="0"/>
+              </a:rPr>
+              <a:t>public</a:t>
+            </a:r>
+            <a:r>
+              <a:rPr lang="en-US" sz="1000" dirty="0" smtClean="0">
+                <a:solidFill>
+                  <a:srgbClr val="000000"/>
+                </a:solidFill>
+                <a:latin typeface="Consolas" pitchFamily="49" charset="0"/>
+                <a:cs typeface="Consolas" pitchFamily="49" charset="0"/>
+              </a:rPr>
+              <a:t> </a:t>
+            </a:r>
+            <a:r>
+              <a:rPr lang="en-US" sz="1000" dirty="0">
+                <a:solidFill>
+                  <a:srgbClr val="7F0055"/>
+                </a:solidFill>
+                <a:latin typeface="Consolas" pitchFamily="49" charset="0"/>
+                <a:cs typeface="Consolas" pitchFamily="49" charset="0"/>
+              </a:rPr>
+              <a:t>class</a:t>
+            </a:r>
+            <a:r>
+              <a:rPr lang="en-US" sz="1000" dirty="0">
+                <a:solidFill>
+                  <a:srgbClr val="000000"/>
+                </a:solidFill>
+                <a:latin typeface="Consolas" pitchFamily="49" charset="0"/>
+                <a:cs typeface="Consolas" pitchFamily="49" charset="0"/>
+              </a:rPr>
+              <a:t> </a:t>
+            </a:r>
+            <a:r>
+              <a:rPr lang="en-US" sz="1000" dirty="0" err="1">
+                <a:solidFill>
+                  <a:srgbClr val="000000"/>
+                </a:solidFill>
+                <a:latin typeface="Consolas" pitchFamily="49" charset="0"/>
+                <a:cs typeface="Consolas" pitchFamily="49" charset="0"/>
+              </a:rPr>
+              <a:t>Calc</a:t>
+            </a:r>
+            <a:r>
+              <a:rPr lang="en-US" sz="1000" dirty="0">
+                <a:solidFill>
+                  <a:srgbClr val="000000"/>
+                </a:solidFill>
+                <a:latin typeface="Consolas" pitchFamily="49" charset="0"/>
+                <a:cs typeface="Consolas" pitchFamily="49" charset="0"/>
+              </a:rPr>
+              <a:t> </a:t>
+            </a:r>
+            <a:r>
+              <a:rPr lang="en-US" sz="1000" dirty="0">
+                <a:solidFill>
+                  <a:srgbClr val="7F0055"/>
+                </a:solidFill>
+                <a:latin typeface="Consolas" pitchFamily="49" charset="0"/>
+                <a:cs typeface="Consolas" pitchFamily="49" charset="0"/>
+              </a:rPr>
+              <a:t>extends</a:t>
+            </a:r>
+            <a:r>
+              <a:rPr lang="en-US" sz="1000" dirty="0">
+                <a:solidFill>
+                  <a:srgbClr val="000000"/>
+                </a:solidFill>
+                <a:latin typeface="Consolas" pitchFamily="49" charset="0"/>
+                <a:cs typeface="Consolas" pitchFamily="49" charset="0"/>
+              </a:rPr>
+              <a:t> Activity {</a:t>
+            </a:r>
+          </a:p>
+          <a:p>
+            <a:pPr marL="0" indent="0">
               <a:buNone/>
             </a:pPr>
             <a:r>
-              <a:rPr lang="pl-PL" sz="3600" dirty="0" smtClean="0"/>
-              <a:t>Zadanie 4</a:t>
-            </a:r>
-          </a:p>
-          <a:p>
-            <a:pPr marL="0" indent="0" algn="ctr">
+              <a:rPr lang="en-US" sz="1000" dirty="0">
+                <a:solidFill>
+                  <a:srgbClr val="000000"/>
+                </a:solidFill>
+                <a:latin typeface="Consolas" pitchFamily="49" charset="0"/>
+                <a:cs typeface="Consolas" pitchFamily="49" charset="0"/>
+              </a:rPr>
+              <a:t>        </a:t>
+            </a:r>
+            <a:r>
+              <a:rPr lang="en-US" sz="1000" dirty="0">
+                <a:solidFill>
+                  <a:srgbClr val="7F0055"/>
+                </a:solidFill>
+                <a:latin typeface="Consolas" pitchFamily="49" charset="0"/>
+                <a:cs typeface="Consolas" pitchFamily="49" charset="0"/>
+              </a:rPr>
+              <a:t>public</a:t>
+            </a:r>
+            <a:r>
+              <a:rPr lang="en-US" sz="1000" dirty="0">
+                <a:solidFill>
+                  <a:srgbClr val="000000"/>
+                </a:solidFill>
+                <a:latin typeface="Consolas" pitchFamily="49" charset="0"/>
+                <a:cs typeface="Consolas" pitchFamily="49" charset="0"/>
+              </a:rPr>
+              <a:t> </a:t>
+            </a:r>
+            <a:r>
+              <a:rPr lang="en-US" sz="1000" dirty="0">
+                <a:solidFill>
+                  <a:srgbClr val="7F0055"/>
+                </a:solidFill>
+                <a:latin typeface="Consolas" pitchFamily="49" charset="0"/>
+                <a:cs typeface="Consolas" pitchFamily="49" charset="0"/>
+              </a:rPr>
+              <a:t>static</a:t>
+            </a:r>
+            <a:r>
+              <a:rPr lang="en-US" sz="1000" dirty="0">
+                <a:solidFill>
+                  <a:srgbClr val="000000"/>
+                </a:solidFill>
+                <a:latin typeface="Consolas" pitchFamily="49" charset="0"/>
+                <a:cs typeface="Consolas" pitchFamily="49" charset="0"/>
+              </a:rPr>
+              <a:t> </a:t>
+            </a:r>
+            <a:r>
+              <a:rPr lang="en-US" sz="1000" dirty="0">
+                <a:solidFill>
+                  <a:srgbClr val="7F0055"/>
+                </a:solidFill>
+                <a:latin typeface="Consolas" pitchFamily="49" charset="0"/>
+                <a:cs typeface="Consolas" pitchFamily="49" charset="0"/>
+              </a:rPr>
+              <a:t>final</a:t>
+            </a:r>
+            <a:r>
+              <a:rPr lang="en-US" sz="1000" dirty="0">
+                <a:solidFill>
+                  <a:srgbClr val="000000"/>
+                </a:solidFill>
+                <a:latin typeface="Consolas" pitchFamily="49" charset="0"/>
+                <a:cs typeface="Consolas" pitchFamily="49" charset="0"/>
+              </a:rPr>
+              <a:t> String </a:t>
+            </a:r>
+            <a:r>
+              <a:rPr lang="en-US" sz="1000" i="1" dirty="0">
+                <a:solidFill>
+                  <a:srgbClr val="0000C0"/>
+                </a:solidFill>
+                <a:latin typeface="Consolas" pitchFamily="49" charset="0"/>
+                <a:cs typeface="Consolas" pitchFamily="49" charset="0"/>
+              </a:rPr>
+              <a:t>PREFS_NAME</a:t>
+            </a:r>
+            <a:r>
+              <a:rPr lang="en-US" sz="1000" i="1" dirty="0">
+                <a:solidFill>
+                  <a:srgbClr val="000000"/>
+                </a:solidFill>
+                <a:latin typeface="Consolas" pitchFamily="49" charset="0"/>
+                <a:cs typeface="Consolas" pitchFamily="49" charset="0"/>
+              </a:rPr>
+              <a:t> = </a:t>
+            </a:r>
+            <a:r>
+              <a:rPr lang="en-US" sz="1000" i="1" dirty="0">
+                <a:solidFill>
+                  <a:srgbClr val="2A00FF"/>
+                </a:solidFill>
+                <a:latin typeface="Consolas" pitchFamily="49" charset="0"/>
+                <a:cs typeface="Consolas" pitchFamily="49" charset="0"/>
+              </a:rPr>
+              <a:t>"</a:t>
+            </a:r>
+            <a:r>
+              <a:rPr lang="en-US" sz="1000" i="1" dirty="0" err="1">
+                <a:solidFill>
+                  <a:srgbClr val="2A00FF"/>
+                </a:solidFill>
+                <a:latin typeface="Consolas" pitchFamily="49" charset="0"/>
+                <a:cs typeface="Consolas" pitchFamily="49" charset="0"/>
+              </a:rPr>
+              <a:t>MyPrefsFile</a:t>
+            </a:r>
+            <a:r>
+              <a:rPr lang="en-US" sz="1000" i="1" dirty="0">
+                <a:solidFill>
+                  <a:srgbClr val="2A00FF"/>
+                </a:solidFill>
+                <a:latin typeface="Consolas" pitchFamily="49" charset="0"/>
+                <a:cs typeface="Consolas" pitchFamily="49" charset="0"/>
+              </a:rPr>
+              <a:t>"</a:t>
+            </a:r>
+            <a:r>
+              <a:rPr lang="en-US" sz="1000" i="1" dirty="0">
+                <a:solidFill>
+                  <a:srgbClr val="000000"/>
+                </a:solidFill>
+                <a:latin typeface="Consolas" pitchFamily="49" charset="0"/>
+                <a:cs typeface="Consolas" pitchFamily="49" charset="0"/>
+              </a:rPr>
+              <a:t>;</a:t>
+            </a:r>
+          </a:p>
+          <a:p>
+            <a:pPr marL="0" indent="0">
               <a:buNone/>
             </a:pPr>
-            <a:endParaRPr lang="pl-PL" sz="3600" dirty="0"/>
-          </a:p>
-          <a:p>
-            <a:pPr marL="0" indent="0" algn="ctr">
+            <a:endParaRPr lang="en-US" sz="1000" dirty="0">
+              <a:latin typeface="Consolas" pitchFamily="49" charset="0"/>
+              <a:cs typeface="Consolas" pitchFamily="49" charset="0"/>
+            </a:endParaRPr>
+          </a:p>
+          <a:p>
+            <a:pPr marL="0" indent="0">
               <a:buNone/>
             </a:pPr>
             <a:r>
-              <a:rPr lang="pl-PL" sz="3600" dirty="0" smtClean="0"/>
-              <a:t>Zapis kursu waluty w </a:t>
-            </a:r>
-            <a:r>
-              <a:rPr lang="pl-PL" sz="3600" dirty="0" err="1" smtClean="0"/>
+              <a:rPr lang="en-US" sz="1000" dirty="0">
+                <a:solidFill>
+                  <a:srgbClr val="000000"/>
+                </a:solidFill>
+                <a:latin typeface="Consolas" pitchFamily="49" charset="0"/>
+                <a:cs typeface="Consolas" pitchFamily="49" charset="0"/>
+              </a:rPr>
+              <a:t>        </a:t>
+            </a:r>
+            <a:r>
+              <a:rPr lang="en-US" sz="1000" dirty="0">
+                <a:solidFill>
+                  <a:srgbClr val="646464"/>
+                </a:solidFill>
+                <a:latin typeface="Consolas" pitchFamily="49" charset="0"/>
+                <a:cs typeface="Consolas" pitchFamily="49" charset="0"/>
+              </a:rPr>
+              <a:t>@</a:t>
+            </a:r>
+            <a:r>
+              <a:rPr lang="en-US" sz="1000" dirty="0">
+                <a:solidFill>
+                  <a:srgbClr val="000000"/>
+                </a:solidFill>
+                <a:latin typeface="Consolas" pitchFamily="49" charset="0"/>
+                <a:cs typeface="Consolas" pitchFamily="49" charset="0"/>
+              </a:rPr>
+              <a:t>Override</a:t>
+            </a:r>
+          </a:p>
+          <a:p>
+            <a:pPr marL="0" indent="0">
+              <a:buNone/>
+            </a:pPr>
+            <a:r>
+              <a:rPr lang="en-US" sz="1000" dirty="0">
+                <a:solidFill>
+                  <a:srgbClr val="000000"/>
+                </a:solidFill>
+                <a:latin typeface="Consolas" pitchFamily="49" charset="0"/>
+                <a:cs typeface="Consolas" pitchFamily="49" charset="0"/>
+              </a:rPr>
+              <a:t>        </a:t>
+            </a:r>
+            <a:r>
+              <a:rPr lang="en-US" sz="1000" dirty="0">
+                <a:solidFill>
+                  <a:srgbClr val="7F0055"/>
+                </a:solidFill>
+                <a:latin typeface="Consolas" pitchFamily="49" charset="0"/>
+                <a:cs typeface="Consolas" pitchFamily="49" charset="0"/>
+              </a:rPr>
+              <a:t>protected</a:t>
+            </a:r>
+            <a:r>
+              <a:rPr lang="en-US" sz="1000" dirty="0">
+                <a:solidFill>
+                  <a:srgbClr val="000000"/>
+                </a:solidFill>
+                <a:latin typeface="Consolas" pitchFamily="49" charset="0"/>
+                <a:cs typeface="Consolas" pitchFamily="49" charset="0"/>
+              </a:rPr>
+              <a:t> </a:t>
+            </a:r>
+            <a:r>
+              <a:rPr lang="en-US" sz="1000" dirty="0">
+                <a:solidFill>
+                  <a:srgbClr val="7F0055"/>
+                </a:solidFill>
+                <a:latin typeface="Consolas" pitchFamily="49" charset="0"/>
+                <a:cs typeface="Consolas" pitchFamily="49" charset="0"/>
+              </a:rPr>
+              <a:t>void</a:t>
+            </a:r>
+            <a:r>
+              <a:rPr lang="en-US" sz="1000" dirty="0">
+                <a:solidFill>
+                  <a:srgbClr val="000000"/>
+                </a:solidFill>
+                <a:latin typeface="Consolas" pitchFamily="49" charset="0"/>
+                <a:cs typeface="Consolas" pitchFamily="49" charset="0"/>
+              </a:rPr>
+              <a:t> </a:t>
+            </a:r>
+            <a:r>
+              <a:rPr lang="en-US" sz="1000" dirty="0" err="1">
+                <a:solidFill>
+                  <a:srgbClr val="000000"/>
+                </a:solidFill>
+                <a:latin typeface="Consolas" pitchFamily="49" charset="0"/>
+                <a:cs typeface="Consolas" pitchFamily="49" charset="0"/>
+              </a:rPr>
+              <a:t>onCreate</a:t>
+            </a:r>
+            <a:r>
+              <a:rPr lang="en-US" sz="1000" dirty="0">
+                <a:solidFill>
+                  <a:srgbClr val="000000"/>
+                </a:solidFill>
+                <a:latin typeface="Consolas" pitchFamily="49" charset="0"/>
+                <a:cs typeface="Consolas" pitchFamily="49" charset="0"/>
+              </a:rPr>
+              <a:t>(Bundle state){</a:t>
+            </a:r>
+          </a:p>
+          <a:p>
+            <a:pPr marL="0" indent="0">
+              <a:buNone/>
+            </a:pPr>
+            <a:r>
+              <a:rPr lang="en-US" sz="1000" dirty="0">
+                <a:solidFill>
+                  <a:srgbClr val="000000"/>
+                </a:solidFill>
+                <a:latin typeface="Consolas" pitchFamily="49" charset="0"/>
+                <a:cs typeface="Consolas" pitchFamily="49" charset="0"/>
+              </a:rPr>
+              <a:t>           </a:t>
+            </a:r>
+            <a:r>
+              <a:rPr lang="en-US" sz="1000" dirty="0" err="1">
+                <a:solidFill>
+                  <a:srgbClr val="7F0055"/>
+                </a:solidFill>
+                <a:latin typeface="Consolas" pitchFamily="49" charset="0"/>
+                <a:cs typeface="Consolas" pitchFamily="49" charset="0"/>
+              </a:rPr>
+              <a:t>super</a:t>
+            </a:r>
+            <a:r>
+              <a:rPr lang="en-US" sz="1000" dirty="0" err="1">
+                <a:solidFill>
+                  <a:srgbClr val="000000"/>
+                </a:solidFill>
+                <a:latin typeface="Consolas" pitchFamily="49" charset="0"/>
+                <a:cs typeface="Consolas" pitchFamily="49" charset="0"/>
+              </a:rPr>
+              <a:t>.onCreate</a:t>
+            </a:r>
+            <a:r>
+              <a:rPr lang="en-US" sz="1000" dirty="0">
+                <a:solidFill>
+                  <a:srgbClr val="000000"/>
+                </a:solidFill>
+                <a:latin typeface="Consolas" pitchFamily="49" charset="0"/>
+                <a:cs typeface="Consolas" pitchFamily="49" charset="0"/>
+              </a:rPr>
+              <a:t>(state);</a:t>
+            </a:r>
+          </a:p>
+          <a:p>
+            <a:pPr marL="0" indent="0">
+              <a:buNone/>
+            </a:pPr>
+            <a:r>
+              <a:rPr lang="pl-PL" sz="1000" dirty="0">
+                <a:solidFill>
+                  <a:srgbClr val="3F7F5F"/>
+                </a:solidFill>
+                <a:latin typeface="Consolas" pitchFamily="49" charset="0"/>
+                <a:cs typeface="Consolas" pitchFamily="49" charset="0"/>
+              </a:rPr>
+              <a:t> </a:t>
+            </a:r>
+            <a:r>
+              <a:rPr lang="pl-PL" sz="1000" dirty="0" smtClean="0">
+                <a:solidFill>
+                  <a:srgbClr val="3F7F5F"/>
+                </a:solidFill>
+                <a:latin typeface="Consolas" pitchFamily="49" charset="0"/>
+                <a:cs typeface="Consolas" pitchFamily="49" charset="0"/>
+              </a:rPr>
+              <a:t>          </a:t>
+            </a:r>
+            <a:r>
+              <a:rPr lang="en-US" sz="1000" dirty="0" smtClean="0">
+                <a:solidFill>
+                  <a:srgbClr val="3F7F5F"/>
+                </a:solidFill>
+                <a:latin typeface="Consolas" pitchFamily="49" charset="0"/>
+                <a:cs typeface="Consolas" pitchFamily="49" charset="0"/>
+              </a:rPr>
+              <a:t>// </a:t>
+            </a:r>
+            <a:r>
+              <a:rPr lang="en-US" sz="1000" dirty="0">
+                <a:solidFill>
+                  <a:srgbClr val="3F7F5F"/>
+                </a:solidFill>
+                <a:latin typeface="Consolas" pitchFamily="49" charset="0"/>
+                <a:cs typeface="Consolas" pitchFamily="49" charset="0"/>
+              </a:rPr>
+              <a:t>Restore preferences</a:t>
+            </a:r>
+          </a:p>
+          <a:p>
+            <a:pPr marL="0" indent="0">
+              <a:buNone/>
+            </a:pPr>
+            <a:r>
+              <a:rPr lang="en-US" sz="1000" dirty="0">
+                <a:solidFill>
+                  <a:srgbClr val="000000"/>
+                </a:solidFill>
+                <a:latin typeface="Consolas" pitchFamily="49" charset="0"/>
+                <a:cs typeface="Consolas" pitchFamily="49" charset="0"/>
+              </a:rPr>
+              <a:t>           </a:t>
+            </a:r>
+            <a:r>
+              <a:rPr lang="en-US" sz="1000" dirty="0" err="1">
+                <a:solidFill>
+                  <a:srgbClr val="000000"/>
+                </a:solidFill>
+                <a:highlight>
+                  <a:srgbClr val="D4D4D4"/>
+                </a:highlight>
+                <a:latin typeface="Consolas" pitchFamily="49" charset="0"/>
+                <a:cs typeface="Consolas" pitchFamily="49" charset="0"/>
+              </a:rPr>
               <a:t>SharedPreferences</a:t>
             </a:r>
-            <a:endParaRPr lang="pl-PL" sz="2800" dirty="0" smtClean="0"/>
+            <a:r>
+              <a:rPr lang="en-US" sz="1000" dirty="0">
+                <a:solidFill>
+                  <a:srgbClr val="000000"/>
+                </a:solidFill>
+                <a:highlight>
+                  <a:srgbClr val="D4D4D4"/>
+                </a:highlight>
+                <a:latin typeface="Consolas" pitchFamily="49" charset="0"/>
+                <a:cs typeface="Consolas" pitchFamily="49" charset="0"/>
+              </a:rPr>
+              <a:t> settings = </a:t>
+            </a:r>
+            <a:r>
+              <a:rPr lang="en-US" sz="1000" dirty="0" err="1">
+                <a:solidFill>
+                  <a:srgbClr val="000000"/>
+                </a:solidFill>
+                <a:highlight>
+                  <a:srgbClr val="D4D4D4"/>
+                </a:highlight>
+                <a:latin typeface="Consolas" pitchFamily="49" charset="0"/>
+                <a:cs typeface="Consolas" pitchFamily="49" charset="0"/>
+              </a:rPr>
+              <a:t>getSharedPreferences</a:t>
+            </a:r>
+            <a:r>
+              <a:rPr lang="en-US" sz="1000" dirty="0">
+                <a:solidFill>
+                  <a:srgbClr val="000000"/>
+                </a:solidFill>
+                <a:highlight>
+                  <a:srgbClr val="D4D4D4"/>
+                </a:highlight>
+                <a:latin typeface="Consolas" pitchFamily="49" charset="0"/>
+                <a:cs typeface="Consolas" pitchFamily="49" charset="0"/>
+              </a:rPr>
+              <a:t>(PREFS_NAME, 0);</a:t>
+            </a:r>
+          </a:p>
+          <a:p>
+            <a:pPr marL="0" indent="0">
+              <a:buNone/>
+            </a:pPr>
+            <a:r>
+              <a:rPr lang="en-US" sz="1000" dirty="0">
+                <a:solidFill>
+                  <a:srgbClr val="000000"/>
+                </a:solidFill>
+                <a:latin typeface="Consolas" pitchFamily="49" charset="0"/>
+                <a:cs typeface="Consolas" pitchFamily="49" charset="0"/>
+              </a:rPr>
+              <a:t>           </a:t>
+            </a:r>
+            <a:r>
+              <a:rPr lang="en-US" sz="1000" dirty="0" err="1">
+                <a:solidFill>
+                  <a:srgbClr val="7F0055"/>
+                </a:solidFill>
+                <a:latin typeface="Consolas" pitchFamily="49" charset="0"/>
+                <a:cs typeface="Consolas" pitchFamily="49" charset="0"/>
+              </a:rPr>
+              <a:t>boolean</a:t>
+            </a:r>
+            <a:r>
+              <a:rPr lang="en-US" sz="1000" dirty="0">
+                <a:solidFill>
+                  <a:srgbClr val="000000"/>
+                </a:solidFill>
+                <a:latin typeface="Consolas" pitchFamily="49" charset="0"/>
+                <a:cs typeface="Consolas" pitchFamily="49" charset="0"/>
+              </a:rPr>
+              <a:t> silent = </a:t>
+            </a:r>
+            <a:r>
+              <a:rPr lang="en-US" sz="1000" dirty="0" err="1">
+                <a:solidFill>
+                  <a:srgbClr val="000000"/>
+                </a:solidFill>
+                <a:latin typeface="Consolas" pitchFamily="49" charset="0"/>
+                <a:cs typeface="Consolas" pitchFamily="49" charset="0"/>
+              </a:rPr>
+              <a:t>settings.getBoolean</a:t>
+            </a:r>
+            <a:r>
+              <a:rPr lang="en-US" sz="1000" dirty="0">
+                <a:solidFill>
+                  <a:srgbClr val="000000"/>
+                </a:solidFill>
+                <a:latin typeface="Consolas" pitchFamily="49" charset="0"/>
+                <a:cs typeface="Consolas" pitchFamily="49" charset="0"/>
+              </a:rPr>
+              <a:t>(</a:t>
+            </a:r>
+            <a:r>
+              <a:rPr lang="en-US" sz="1000" dirty="0">
+                <a:solidFill>
+                  <a:srgbClr val="2A00FF"/>
+                </a:solidFill>
+                <a:latin typeface="Consolas" pitchFamily="49" charset="0"/>
+                <a:cs typeface="Consolas" pitchFamily="49" charset="0"/>
+              </a:rPr>
+              <a:t>"</a:t>
+            </a:r>
+            <a:r>
+              <a:rPr lang="en-US" sz="1000" dirty="0" err="1">
+                <a:solidFill>
+                  <a:srgbClr val="2A00FF"/>
+                </a:solidFill>
+                <a:latin typeface="Consolas" pitchFamily="49" charset="0"/>
+                <a:cs typeface="Consolas" pitchFamily="49" charset="0"/>
+              </a:rPr>
+              <a:t>silentMode</a:t>
+            </a:r>
+            <a:r>
+              <a:rPr lang="en-US" sz="1000" dirty="0">
+                <a:solidFill>
+                  <a:srgbClr val="2A00FF"/>
+                </a:solidFill>
+                <a:latin typeface="Consolas" pitchFamily="49" charset="0"/>
+                <a:cs typeface="Consolas" pitchFamily="49" charset="0"/>
+              </a:rPr>
+              <a:t>"</a:t>
+            </a:r>
+            <a:r>
+              <a:rPr lang="en-US" sz="1000" dirty="0">
+                <a:solidFill>
+                  <a:srgbClr val="000000"/>
+                </a:solidFill>
+                <a:latin typeface="Consolas" pitchFamily="49" charset="0"/>
+                <a:cs typeface="Consolas" pitchFamily="49" charset="0"/>
+              </a:rPr>
+              <a:t>, </a:t>
+            </a:r>
+            <a:r>
+              <a:rPr lang="en-US" sz="1000" dirty="0">
+                <a:solidFill>
+                  <a:srgbClr val="7F0055"/>
+                </a:solidFill>
+                <a:latin typeface="Consolas" pitchFamily="49" charset="0"/>
+                <a:cs typeface="Consolas" pitchFamily="49" charset="0"/>
+              </a:rPr>
+              <a:t>false</a:t>
+            </a:r>
+            <a:r>
+              <a:rPr lang="en-US" sz="1000" dirty="0">
+                <a:solidFill>
+                  <a:srgbClr val="000000"/>
+                </a:solidFill>
+                <a:latin typeface="Consolas" pitchFamily="49" charset="0"/>
+                <a:cs typeface="Consolas" pitchFamily="49" charset="0"/>
+              </a:rPr>
+              <a:t>);</a:t>
+            </a:r>
+          </a:p>
+          <a:p>
+            <a:pPr marL="0" indent="0">
+              <a:buNone/>
+            </a:pPr>
+            <a:r>
+              <a:rPr lang="en-US" sz="1000" dirty="0">
+                <a:solidFill>
+                  <a:srgbClr val="000000"/>
+                </a:solidFill>
+                <a:latin typeface="Consolas" pitchFamily="49" charset="0"/>
+                <a:cs typeface="Consolas" pitchFamily="49" charset="0"/>
+              </a:rPr>
+              <a:t>           </a:t>
+            </a:r>
+            <a:r>
+              <a:rPr lang="en-US" sz="1000" dirty="0" err="1">
+                <a:solidFill>
+                  <a:srgbClr val="000000"/>
+                </a:solidFill>
+                <a:latin typeface="Consolas" pitchFamily="49" charset="0"/>
+                <a:cs typeface="Consolas" pitchFamily="49" charset="0"/>
+              </a:rPr>
+              <a:t>setSilent</a:t>
+            </a:r>
+            <a:r>
+              <a:rPr lang="en-US" sz="1000" dirty="0">
+                <a:solidFill>
+                  <a:srgbClr val="000000"/>
+                </a:solidFill>
+                <a:latin typeface="Consolas" pitchFamily="49" charset="0"/>
+                <a:cs typeface="Consolas" pitchFamily="49" charset="0"/>
+              </a:rPr>
+              <a:t>(silent);</a:t>
+            </a:r>
+          </a:p>
+          <a:p>
+            <a:pPr marL="0" indent="0">
+              <a:buNone/>
+            </a:pPr>
+            <a:r>
+              <a:rPr lang="en-US" sz="1000" dirty="0">
+                <a:solidFill>
+                  <a:srgbClr val="000000"/>
+                </a:solidFill>
+                <a:latin typeface="Consolas" pitchFamily="49" charset="0"/>
+                <a:cs typeface="Consolas" pitchFamily="49" charset="0"/>
+              </a:rPr>
+              <a:t>        }</a:t>
+            </a:r>
+          </a:p>
+          <a:p>
+            <a:pPr marL="0" indent="0">
+              <a:buNone/>
+            </a:pPr>
+            <a:endParaRPr lang="en-US" sz="1000" dirty="0">
+              <a:latin typeface="Consolas" pitchFamily="49" charset="0"/>
+              <a:cs typeface="Consolas" pitchFamily="49" charset="0"/>
+            </a:endParaRPr>
+          </a:p>
+          <a:p>
+            <a:pPr marL="0" indent="0">
+              <a:buNone/>
+            </a:pPr>
+            <a:r>
+              <a:rPr lang="en-US" sz="1000" dirty="0">
+                <a:solidFill>
+                  <a:srgbClr val="000000"/>
+                </a:solidFill>
+                <a:latin typeface="Consolas" pitchFamily="49" charset="0"/>
+                <a:cs typeface="Consolas" pitchFamily="49" charset="0"/>
+              </a:rPr>
+              <a:t>        </a:t>
+            </a:r>
+            <a:r>
+              <a:rPr lang="en-US" sz="1000" dirty="0">
+                <a:solidFill>
+                  <a:srgbClr val="646464"/>
+                </a:solidFill>
+                <a:latin typeface="Consolas" pitchFamily="49" charset="0"/>
+                <a:cs typeface="Consolas" pitchFamily="49" charset="0"/>
+              </a:rPr>
+              <a:t>@Override</a:t>
+            </a:r>
+          </a:p>
+          <a:p>
+            <a:pPr marL="0" indent="0">
+              <a:buNone/>
+            </a:pPr>
+            <a:r>
+              <a:rPr lang="en-US" sz="1000" dirty="0">
+                <a:solidFill>
+                  <a:srgbClr val="000000"/>
+                </a:solidFill>
+                <a:latin typeface="Consolas" pitchFamily="49" charset="0"/>
+                <a:cs typeface="Consolas" pitchFamily="49" charset="0"/>
+              </a:rPr>
+              <a:t>        </a:t>
+            </a:r>
+            <a:r>
+              <a:rPr lang="en-US" sz="1000" dirty="0">
+                <a:solidFill>
+                  <a:srgbClr val="7F0055"/>
+                </a:solidFill>
+                <a:latin typeface="Consolas" pitchFamily="49" charset="0"/>
+                <a:cs typeface="Consolas" pitchFamily="49" charset="0"/>
+              </a:rPr>
+              <a:t>protected</a:t>
+            </a:r>
+            <a:r>
+              <a:rPr lang="en-US" sz="1000" dirty="0">
+                <a:solidFill>
+                  <a:srgbClr val="000000"/>
+                </a:solidFill>
+                <a:latin typeface="Consolas" pitchFamily="49" charset="0"/>
+                <a:cs typeface="Consolas" pitchFamily="49" charset="0"/>
+              </a:rPr>
+              <a:t> </a:t>
+            </a:r>
+            <a:r>
+              <a:rPr lang="en-US" sz="1000" dirty="0">
+                <a:solidFill>
+                  <a:srgbClr val="7F0055"/>
+                </a:solidFill>
+                <a:latin typeface="Consolas" pitchFamily="49" charset="0"/>
+                <a:cs typeface="Consolas" pitchFamily="49" charset="0"/>
+              </a:rPr>
+              <a:t>void</a:t>
+            </a:r>
+            <a:r>
+              <a:rPr lang="en-US" sz="1000" dirty="0">
+                <a:solidFill>
+                  <a:srgbClr val="000000"/>
+                </a:solidFill>
+                <a:latin typeface="Consolas" pitchFamily="49" charset="0"/>
+                <a:cs typeface="Consolas" pitchFamily="49" charset="0"/>
+              </a:rPr>
+              <a:t> </a:t>
+            </a:r>
+            <a:r>
+              <a:rPr lang="en-US" sz="1000" dirty="0" err="1">
+                <a:solidFill>
+                  <a:srgbClr val="000000"/>
+                </a:solidFill>
+                <a:latin typeface="Consolas" pitchFamily="49" charset="0"/>
+                <a:cs typeface="Consolas" pitchFamily="49" charset="0"/>
+              </a:rPr>
+              <a:t>onStop</a:t>
+            </a:r>
+            <a:r>
+              <a:rPr lang="en-US" sz="1000" dirty="0">
+                <a:solidFill>
+                  <a:srgbClr val="000000"/>
+                </a:solidFill>
+                <a:latin typeface="Consolas" pitchFamily="49" charset="0"/>
+                <a:cs typeface="Consolas" pitchFamily="49" charset="0"/>
+              </a:rPr>
+              <a:t>(){</a:t>
+            </a:r>
+          </a:p>
+          <a:p>
+            <a:pPr marL="0" indent="0">
+              <a:buNone/>
+            </a:pPr>
+            <a:r>
+              <a:rPr lang="en-US" sz="1000" dirty="0">
+                <a:solidFill>
+                  <a:srgbClr val="000000"/>
+                </a:solidFill>
+                <a:latin typeface="Consolas" pitchFamily="49" charset="0"/>
+                <a:cs typeface="Consolas" pitchFamily="49" charset="0"/>
+              </a:rPr>
+              <a:t>           </a:t>
+            </a:r>
+            <a:r>
+              <a:rPr lang="en-US" sz="1000" dirty="0" err="1">
+                <a:solidFill>
+                  <a:srgbClr val="7F0055"/>
+                </a:solidFill>
+                <a:latin typeface="Consolas" pitchFamily="49" charset="0"/>
+                <a:cs typeface="Consolas" pitchFamily="49" charset="0"/>
+              </a:rPr>
+              <a:t>super</a:t>
+            </a:r>
+            <a:r>
+              <a:rPr lang="en-US" sz="1000" dirty="0" err="1">
+                <a:solidFill>
+                  <a:srgbClr val="000000"/>
+                </a:solidFill>
+                <a:latin typeface="Consolas" pitchFamily="49" charset="0"/>
+                <a:cs typeface="Consolas" pitchFamily="49" charset="0"/>
+              </a:rPr>
+              <a:t>.onStop</a:t>
+            </a:r>
+            <a:r>
+              <a:rPr lang="en-US" sz="1000" dirty="0">
+                <a:solidFill>
+                  <a:srgbClr val="000000"/>
+                </a:solidFill>
+                <a:latin typeface="Consolas" pitchFamily="49" charset="0"/>
+                <a:cs typeface="Consolas" pitchFamily="49" charset="0"/>
+              </a:rPr>
+              <a:t>();</a:t>
+            </a:r>
+          </a:p>
+          <a:p>
+            <a:pPr marL="0" indent="0">
+              <a:buNone/>
+            </a:pPr>
+            <a:endParaRPr lang="en-US" sz="1000" dirty="0">
+              <a:latin typeface="Consolas" pitchFamily="49" charset="0"/>
+              <a:cs typeface="Consolas" pitchFamily="49" charset="0"/>
+            </a:endParaRPr>
+          </a:p>
+          <a:p>
+            <a:pPr marL="0" indent="0">
+              <a:buNone/>
+            </a:pPr>
+            <a:r>
+              <a:rPr lang="en-US" sz="1000" dirty="0">
+                <a:solidFill>
+                  <a:srgbClr val="000000"/>
+                </a:solidFill>
+                <a:latin typeface="Consolas" pitchFamily="49" charset="0"/>
+                <a:cs typeface="Consolas" pitchFamily="49" charset="0"/>
+              </a:rPr>
+              <a:t>          </a:t>
+            </a:r>
+            <a:r>
+              <a:rPr lang="en-US" sz="1000" dirty="0">
+                <a:solidFill>
+                  <a:srgbClr val="3F7F5F"/>
+                </a:solidFill>
+                <a:latin typeface="Consolas" pitchFamily="49" charset="0"/>
+                <a:cs typeface="Consolas" pitchFamily="49" charset="0"/>
+              </a:rPr>
+              <a:t>// We need an Editor object to make preference changes.</a:t>
+            </a:r>
+          </a:p>
+          <a:p>
+            <a:pPr marL="0" indent="0">
+              <a:buNone/>
+            </a:pPr>
+            <a:r>
+              <a:rPr lang="en-US" sz="1000" dirty="0">
+                <a:solidFill>
+                  <a:srgbClr val="000000"/>
+                </a:solidFill>
+                <a:latin typeface="Consolas" pitchFamily="49" charset="0"/>
+                <a:cs typeface="Consolas" pitchFamily="49" charset="0"/>
+              </a:rPr>
+              <a:t>          </a:t>
+            </a:r>
+            <a:r>
+              <a:rPr lang="en-US" sz="1000" dirty="0">
+                <a:solidFill>
+                  <a:srgbClr val="3F7F5F"/>
+                </a:solidFill>
+                <a:latin typeface="Consolas" pitchFamily="49" charset="0"/>
+                <a:cs typeface="Consolas" pitchFamily="49" charset="0"/>
+              </a:rPr>
+              <a:t>// All objects are from </a:t>
+            </a:r>
+            <a:r>
+              <a:rPr lang="en-US" sz="1000" dirty="0" err="1">
+                <a:solidFill>
+                  <a:srgbClr val="3F7F5F"/>
+                </a:solidFill>
+                <a:latin typeface="Consolas" pitchFamily="49" charset="0"/>
+                <a:cs typeface="Consolas" pitchFamily="49" charset="0"/>
+              </a:rPr>
+              <a:t>android.context.Context</a:t>
+            </a:r>
+            <a:endParaRPr lang="en-US" sz="1000" dirty="0">
+              <a:solidFill>
+                <a:srgbClr val="3F7F5F"/>
+              </a:solidFill>
+              <a:latin typeface="Consolas" pitchFamily="49" charset="0"/>
+              <a:cs typeface="Consolas" pitchFamily="49" charset="0"/>
+            </a:endParaRPr>
+          </a:p>
+          <a:p>
+            <a:pPr marL="0" indent="0">
+              <a:buNone/>
+            </a:pPr>
+            <a:r>
+              <a:rPr lang="en-US" sz="1000" dirty="0">
+                <a:solidFill>
+                  <a:srgbClr val="000000"/>
+                </a:solidFill>
+                <a:latin typeface="Consolas" pitchFamily="49" charset="0"/>
+                <a:cs typeface="Consolas" pitchFamily="49" charset="0"/>
+              </a:rPr>
+              <a:t>          </a:t>
+            </a:r>
+            <a:r>
+              <a:rPr lang="en-US" sz="1000" dirty="0" err="1">
+                <a:solidFill>
+                  <a:srgbClr val="000000"/>
+                </a:solidFill>
+                <a:highlight>
+                  <a:srgbClr val="D4D4D4"/>
+                </a:highlight>
+                <a:latin typeface="Consolas" pitchFamily="49" charset="0"/>
+                <a:cs typeface="Consolas" pitchFamily="49" charset="0"/>
+              </a:rPr>
+              <a:t>SharedPreferences</a:t>
+            </a:r>
+            <a:r>
+              <a:rPr lang="en-US" sz="1000" dirty="0">
+                <a:solidFill>
+                  <a:srgbClr val="000000"/>
+                </a:solidFill>
+                <a:highlight>
+                  <a:srgbClr val="D4D4D4"/>
+                </a:highlight>
+                <a:latin typeface="Consolas" pitchFamily="49" charset="0"/>
+                <a:cs typeface="Consolas" pitchFamily="49" charset="0"/>
+              </a:rPr>
+              <a:t> settings = </a:t>
+            </a:r>
+            <a:r>
+              <a:rPr lang="en-US" sz="1000" dirty="0" err="1">
+                <a:solidFill>
+                  <a:srgbClr val="000000"/>
+                </a:solidFill>
+                <a:highlight>
+                  <a:srgbClr val="D4D4D4"/>
+                </a:highlight>
+                <a:latin typeface="Consolas" pitchFamily="49" charset="0"/>
+                <a:cs typeface="Consolas" pitchFamily="49" charset="0"/>
+              </a:rPr>
+              <a:t>getSharedPreferences</a:t>
+            </a:r>
+            <a:r>
+              <a:rPr lang="en-US" sz="1000" dirty="0">
+                <a:solidFill>
+                  <a:srgbClr val="000000"/>
+                </a:solidFill>
+                <a:highlight>
+                  <a:srgbClr val="D4D4D4"/>
+                </a:highlight>
+                <a:latin typeface="Consolas" pitchFamily="49" charset="0"/>
+                <a:cs typeface="Consolas" pitchFamily="49" charset="0"/>
+              </a:rPr>
+              <a:t>(</a:t>
+            </a:r>
+            <a:r>
+              <a:rPr lang="en-US" sz="1000" i="1" dirty="0">
+                <a:solidFill>
+                  <a:srgbClr val="0000C0"/>
+                </a:solidFill>
+                <a:highlight>
+                  <a:srgbClr val="D4D4D4"/>
+                </a:highlight>
+                <a:latin typeface="Consolas" pitchFamily="49" charset="0"/>
+                <a:cs typeface="Consolas" pitchFamily="49" charset="0"/>
+              </a:rPr>
+              <a:t>PREFS_NAME</a:t>
+            </a:r>
+            <a:r>
+              <a:rPr lang="en-US" sz="1000" i="1" dirty="0">
+                <a:solidFill>
+                  <a:srgbClr val="000000"/>
+                </a:solidFill>
+                <a:highlight>
+                  <a:srgbClr val="D4D4D4"/>
+                </a:highlight>
+                <a:latin typeface="Consolas" pitchFamily="49" charset="0"/>
+                <a:cs typeface="Consolas" pitchFamily="49" charset="0"/>
+              </a:rPr>
+              <a:t>, 0);</a:t>
+            </a:r>
+          </a:p>
+          <a:p>
+            <a:pPr marL="0" indent="0">
+              <a:buNone/>
+            </a:pPr>
+            <a:r>
+              <a:rPr lang="en-US" sz="1000" dirty="0">
+                <a:solidFill>
+                  <a:srgbClr val="000000"/>
+                </a:solidFill>
+                <a:latin typeface="Consolas" pitchFamily="49" charset="0"/>
+                <a:cs typeface="Consolas" pitchFamily="49" charset="0"/>
+              </a:rPr>
+              <a:t>          </a:t>
+            </a:r>
+            <a:r>
+              <a:rPr lang="en-US" sz="1000" dirty="0" err="1">
+                <a:solidFill>
+                  <a:srgbClr val="000000"/>
+                </a:solidFill>
+                <a:highlight>
+                  <a:srgbClr val="D4D4D4"/>
+                </a:highlight>
+                <a:latin typeface="Consolas" pitchFamily="49" charset="0"/>
+                <a:cs typeface="Consolas" pitchFamily="49" charset="0"/>
+              </a:rPr>
+              <a:t>SharedPreferences.Editor</a:t>
+            </a:r>
+            <a:r>
+              <a:rPr lang="en-US" sz="1000" dirty="0">
+                <a:solidFill>
+                  <a:srgbClr val="000000"/>
+                </a:solidFill>
+                <a:highlight>
+                  <a:srgbClr val="D4D4D4"/>
+                </a:highlight>
+                <a:latin typeface="Consolas" pitchFamily="49" charset="0"/>
+                <a:cs typeface="Consolas" pitchFamily="49" charset="0"/>
+              </a:rPr>
+              <a:t> editor = </a:t>
+            </a:r>
+            <a:r>
+              <a:rPr lang="en-US" sz="1000" dirty="0" err="1">
+                <a:solidFill>
+                  <a:srgbClr val="000000"/>
+                </a:solidFill>
+                <a:highlight>
+                  <a:srgbClr val="D4D4D4"/>
+                </a:highlight>
+                <a:latin typeface="Consolas" pitchFamily="49" charset="0"/>
+                <a:cs typeface="Consolas" pitchFamily="49" charset="0"/>
+              </a:rPr>
+              <a:t>settings.edit</a:t>
+            </a:r>
+            <a:r>
+              <a:rPr lang="en-US" sz="1000" dirty="0">
+                <a:solidFill>
+                  <a:srgbClr val="000000"/>
+                </a:solidFill>
+                <a:highlight>
+                  <a:srgbClr val="D4D4D4"/>
+                </a:highlight>
+                <a:latin typeface="Consolas" pitchFamily="49" charset="0"/>
+                <a:cs typeface="Consolas" pitchFamily="49" charset="0"/>
+              </a:rPr>
+              <a:t>();</a:t>
+            </a:r>
+          </a:p>
+          <a:p>
+            <a:pPr marL="0" indent="0">
+              <a:buNone/>
+            </a:pPr>
+            <a:r>
+              <a:rPr lang="en-US" sz="1000" dirty="0">
+                <a:solidFill>
+                  <a:srgbClr val="000000"/>
+                </a:solidFill>
+                <a:latin typeface="Consolas" pitchFamily="49" charset="0"/>
+                <a:cs typeface="Consolas" pitchFamily="49" charset="0"/>
+              </a:rPr>
+              <a:t>          </a:t>
+            </a:r>
+            <a:r>
+              <a:rPr lang="en-US" sz="1000" dirty="0" err="1">
+                <a:solidFill>
+                  <a:srgbClr val="000000"/>
+                </a:solidFill>
+                <a:latin typeface="Consolas" pitchFamily="49" charset="0"/>
+                <a:cs typeface="Consolas" pitchFamily="49" charset="0"/>
+              </a:rPr>
+              <a:t>editor.putBoolean</a:t>
+            </a:r>
+            <a:r>
+              <a:rPr lang="en-US" sz="1000" dirty="0">
+                <a:solidFill>
+                  <a:srgbClr val="000000"/>
+                </a:solidFill>
+                <a:latin typeface="Consolas" pitchFamily="49" charset="0"/>
+                <a:cs typeface="Consolas" pitchFamily="49" charset="0"/>
+              </a:rPr>
+              <a:t>(</a:t>
+            </a:r>
+            <a:r>
+              <a:rPr lang="en-US" sz="1000" dirty="0">
+                <a:solidFill>
+                  <a:srgbClr val="2A00FF"/>
+                </a:solidFill>
+                <a:latin typeface="Consolas" pitchFamily="49" charset="0"/>
+                <a:cs typeface="Consolas" pitchFamily="49" charset="0"/>
+              </a:rPr>
+              <a:t>"</a:t>
+            </a:r>
+            <a:r>
+              <a:rPr lang="en-US" sz="1000" dirty="0" err="1">
+                <a:solidFill>
+                  <a:srgbClr val="2A00FF"/>
+                </a:solidFill>
+                <a:latin typeface="Consolas" pitchFamily="49" charset="0"/>
+                <a:cs typeface="Consolas" pitchFamily="49" charset="0"/>
+              </a:rPr>
+              <a:t>silentMode</a:t>
+            </a:r>
+            <a:r>
+              <a:rPr lang="en-US" sz="1000" dirty="0">
+                <a:solidFill>
+                  <a:srgbClr val="2A00FF"/>
+                </a:solidFill>
+                <a:latin typeface="Consolas" pitchFamily="49" charset="0"/>
+                <a:cs typeface="Consolas" pitchFamily="49" charset="0"/>
+              </a:rPr>
+              <a:t>"</a:t>
+            </a:r>
+            <a:r>
+              <a:rPr lang="en-US" sz="1000" dirty="0">
+                <a:solidFill>
+                  <a:srgbClr val="000000"/>
+                </a:solidFill>
+                <a:latin typeface="Consolas" pitchFamily="49" charset="0"/>
+                <a:cs typeface="Consolas" pitchFamily="49" charset="0"/>
+              </a:rPr>
+              <a:t>, </a:t>
+            </a:r>
+            <a:r>
+              <a:rPr lang="en-US" sz="1000" dirty="0" err="1">
+                <a:solidFill>
+                  <a:srgbClr val="000000"/>
+                </a:solidFill>
+                <a:latin typeface="Consolas" pitchFamily="49" charset="0"/>
+                <a:cs typeface="Consolas" pitchFamily="49" charset="0"/>
+              </a:rPr>
+              <a:t>mSilentMode</a:t>
+            </a:r>
+            <a:r>
+              <a:rPr lang="en-US" sz="1000" dirty="0">
+                <a:solidFill>
+                  <a:srgbClr val="000000"/>
+                </a:solidFill>
+                <a:latin typeface="Consolas" pitchFamily="49" charset="0"/>
+                <a:cs typeface="Consolas" pitchFamily="49" charset="0"/>
+              </a:rPr>
+              <a:t>);</a:t>
+            </a:r>
+          </a:p>
+          <a:p>
+            <a:pPr marL="0" indent="0">
+              <a:buNone/>
+            </a:pPr>
+            <a:endParaRPr lang="en-US" sz="1000" dirty="0">
+              <a:latin typeface="Consolas" pitchFamily="49" charset="0"/>
+              <a:cs typeface="Consolas" pitchFamily="49" charset="0"/>
+            </a:endParaRPr>
+          </a:p>
+          <a:p>
+            <a:pPr marL="0" indent="0">
+              <a:buNone/>
+            </a:pPr>
+            <a:r>
+              <a:rPr lang="en-US" sz="1000" dirty="0">
+                <a:solidFill>
+                  <a:srgbClr val="000000"/>
+                </a:solidFill>
+                <a:latin typeface="Consolas" pitchFamily="49" charset="0"/>
+                <a:cs typeface="Consolas" pitchFamily="49" charset="0"/>
+              </a:rPr>
+              <a:t>          </a:t>
+            </a:r>
+            <a:r>
+              <a:rPr lang="en-US" sz="1000" dirty="0">
+                <a:solidFill>
+                  <a:srgbClr val="3F7F5F"/>
+                </a:solidFill>
+                <a:latin typeface="Consolas" pitchFamily="49" charset="0"/>
+                <a:cs typeface="Consolas" pitchFamily="49" charset="0"/>
+              </a:rPr>
+              <a:t>// Commit the edits!</a:t>
+            </a:r>
+          </a:p>
+          <a:p>
+            <a:pPr marL="0" indent="0">
+              <a:buNone/>
+            </a:pPr>
+            <a:r>
+              <a:rPr lang="en-US" sz="1000" dirty="0">
+                <a:solidFill>
+                  <a:srgbClr val="000000"/>
+                </a:solidFill>
+                <a:latin typeface="Consolas" pitchFamily="49" charset="0"/>
+                <a:cs typeface="Consolas" pitchFamily="49" charset="0"/>
+              </a:rPr>
+              <a:t>          </a:t>
+            </a:r>
+            <a:r>
+              <a:rPr lang="en-US" sz="1000" dirty="0" err="1">
+                <a:solidFill>
+                  <a:srgbClr val="000000"/>
+                </a:solidFill>
+                <a:latin typeface="Consolas" pitchFamily="49" charset="0"/>
+                <a:cs typeface="Consolas" pitchFamily="49" charset="0"/>
+              </a:rPr>
+              <a:t>editor.commit</a:t>
+            </a:r>
+            <a:r>
+              <a:rPr lang="en-US" sz="1000" dirty="0">
+                <a:solidFill>
+                  <a:srgbClr val="000000"/>
+                </a:solidFill>
+                <a:latin typeface="Consolas" pitchFamily="49" charset="0"/>
+                <a:cs typeface="Consolas" pitchFamily="49" charset="0"/>
+              </a:rPr>
+              <a:t>();</a:t>
+            </a:r>
+          </a:p>
+          <a:p>
+            <a:pPr marL="0" indent="0">
+              <a:buNone/>
+            </a:pPr>
+            <a:r>
+              <a:rPr lang="en-US" sz="1000" dirty="0">
+                <a:solidFill>
+                  <a:srgbClr val="000000"/>
+                </a:solidFill>
+                <a:latin typeface="Consolas" pitchFamily="49" charset="0"/>
+                <a:cs typeface="Consolas" pitchFamily="49" charset="0"/>
+              </a:rPr>
+              <a:t>        }</a:t>
+            </a:r>
+          </a:p>
+          <a:p>
+            <a:pPr marL="0" indent="0">
+              <a:buNone/>
+            </a:pPr>
+            <a:r>
+              <a:rPr lang="en-US" sz="1000" dirty="0" smtClean="0">
+                <a:solidFill>
+                  <a:srgbClr val="000000"/>
+                </a:solidFill>
+                <a:latin typeface="Consolas" pitchFamily="49" charset="0"/>
+                <a:cs typeface="Consolas" pitchFamily="49" charset="0"/>
+              </a:rPr>
+              <a:t>}</a:t>
+            </a:r>
+            <a:endParaRPr lang="pl-PL" sz="1000" dirty="0" smtClean="0">
+              <a:latin typeface="Consolas" pitchFamily="49" charset="0"/>
+              <a:cs typeface="Consolas" pitchFamily="49" charset="0"/>
+            </a:endParaRPr>
           </a:p>
         </p:txBody>
       </p:sp>
     </p:spTree>
     <p:extLst>
       <p:ext uri="{BB962C8B-B14F-4D97-AF65-F5344CB8AC3E}">
-        <p14:creationId xmlns:p14="http://schemas.microsoft.com/office/powerpoint/2010/main" val="2749364091"/>
+        <p14:creationId xmlns:p14="http://schemas.microsoft.com/office/powerpoint/2010/main" val="199421982"/>
       </p:ext>
     </p:extLst>
   </p:cSld>
@@ -16967,286 +17031,61 @@
           <a:bodyPr/>
           <a:lstStyle/>
           <a:p>
-            <a:pPr marL="0" indent="0">
+            <a:pPr marL="0" indent="0" algn="ctr">
               <a:buNone/>
             </a:pPr>
-            <a:r>
-              <a:rPr lang="pl-PL" dirty="0" smtClean="0"/>
-              <a:t>Intencje(</a:t>
-            </a:r>
-            <a:r>
-              <a:rPr lang="pl-PL" dirty="0" err="1" smtClean="0"/>
-              <a:t>Intent</a:t>
-            </a:r>
-            <a:r>
-              <a:rPr lang="pl-PL" dirty="0" smtClean="0"/>
-              <a:t>)</a:t>
-            </a:r>
-            <a:endParaRPr lang="pl-PL" dirty="0" smtClean="0"/>
-          </a:p>
-          <a:p>
-            <a:pPr marL="0" indent="0">
+            <a:endParaRPr lang="pl-PL" sz="5400" dirty="0" smtClean="0"/>
+          </a:p>
+          <a:p>
+            <a:pPr marL="0" indent="0" algn="ctr">
               <a:buNone/>
             </a:pPr>
-            <a:endParaRPr lang="pl-PL" dirty="0" smtClean="0"/>
-          </a:p>
-          <a:p>
-            <a:pPr marL="0" indent="0">
+            <a:r>
+              <a:rPr lang="pl-PL" sz="5400" dirty="0" smtClean="0"/>
+              <a:t>Android Studio Time</a:t>
+            </a:r>
+          </a:p>
+          <a:p>
+            <a:pPr marL="0" indent="0" algn="ctr">
               <a:buNone/>
             </a:pPr>
-            <a:endParaRPr lang="pl-PL" dirty="0" smtClean="0"/>
-          </a:p>
-          <a:p>
-            <a:pPr marL="0" indent="0">
+            <a:endParaRPr lang="pl-PL" sz="3600" dirty="0" smtClean="0"/>
+          </a:p>
+          <a:p>
+            <a:pPr marL="0" indent="0" algn="ctr">
               <a:buNone/>
             </a:pPr>
             <a:r>
-              <a:rPr lang="pl-PL" dirty="0" smtClean="0"/>
-              <a:t>Intencje to asynchroniczne wiadomości, które pozwalają komponentom Androida (aplikacjom, aktywnościom, etc.) na komunikowanie się ze sobą.</a:t>
-            </a:r>
-          </a:p>
-          <a:p>
-            <a:pPr marL="0" indent="0">
+              <a:rPr lang="pl-PL" sz="3600" dirty="0" smtClean="0"/>
+              <a:t>Zadanie 4</a:t>
+            </a:r>
+          </a:p>
+          <a:p>
+            <a:pPr marL="0" indent="0" algn="ctr">
               <a:buNone/>
             </a:pPr>
-            <a:endParaRPr lang="pl-PL" dirty="0" smtClean="0"/>
-          </a:p>
-          <a:p>
-            <a:pPr marL="0" indent="0">
+            <a:endParaRPr lang="pl-PL" sz="3600" dirty="0"/>
+          </a:p>
+          <a:p>
+            <a:pPr marL="0" indent="0" algn="ctr">
               <a:buNone/>
             </a:pPr>
             <a:r>
-              <a:rPr lang="pl-PL" dirty="0" smtClean="0"/>
-              <a:t>Przykład intencji, która otwiera nową aktywność:</a:t>
-            </a:r>
-            <a:endParaRPr lang="pl-PL" dirty="0"/>
-          </a:p>
-          <a:p>
-            <a:pPr marL="0" indent="0">
-              <a:buNone/>
-            </a:pPr>
-            <a:endParaRPr lang="pl-PL" sz="1600" dirty="0" smtClean="0">
-              <a:solidFill>
-                <a:srgbClr val="000000"/>
-              </a:solidFill>
-              <a:latin typeface="Courier New" pitchFamily="49" charset="0"/>
-              <a:cs typeface="Courier New" pitchFamily="49" charset="0"/>
-            </a:endParaRPr>
-          </a:p>
-          <a:p>
-            <a:pPr marL="0" indent="0">
-              <a:buNone/>
-            </a:pPr>
-            <a:r>
-              <a:rPr lang="en-US" sz="1600" dirty="0" smtClean="0">
-                <a:solidFill>
-                  <a:srgbClr val="000000"/>
-                </a:solidFill>
-                <a:latin typeface="Consolas" pitchFamily="49" charset="0"/>
-                <a:cs typeface="Consolas" pitchFamily="49" charset="0"/>
-              </a:rPr>
-              <a:t>Intent </a:t>
-            </a:r>
-            <a:r>
-              <a:rPr lang="en-US" sz="1600" dirty="0" smtClean="0">
-                <a:solidFill>
-                  <a:srgbClr val="000000"/>
-                </a:solidFill>
-                <a:latin typeface="Consolas" pitchFamily="49" charset="0"/>
-                <a:cs typeface="Consolas" pitchFamily="49" charset="0"/>
-              </a:rPr>
-              <a:t>i</a:t>
-            </a:r>
-            <a:r>
-              <a:rPr lang="pl-PL" sz="1600" dirty="0" smtClean="0">
-                <a:solidFill>
-                  <a:srgbClr val="000000"/>
-                </a:solidFill>
-                <a:latin typeface="Consolas" pitchFamily="49" charset="0"/>
-                <a:cs typeface="Consolas" pitchFamily="49" charset="0"/>
-              </a:rPr>
-              <a:t>ntent</a:t>
-            </a:r>
-            <a:r>
-              <a:rPr lang="en-US" sz="1600" dirty="0" smtClean="0">
-                <a:solidFill>
-                  <a:srgbClr val="000000"/>
-                </a:solidFill>
-                <a:latin typeface="Consolas" pitchFamily="49" charset="0"/>
-                <a:cs typeface="Consolas" pitchFamily="49" charset="0"/>
-              </a:rPr>
-              <a:t> </a:t>
-            </a:r>
-            <a:r>
-              <a:rPr lang="en-US" sz="1600" dirty="0">
-                <a:solidFill>
-                  <a:srgbClr val="000000"/>
-                </a:solidFill>
-                <a:latin typeface="Consolas" pitchFamily="49" charset="0"/>
-                <a:cs typeface="Consolas" pitchFamily="49" charset="0"/>
-              </a:rPr>
-              <a:t>= </a:t>
-            </a:r>
-            <a:r>
-              <a:rPr lang="en-US" sz="1600" dirty="0">
-                <a:solidFill>
-                  <a:srgbClr val="7F0055"/>
-                </a:solidFill>
-                <a:latin typeface="Consolas" pitchFamily="49" charset="0"/>
-                <a:cs typeface="Consolas" pitchFamily="49" charset="0"/>
-              </a:rPr>
-              <a:t>new</a:t>
-            </a:r>
-            <a:r>
-              <a:rPr lang="en-US" sz="1600" dirty="0">
-                <a:solidFill>
-                  <a:srgbClr val="000000"/>
-                </a:solidFill>
-                <a:latin typeface="Consolas" pitchFamily="49" charset="0"/>
-                <a:cs typeface="Consolas" pitchFamily="49" charset="0"/>
-              </a:rPr>
-              <a:t> Intent(</a:t>
-            </a:r>
-            <a:r>
-              <a:rPr lang="en-US" sz="1600" dirty="0">
-                <a:solidFill>
-                  <a:srgbClr val="7F0055"/>
-                </a:solidFill>
-                <a:latin typeface="Consolas" pitchFamily="49" charset="0"/>
-                <a:cs typeface="Consolas" pitchFamily="49" charset="0"/>
-              </a:rPr>
-              <a:t>this</a:t>
-            </a:r>
-            <a:r>
-              <a:rPr lang="en-US" sz="1600" dirty="0">
-                <a:solidFill>
-                  <a:srgbClr val="000000"/>
-                </a:solidFill>
-                <a:latin typeface="Consolas" pitchFamily="49" charset="0"/>
-                <a:cs typeface="Consolas" pitchFamily="49" charset="0"/>
-              </a:rPr>
-              <a:t>, </a:t>
-            </a:r>
-            <a:r>
-              <a:rPr lang="en-US" sz="1600" dirty="0" err="1">
-                <a:solidFill>
-                  <a:srgbClr val="000000"/>
-                </a:solidFill>
-                <a:highlight>
-                  <a:srgbClr val="D4D4D4"/>
-                </a:highlight>
-                <a:latin typeface="Consolas" pitchFamily="49" charset="0"/>
-                <a:cs typeface="Consolas" pitchFamily="49" charset="0"/>
-              </a:rPr>
-              <a:t>ActivityTwo.</a:t>
-            </a:r>
-            <a:r>
-              <a:rPr lang="en-US" sz="1600" dirty="0" err="1">
-                <a:solidFill>
-                  <a:srgbClr val="7F0055"/>
-                </a:solidFill>
-                <a:highlight>
-                  <a:srgbClr val="D4D4D4"/>
-                </a:highlight>
-                <a:latin typeface="Consolas" pitchFamily="49" charset="0"/>
-                <a:cs typeface="Consolas" pitchFamily="49" charset="0"/>
-              </a:rPr>
-              <a:t>class</a:t>
-            </a:r>
-            <a:r>
-              <a:rPr lang="en-US" sz="1600" dirty="0">
-                <a:solidFill>
-                  <a:srgbClr val="000000"/>
-                </a:solidFill>
-                <a:highlight>
-                  <a:srgbClr val="D4D4D4"/>
-                </a:highlight>
-                <a:latin typeface="Consolas" pitchFamily="49" charset="0"/>
-                <a:cs typeface="Consolas" pitchFamily="49" charset="0"/>
-              </a:rPr>
-              <a:t>);</a:t>
-            </a:r>
-          </a:p>
-          <a:p>
-            <a:pPr marL="0" indent="0">
-              <a:buNone/>
-            </a:pPr>
-            <a:r>
-              <a:rPr lang="en-US" sz="1600" dirty="0" err="1" smtClean="0">
-                <a:solidFill>
-                  <a:srgbClr val="000000"/>
-                </a:solidFill>
-                <a:latin typeface="Consolas" pitchFamily="49" charset="0"/>
-                <a:cs typeface="Consolas" pitchFamily="49" charset="0"/>
-              </a:rPr>
-              <a:t>startActivity</a:t>
-            </a:r>
-            <a:r>
-              <a:rPr lang="en-US" sz="1600" dirty="0" smtClean="0">
-                <a:solidFill>
-                  <a:srgbClr val="000000"/>
-                </a:solidFill>
-                <a:latin typeface="Consolas" pitchFamily="49" charset="0"/>
-                <a:cs typeface="Consolas" pitchFamily="49" charset="0"/>
-              </a:rPr>
-              <a:t>(</a:t>
-            </a:r>
-            <a:r>
-              <a:rPr lang="en-US" sz="1600" dirty="0" err="1" smtClean="0">
-                <a:solidFill>
-                  <a:srgbClr val="000000"/>
-                </a:solidFill>
-                <a:latin typeface="Consolas" pitchFamily="49" charset="0"/>
-                <a:cs typeface="Consolas" pitchFamily="49" charset="0"/>
-              </a:rPr>
-              <a:t>i</a:t>
-            </a:r>
-            <a:r>
-              <a:rPr lang="pl-PL" sz="1600" dirty="0" err="1" smtClean="0">
-                <a:solidFill>
-                  <a:srgbClr val="000000"/>
-                </a:solidFill>
-                <a:latin typeface="Consolas" pitchFamily="49" charset="0"/>
-                <a:cs typeface="Consolas" pitchFamily="49" charset="0"/>
-              </a:rPr>
-              <a:t>ntent</a:t>
-            </a:r>
-            <a:r>
-              <a:rPr lang="en-US" sz="1600" dirty="0" smtClean="0">
-                <a:solidFill>
-                  <a:srgbClr val="000000"/>
-                </a:solidFill>
-                <a:latin typeface="Consolas" pitchFamily="49" charset="0"/>
-                <a:cs typeface="Consolas" pitchFamily="49" charset="0"/>
-              </a:rPr>
-              <a:t>);</a:t>
-            </a:r>
-            <a:endParaRPr lang="pl-PL" sz="1600" dirty="0" smtClean="0">
-              <a:solidFill>
-                <a:srgbClr val="000000"/>
-              </a:solidFill>
-              <a:latin typeface="Consolas" pitchFamily="49" charset="0"/>
-              <a:cs typeface="Consolas" pitchFamily="49" charset="0"/>
-            </a:endParaRPr>
-          </a:p>
-          <a:p>
-            <a:pPr marL="0" indent="0">
-              <a:buNone/>
-            </a:pPr>
-            <a:endParaRPr lang="pl-PL" dirty="0" smtClean="0"/>
-          </a:p>
-          <a:p>
-            <a:pPr marL="0" indent="0">
-              <a:buNone/>
-            </a:pPr>
-            <a:endParaRPr lang="pl-PL" dirty="0"/>
+              <a:rPr lang="pl-PL" sz="3600" dirty="0" smtClean="0"/>
+              <a:t>Zapis kursu waluty w </a:t>
+            </a:r>
+            <a:r>
+              <a:rPr lang="pl-PL" sz="3600" dirty="0" err="1" smtClean="0"/>
+              <a:t>SharedPreferences</a:t>
+            </a:r>
+            <a:endParaRPr lang="pl-PL" sz="2800" dirty="0" smtClean="0"/>
           </a:p>
         </p:txBody>
       </p:sp>
     </p:spTree>
     <p:extLst>
       <p:ext uri="{BB962C8B-B14F-4D97-AF65-F5344CB8AC3E}">
-        <p14:creationId xmlns:p14="http://schemas.microsoft.com/office/powerpoint/2010/main" val="3286949168"/>
+        <p14:creationId xmlns:p14="http://schemas.microsoft.com/office/powerpoint/2010/main" val="2749364091"/>
       </p:ext>
     </p:extLst>
   </p:cSld>
@@ -17378,26 +17217,8 @@
             </a:r>
             <a:r>
               <a:rPr lang="pl-PL" dirty="0" smtClean="0"/>
-              <a:t>umożliwia </a:t>
-            </a:r>
-            <a:r>
-              <a:rPr lang="en-US" dirty="0" smtClean="0"/>
-              <a:t>This </a:t>
-            </a:r>
-            <a:r>
-              <a:rPr lang="en-US" dirty="0"/>
-              <a:t>class allows to perform background operations and publish results on the UI thread without having to manipulate threads and/or handlers.</a:t>
-            </a:r>
-            <a:endParaRPr lang="pl-PL" dirty="0" smtClean="0"/>
-          </a:p>
-          <a:p>
-            <a:pPr marL="0" indent="0">
-              <a:buNone/>
-            </a:pPr>
-            <a:endParaRPr lang="pl-PL" sz="1200" dirty="0" smtClean="0">
-              <a:latin typeface="Courier New" pitchFamily="49" charset="0"/>
-              <a:cs typeface="Courier New" pitchFamily="49" charset="0"/>
-            </a:endParaRPr>
+              <a:t>umożliwia delegowanie pracy do innych wątków jednocześnie pozwalając obsługiwać rezultat pracy w wątku UI. Ich użycie pozwala uniknąć blokowania wątku UI oraz realizować operacje sieciowe, które są zabronione(skutkują wyjątkiem).</a:t>
+            </a:r>
           </a:p>
         </p:txBody>
       </p:sp>
@@ -17424,8 +17245,8 @@
         </p:blipFill>
         <p:spPr bwMode="auto">
           <a:xfrm>
-            <a:off x="2987824" y="3717032"/>
-            <a:ext cx="2771775" cy="2705100"/>
+            <a:off x="3131840" y="4077072"/>
+            <a:ext cx="2565758" cy="2504039"/>
           </a:xfrm>
           <a:prstGeom prst="rect">
             <a:avLst/>
@@ -17562,8 +17383,13 @@
             </a:pPr>
             <a:r>
               <a:rPr lang="pl-PL" dirty="0" smtClean="0"/>
-              <a:t>AsyncTask – example – class definition</a:t>
-            </a:r>
+              <a:t>AsyncTask – </a:t>
+            </a:r>
+            <a:r>
+              <a:rPr lang="pl-PL" dirty="0" smtClean="0"/>
+              <a:t>przykład</a:t>
+            </a:r>
+            <a:endParaRPr lang="pl-PL" dirty="0" smtClean="0"/>
           </a:p>
           <a:p>
             <a:pPr marL="0" indent="0">
@@ -18308,8 +18134,13 @@
             </a:pPr>
             <a:r>
               <a:rPr lang="pl-PL" dirty="0" smtClean="0"/>
-              <a:t>AsyncTask – example – thread execution</a:t>
-            </a:r>
+              <a:t>AsyncTask – </a:t>
+            </a:r>
+            <a:r>
+              <a:rPr lang="pl-PL" dirty="0" smtClean="0"/>
+              <a:t>przykład, c.d.</a:t>
+            </a:r>
+            <a:endParaRPr lang="pl-PL" dirty="0" smtClean="0"/>
           </a:p>
           <a:p>
             <a:pPr marL="0" indent="0">
@@ -18322,12 +18153,16 @@
               <a:buNone/>
             </a:pPr>
             <a:r>
-              <a:rPr lang="en-US" dirty="0"/>
-              <a:t>Once created, a task is executed very simply</a:t>
-            </a:r>
-            <a:r>
-              <a:rPr lang="en-US" dirty="0" smtClean="0"/>
-              <a:t>:</a:t>
+              <a:rPr lang="pl-PL" dirty="0" smtClean="0"/>
+              <a:t>Tworzenie i użycie </a:t>
+            </a:r>
+            <a:r>
+              <a:rPr lang="pl-PL" dirty="0" err="1" smtClean="0"/>
+              <a:t>AsyncTaska</a:t>
+            </a:r>
+            <a:r>
+              <a:rPr lang="pl-PL" dirty="0" smtClean="0"/>
+              <a:t> są bardzo proste:</a:t>
             </a:r>
             <a:endParaRPr lang="pl-PL" dirty="0" smtClean="0"/>
           </a:p>
@@ -18417,13 +18252,18 @@
               <a:buNone/>
             </a:pPr>
             <a:r>
-              <a:rPr lang="en-US" sz="1800" dirty="0" smtClean="0"/>
-              <a:t>The </a:t>
-            </a:r>
-            <a:r>
-              <a:rPr lang="en-US" sz="1800" dirty="0"/>
-              <a:t>three types used by an asynchronous task are the following:</a:t>
-            </a:r>
+              <a:rPr lang="pl-PL" sz="1800" dirty="0" smtClean="0"/>
+              <a:t>Trzy parametry używane przy definicji </a:t>
+            </a:r>
+            <a:r>
+              <a:rPr lang="pl-PL" sz="1800" dirty="0" err="1" smtClean="0"/>
+              <a:t>AsyncTaska</a:t>
+            </a:r>
+            <a:r>
+              <a:rPr lang="pl-PL" sz="1800" dirty="0" smtClean="0"/>
+              <a:t> to:</a:t>
+            </a:r>
+            <a:endParaRPr lang="en-US" sz="1800" dirty="0"/>
           </a:p>
           <a:p>
             <a:r>
@@ -18432,8 +18272,21 @@
             </a:r>
             <a:r>
               <a:rPr lang="en-US" sz="1400" dirty="0"/>
-              <a:t>, the type of the parameters sent to the task upon execution.</a:t>
-            </a:r>
+              <a:t>, </a:t>
+            </a:r>
+            <a:r>
+              <a:rPr lang="pl-PL" sz="1400" dirty="0" smtClean="0"/>
+              <a:t>Typ parametrów przekazywanych do </a:t>
+            </a:r>
+            <a:r>
+              <a:rPr lang="pl-PL" sz="1400" dirty="0" err="1" smtClean="0"/>
+              <a:t>AsyncTaska</a:t>
+            </a:r>
+            <a:r>
+              <a:rPr lang="pl-PL" sz="1400" dirty="0" smtClean="0"/>
+              <a:t> w momencie zlecenia wykonania</a:t>
+            </a:r>
+            <a:endParaRPr lang="en-US" sz="1400" dirty="0"/>
           </a:p>
           <a:p>
             <a:r>
@@ -18442,8 +18295,29 @@
             </a:r>
             <a:r>
               <a:rPr lang="en-US" sz="1400" dirty="0"/>
-              <a:t>, the type of the progress units published during the background computation.</a:t>
-            </a:r>
+              <a:t>, </a:t>
+            </a:r>
+            <a:r>
+              <a:rPr lang="pl-PL" sz="1400" dirty="0" smtClean="0"/>
+              <a:t>Typ przekazywany pomiędzy metodą </a:t>
+            </a:r>
+            <a:r>
+              <a:rPr lang="pl-PL" sz="1400" dirty="0" err="1" smtClean="0"/>
+              <a:t>publishProgress</a:t>
+            </a:r>
+            <a:r>
+              <a:rPr lang="pl-PL" sz="1400" dirty="0" smtClean="0"/>
+              <a:t>(Progress…) a metodą </a:t>
+            </a:r>
+            <a:r>
+              <a:rPr lang="pl-PL" sz="1400" dirty="0" err="1" smtClean="0"/>
+              <a:t>onProgressUpdate</a:t>
+            </a:r>
+            <a:r>
+              <a:rPr lang="pl-PL" sz="1400" dirty="0" smtClean="0"/>
+              <a:t>(Progress…)</a:t>
+            </a:r>
+            <a:endParaRPr lang="en-US" sz="1400" dirty="0"/>
           </a:p>
           <a:p>
             <a:r>
@@ -18452,38 +18326,90 @@
             </a:r>
             <a:r>
               <a:rPr lang="en-US" sz="1400" dirty="0"/>
-              <a:t>, the type of the result of the background computation.</a:t>
-            </a:r>
+              <a:t>, </a:t>
+            </a:r>
+            <a:r>
+              <a:rPr lang="pl-PL" sz="1400" dirty="0" smtClean="0"/>
+              <a:t>typ zwracany przez metodę </a:t>
+            </a:r>
+            <a:r>
+              <a:rPr lang="pl-PL" sz="1400" dirty="0" err="1" smtClean="0"/>
+              <a:t>doInBackground</a:t>
+            </a:r>
+            <a:r>
+              <a:rPr lang="pl-PL" sz="1400" dirty="0"/>
+              <a:t> </a:t>
+            </a:r>
+            <a:r>
+              <a:rPr lang="pl-PL" sz="1400" dirty="0" smtClean="0"/>
+              <a:t>przekazywany do metody </a:t>
+            </a:r>
+            <a:r>
+              <a:rPr lang="pl-PL" sz="1400" dirty="0" err="1" smtClean="0"/>
+              <a:t>onPostExecute</a:t>
+            </a:r>
+            <a:r>
+              <a:rPr lang="pl-PL" sz="1400" dirty="0" smtClean="0"/>
+              <a:t>, w której następuje reakcja na zakończenie zadania.</a:t>
+            </a:r>
+          </a:p>
+          <a:p>
+            <a:endParaRPr lang="pl-PL" sz="1800" dirty="0" smtClean="0"/>
           </a:p>
           <a:p>
             <a:pPr marL="0" indent="0">
               <a:buNone/>
             </a:pPr>
-            <a:endParaRPr lang="pl-PL" sz="1800" dirty="0" smtClean="0"/>
+            <a:r>
+              <a:rPr lang="pl-PL" sz="1800" dirty="0" smtClean="0"/>
+              <a:t>Jeśli nie chcemy używać któregoś z parametrów wystarczy zdefiniować go jako </a:t>
+            </a:r>
+            <a:r>
+              <a:rPr lang="pl-PL" sz="1800" dirty="0" err="1" smtClean="0"/>
+              <a:t>Void</a:t>
+            </a:r>
+            <a:r>
+              <a:rPr lang="pl-PL" sz="1800" dirty="0"/>
+              <a:t>:</a:t>
+            </a:r>
+            <a:endParaRPr lang="en-US" sz="1800" dirty="0"/>
           </a:p>
           <a:p>
             <a:pPr marL="0" indent="0">
               <a:buNone/>
             </a:pPr>
-            <a:r>
-              <a:rPr lang="en-US" sz="1800" dirty="0" smtClean="0"/>
-              <a:t>Not </a:t>
-            </a:r>
-            <a:r>
-              <a:rPr lang="en-US" sz="1800" dirty="0"/>
-              <a:t>all types are always used by an asynchronous task. To mark a type as unused, simply use the type Void:</a:t>
-            </a:r>
+            <a:endParaRPr lang="pl-PL" sz="1600" dirty="0" smtClean="0">
+              <a:solidFill>
+                <a:srgbClr val="000088"/>
+              </a:solidFill>
+              <a:latin typeface="Consolas" pitchFamily="49" charset="0"/>
+              <a:cs typeface="Consolas" pitchFamily="49" charset="0"/>
+            </a:endParaRPr>
           </a:p>
           <a:p>
             <a:pPr marL="0" indent="0">
               <a:buNone/>
             </a:pPr>
-            <a:endParaRPr lang="pl-PL" sz="1800" dirty="0" smtClean="0"/>
-          </a:p>
-          <a:p>
-            <a:pPr marL="0" indent="0">
-              <a:buNone/>
-            </a:pPr>
+            <a:r>
+              <a:rPr lang="en-US" sz="1600" dirty="0" smtClean="0">
+                <a:solidFill>
+                  <a:srgbClr val="000088"/>
+                </a:solidFill>
+                <a:latin typeface="Consolas" pitchFamily="49" charset="0"/>
+                <a:cs typeface="Consolas" pitchFamily="49" charset="0"/>
+              </a:rPr>
+              <a:t>private</a:t>
+            </a:r>
+            <a:r>
+              <a:rPr lang="en-US" sz="1600" dirty="0" smtClean="0">
+                <a:solidFill>
+                  <a:srgbClr val="000000"/>
+                </a:solidFill>
+                <a:latin typeface="Consolas" pitchFamily="49" charset="0"/>
+                <a:cs typeface="Consolas" pitchFamily="49" charset="0"/>
+              </a:rPr>
+              <a:t> </a:t>
+            </a:r>
             <a:r>
               <a:rPr lang="en-US" sz="1600" dirty="0">
                 <a:solidFill>
@@ -18492,7 +18418,7 @@
                 <a:latin typeface="Consolas" pitchFamily="49" charset="0"/>
                 <a:cs typeface="Consolas" pitchFamily="49" charset="0"/>
               </a:rPr>
-              <a:t>private</a:t>
+              <a:t>class</a:t>
             </a:r>
             <a:r>
               <a:rPr lang="en-US" sz="1600" dirty="0">
@@ -18505,37 +18431,27 @@
               <a:t> </a:t>
             </a:r>
             <a:r>
-              <a:rPr lang="en-US" sz="1600" dirty="0">
-                <a:solidFill>
-                  <a:srgbClr val="000088"/>
-                </a:solidFill>
-                <a:latin typeface="Consolas" pitchFamily="49" charset="0"/>
-                <a:cs typeface="Consolas" pitchFamily="49" charset="0"/>
-              </a:rPr>
-              <a:t>class</a:t>
-            </a:r>
-            <a:r>
-              <a:rPr lang="en-US" sz="1600" dirty="0">
-                <a:solidFill>
-                  <a:srgbClr val="000000"/>
-                </a:solidFill>
-                <a:latin typeface="Consolas" pitchFamily="49" charset="0"/>
-                <a:cs typeface="Consolas" pitchFamily="49" charset="0"/>
-              </a:rPr>
-              <a:t> </a:t>
-            </a:r>
-            <a:r>
-              <a:rPr lang="en-US" sz="1600" dirty="0" err="1">
+              <a:rPr lang="pl-PL" sz="1600" dirty="0" err="1" smtClean="0">
                 <a:solidFill>
                   <a:srgbClr val="660066"/>
                 </a:solidFill>
                 <a:latin typeface="Consolas" pitchFamily="49" charset="0"/>
                 <a:cs typeface="Consolas" pitchFamily="49" charset="0"/>
               </a:rPr>
-              <a:t>MyTask</a:t>
-            </a:r>
-            <a:r>
-              <a:rPr lang="en-US" sz="1600" dirty="0">
+              <a:t>Unused</a:t>
+            </a:r>
+            <a:r>
+              <a:rPr lang="en-US" sz="1600" dirty="0" smtClean="0">
+                <a:solidFill>
+                  <a:srgbClr val="660066"/>
+                </a:solidFill>
+                <a:latin typeface="Consolas" pitchFamily="49" charset="0"/>
+                <a:cs typeface="Consolas" pitchFamily="49" charset="0"/>
+              </a:rPr>
+              <a:t>Task</a:t>
+            </a:r>
+            <a:r>
+              <a:rPr lang="en-US" sz="1600" dirty="0" smtClean="0">
                 <a:solidFill>
                   <a:srgbClr val="000000"/>
                 </a:solidFill>
@@ -18856,48 +18772,26 @@
               <a:buNone/>
             </a:pPr>
             <a:r>
-              <a:rPr lang="pl-PL" sz="3600" dirty="0" err="1" smtClean="0"/>
-              <a:t>Add</a:t>
-            </a:r>
+              <a:rPr lang="pl-PL" sz="3600" dirty="0" smtClean="0">
+                <a:solidFill>
+                  <a:schemeClr val="accent2"/>
+                </a:solidFill>
+              </a:rPr>
+              <a:t>Zadanie 7</a:t>
+            </a:r>
+            <a:endParaRPr lang="pl-PL" sz="3600" dirty="0">
+              <a:solidFill>
+                <a:schemeClr val="accent2"/>
+              </a:solidFill>
+            </a:endParaRPr>
+          </a:p>
+          <a:p>
+            <a:pPr marL="0" indent="0" algn="ctr">
+              <a:buNone/>
+            </a:pPr>
             <a:r>
               <a:rPr lang="pl-PL" sz="3600" dirty="0" smtClean="0"/>
-              <a:t> </a:t>
-            </a:r>
-            <a:r>
-              <a:rPr lang="pl-PL" sz="3600" dirty="0" err="1" smtClean="0"/>
-              <a:t>AsyncTask</a:t>
-            </a:r>
-            <a:r>
-              <a:rPr lang="pl-PL" sz="3600" dirty="0" smtClean="0"/>
-              <a:t> do </a:t>
-            </a:r>
-            <a:r>
-              <a:rPr lang="pl-PL" sz="3600" dirty="0" err="1" smtClean="0"/>
-              <a:t>dowload</a:t>
-            </a:r>
-            <a:r>
-              <a:rPr lang="pl-PL" sz="3600" dirty="0" smtClean="0"/>
-              <a:t> and </a:t>
-            </a:r>
-            <a:r>
-              <a:rPr lang="pl-PL" sz="3600" dirty="0" err="1" smtClean="0"/>
-              <a:t>parse</a:t>
-            </a:r>
-            <a:r>
-              <a:rPr lang="pl-PL" sz="3600" dirty="0" smtClean="0"/>
-              <a:t> the exchange </a:t>
-            </a:r>
-            <a:r>
-              <a:rPr lang="pl-PL" sz="3600" dirty="0" err="1" smtClean="0"/>
-              <a:t>rate</a:t>
-            </a:r>
-            <a:r>
-              <a:rPr lang="pl-PL" sz="3600" dirty="0" smtClean="0"/>
-              <a:t> </a:t>
-            </a:r>
-            <a:r>
-              <a:rPr lang="pl-PL" sz="3600" dirty="0" err="1" smtClean="0"/>
-              <a:t>value</a:t>
+              <a:t>Pobieranie walut z serwisu</a:t>
             </a:r>
             <a:endParaRPr lang="pl-PL" sz="2800" dirty="0" smtClean="0"/>
           </a:p>
@@ -19014,8 +18908,9 @@
             </a:pPr>
             <a:r>
               <a:rPr lang="pl-PL" dirty="0" smtClean="0"/>
-              <a:t>Dialogs – overview</a:t>
-            </a:r>
+              <a:t>Dialogi - omówienie</a:t>
+            </a:r>
+            <a:endParaRPr lang="pl-PL" dirty="0" smtClean="0"/>
           </a:p>
           <a:p>
             <a:pPr marL="0" indent="0">
@@ -19028,23 +18923,9 @@
               <a:buNone/>
             </a:pPr>
             <a:r>
-              <a:rPr lang="en-US" b="0" dirty="0" smtClean="0"/>
-              <a:t>A </a:t>
-            </a:r>
-            <a:r>
-              <a:rPr lang="en-US" b="0" dirty="0"/>
-              <a:t>dialog is a small window that prompts the user to make a decision or enter additional information. A dialog does not fill the screen and is normally used for modal events that require users to take an action before they can proceed</a:t>
-            </a:r>
-            <a:r>
-              <a:rPr lang="en-US" b="0" dirty="0" smtClean="0"/>
-              <a:t>.</a:t>
-            </a:r>
-            <a:endParaRPr lang="pl-PL" dirty="0" smtClean="0"/>
-          </a:p>
-          <a:p>
-            <a:pPr marL="0" indent="0">
-              <a:buNone/>
-            </a:pPr>
+              <a:rPr lang="pl-PL" b="0" dirty="0" smtClean="0"/>
+              <a:t>Dialog to małe okno, którego celem jest wymuszenie na użytkowniku pewnej akcji. Dialog najczęściej służy do pobrania jednej wartości od użytkownika, czy będzie o jakaś zmienna czy decyzja o przejściu dalej.</a:t>
+            </a:r>
             <a:endParaRPr lang="pl-PL" dirty="0"/>
           </a:p>
         </p:txBody>
@@ -19072,7 +18953,7 @@
         </p:blipFill>
         <p:spPr bwMode="auto">
           <a:xfrm>
-            <a:off x="384721" y="3726160"/>
+            <a:off x="2483768" y="3933056"/>
             <a:ext cx="4286250" cy="2324100"/>
           </a:xfrm>
           <a:prstGeom prst="rect">
@@ -19214,7 +19095,7 @@
             </a:pPr>
             <a:r>
               <a:rPr lang="pl-PL" dirty="0" smtClean="0"/>
-              <a:t>Creating Dialog – example</a:t>
+              <a:t>Tworzenie Dialogów</a:t>
             </a:r>
           </a:p>
           <a:p>
@@ -19222,7 +19103,7 @@
               <a:buNone/>
             </a:pPr>
             <a:r>
-              <a:rPr lang="fr-FR" sz="1400" dirty="0">
+              <a:rPr lang="fr-FR" sz="1400" dirty="0" smtClean="0">
                 <a:solidFill>
                   <a:srgbClr val="000000"/>
                 </a:solidFill>

--- a/Dokumenty/Presentation.pptx
+++ b/Dokumenty/Presentation.pptx
@@ -241,7 +241,7 @@
           <a:p>
             <a:fld id="{5D88816B-2D53-411B-91DB-115584640F37}" type="datetimeFigureOut">
               <a:rPr lang="pl-PL" smtClean="0"/>
-              <a:t>2015-03-07</a:t>
+              <a:t>2015-04-19</a:t>
             </a:fld>
             <a:endParaRPr lang="pl-PL"/>
           </a:p>
@@ -3020,15 +3020,7 @@
                   <a:srgbClr val="F7941E"/>
                 </a:solidFill>
               </a:rPr>
-              <a:t> Mobile </a:t>
-            </a:r>
-            <a:r>
-              <a:rPr lang="pl-PL" b="1" baseline="0" dirty="0" err="1" smtClean="0">
-                <a:solidFill>
-                  <a:srgbClr val="F7941E"/>
-                </a:solidFill>
-              </a:rPr>
-              <a:t>Division</a:t>
+              <a:t> Mobile Division</a:t>
             </a:r>
             <a:endParaRPr lang="pl-PL" b="1" dirty="0">
               <a:solidFill>
@@ -3069,27 +3061,17 @@
                 <a:latin typeface="Arial" pitchFamily="34" charset="0"/>
                 <a:cs typeface="Arial" pitchFamily="34" charset="0"/>
               </a:rPr>
-              <a:t>Bit </a:t>
-            </a:r>
-            <a:r>
-              <a:rPr lang="pl-PL" sz="2600" b="0" dirty="0" err="1" smtClean="0">
+              <a:t>CaseWeek </a:t>
+            </a:r>
+            <a:r>
+              <a:rPr lang="pl-PL" sz="2600" b="0" dirty="0" smtClean="0">
                 <a:solidFill>
                   <a:schemeClr val="bg1"/>
                 </a:solidFill>
                 <a:latin typeface="Arial" pitchFamily="34" charset="0"/>
                 <a:cs typeface="Arial" pitchFamily="34" charset="0"/>
               </a:rPr>
-              <a:t>Festival</a:t>
-            </a:r>
-            <a:r>
-              <a:rPr lang="pl-PL" sz="2600" b="0" dirty="0" smtClean="0">
-                <a:solidFill>
-                  <a:schemeClr val="bg1"/>
-                </a:solidFill>
-                <a:latin typeface="Arial" pitchFamily="34" charset="0"/>
-                <a:cs typeface="Arial" pitchFamily="34" charset="0"/>
-              </a:rPr>
-              <a:t> – Android w praktyce</a:t>
+              <a:t>– Android w praktyce</a:t>
             </a:r>
             <a:endParaRPr lang="pl-PL" sz="2600" b="0" dirty="0">
               <a:solidFill>
@@ -3184,7 +3166,7 @@
           <a:p>
             <a:r>
               <a:rPr lang="pl-PL" dirty="0" smtClean="0"/>
-              <a:t>2015-03-07|  Gliwice</a:t>
+              <a:t>2015-04-20 |  Gliwice</a:t>
             </a:r>
             <a:endParaRPr lang="pl-PL" dirty="0"/>
           </a:p>
@@ -3245,7 +3227,7 @@
             <a:fld id="{359484F7-7C7A-4895-B82F-27C098609AFF}" type="datetime1">
               <a:rPr lang="pl-PL" smtClean="0"/>
               <a:pPr/>
-              <a:t>2015-03-07</a:t>
+              <a:t>2015-04-19</a:t>
             </a:fld>
             <a:r>
               <a:rPr lang="pl-PL" smtClean="0"/>
@@ -3451,7 +3433,7 @@
             <a:fld id="{359484F7-7C7A-4895-B82F-27C098609AFF}" type="datetime1">
               <a:rPr lang="pl-PL" smtClean="0"/>
               <a:pPr/>
-              <a:t>2015-03-07</a:t>
+              <a:t>2015-04-19</a:t>
             </a:fld>
             <a:r>
               <a:rPr lang="pl-PL" smtClean="0"/>
@@ -3641,7 +3623,7 @@
             <a:fld id="{359484F7-7C7A-4895-B82F-27C098609AFF}" type="datetime1">
               <a:rPr lang="pl-PL" smtClean="0"/>
               <a:pPr/>
-              <a:t>2015-03-07</a:t>
+              <a:t>2015-04-19</a:t>
             </a:fld>
             <a:r>
               <a:rPr lang="pl-PL" smtClean="0"/>
@@ -3847,7 +3829,7 @@
             <a:fld id="{359484F7-7C7A-4895-B82F-27C098609AFF}" type="datetime1">
               <a:rPr lang="pl-PL" smtClean="0"/>
               <a:pPr/>
-              <a:t>2015-03-07</a:t>
+              <a:t>2015-04-19</a:t>
             </a:fld>
             <a:r>
               <a:rPr lang="pl-PL" smtClean="0"/>
@@ -4411,14 +4393,9 @@
             </a:lvl1pPr>
           </a:lstStyle>
           <a:p>
-            <a:fld id="{359484F7-7C7A-4895-B82F-27C098609AFF}" type="datetime1">
-              <a:rPr lang="pl-PL" smtClean="0"/>
-              <a:pPr/>
-              <a:t>2015-03-07</a:t>
-            </a:fld>
-            <a:r>
-              <a:rPr lang="pl-PL" smtClean="0"/>
-              <a:t>  |  Gliwice</a:t>
+            <a:r>
+              <a:rPr lang="pl-PL" dirty="0" smtClean="0"/>
+              <a:t>2015-04-20 |  Gliwice</a:t>
             </a:r>
             <a:endParaRPr lang="pl-PL" dirty="0"/>
           </a:p>
@@ -4476,14 +4453,9 @@
           <a:bodyPr/>
           <a:lstStyle/>
           <a:p>
-            <a:fld id="{359484F7-7C7A-4895-B82F-27C098609AFF}" type="datetime1">
-              <a:rPr lang="pl-PL" smtClean="0"/>
-              <a:pPr/>
-              <a:t>2015-03-07</a:t>
-            </a:fld>
             <a:r>
               <a:rPr lang="pl-PL" dirty="0" smtClean="0"/>
-              <a:t>  |  Gliwice</a:t>
+              <a:t>2015-04-20 |  Gliwice</a:t>
             </a:r>
             <a:endParaRPr lang="pl-PL" dirty="0"/>
           </a:p>
@@ -4674,7 +4646,7 @@
           <a:p>
             <a:r>
               <a:rPr lang="pl-PL" dirty="0" smtClean="0"/>
-              <a:t>2015-03-07 |  Gliwice</a:t>
+              <a:t>2015-04-20 |  Gliwice</a:t>
             </a:r>
             <a:endParaRPr lang="pl-PL" dirty="0"/>
           </a:p>
@@ -5430,7 +5402,7 @@
           <a:p>
             <a:r>
               <a:rPr lang="pl-PL" dirty="0" smtClean="0"/>
-              <a:t>2015-03-07 |  Gliwice</a:t>
+              <a:t>2015-04-20 |  Gliwice</a:t>
             </a:r>
             <a:endParaRPr lang="pl-PL" dirty="0"/>
           </a:p>
@@ -5627,7 +5599,7 @@
           <a:p>
             <a:r>
               <a:rPr lang="pl-PL" dirty="0" smtClean="0"/>
-              <a:t>2015-03-07 |  Gliwice</a:t>
+              <a:t>2015-04-20 |  Gliwice</a:t>
             </a:r>
             <a:endParaRPr lang="pl-PL" dirty="0"/>
           </a:p>
@@ -5843,7 +5815,7 @@
             <a:fld id="{359484F7-7C7A-4895-B82F-27C098609AFF}" type="datetime1">
               <a:rPr lang="pl-PL" smtClean="0"/>
               <a:pPr/>
-              <a:t>2015-03-07</a:t>
+              <a:t>2015-04-19</a:t>
             </a:fld>
             <a:r>
               <a:rPr lang="pl-PL" smtClean="0"/>
@@ -6195,7 +6167,7 @@
           <a:p>
             <a:r>
               <a:rPr lang="pl-PL" dirty="0" smtClean="0"/>
-              <a:t>2015-03-07  |  Gliwice</a:t>
+              <a:t>2015-04-20 |  Gliwice</a:t>
             </a:r>
             <a:endParaRPr lang="pl-PL" dirty="0"/>
           </a:p>
@@ -6278,17 +6250,17 @@
                 <a:latin typeface="Arial" pitchFamily="34" charset="0"/>
                 <a:cs typeface="Arial" pitchFamily="34" charset="0"/>
               </a:rPr>
-              <a:t>Bit </a:t>
-            </a:r>
-            <a:r>
-              <a:rPr lang="pl-PL" sz="1600" b="0" dirty="0" err="1" smtClean="0">
+              <a:t>CaseWeek</a:t>
+            </a:r>
+            <a:r>
+              <a:rPr lang="pl-PL" sz="1600" b="0" baseline="0" dirty="0" smtClean="0">
                 <a:solidFill>
                   <a:schemeClr val="bg1"/>
                 </a:solidFill>
                 <a:latin typeface="Arial" pitchFamily="34" charset="0"/>
                 <a:cs typeface="Arial" pitchFamily="34" charset="0"/>
               </a:rPr>
-              <a:t>Festival</a:t>
+              <a:t> </a:t>
             </a:r>
             <a:r>
               <a:rPr lang="pl-PL" sz="1600" b="0" dirty="0" smtClean="0">
@@ -6298,7 +6270,17 @@
                 <a:latin typeface="Arial" pitchFamily="34" charset="0"/>
                 <a:cs typeface="Arial" pitchFamily="34" charset="0"/>
               </a:rPr>
-              <a:t> – Android w praktyce</a:t>
+              <a:t>– </a:t>
+            </a:r>
+            <a:r>
+              <a:rPr lang="pl-PL" sz="1600" b="0" dirty="0" smtClean="0">
+                <a:solidFill>
+                  <a:schemeClr val="bg1"/>
+                </a:solidFill>
+                <a:latin typeface="Arial" pitchFamily="34" charset="0"/>
+                <a:cs typeface="Arial" pitchFamily="34" charset="0"/>
+              </a:rPr>
+              <a:t>Android w praktyce</a:t>
             </a:r>
             <a:endParaRPr lang="pl-PL" sz="1600" b="0" dirty="0">
               <a:solidFill>
@@ -6341,17 +6323,7 @@
                 <a:latin typeface="Arial" pitchFamily="34" charset="0"/>
                 <a:cs typeface="Arial" pitchFamily="34" charset="0"/>
               </a:rPr>
-              <a:t>FP Mobile </a:t>
-            </a:r>
-            <a:r>
-              <a:rPr lang="pl-PL" sz="1200" b="1" dirty="0" err="1" smtClean="0">
-                <a:solidFill>
-                  <a:srgbClr val="F7941E"/>
-                </a:solidFill>
-                <a:latin typeface="Arial" pitchFamily="34" charset="0"/>
-                <a:cs typeface="Arial" pitchFamily="34" charset="0"/>
-              </a:rPr>
-              <a:t>Division</a:t>
+              <a:t>FP Mobile Division</a:t>
             </a:r>
             <a:endParaRPr lang="pl-PL" sz="1200" b="1" dirty="0">
               <a:solidFill>
@@ -6747,7 +6719,7 @@
             <a:fld id="{359484F7-7C7A-4895-B82F-27C098609AFF}" type="datetime1">
               <a:rPr lang="pl-PL" smtClean="0"/>
               <a:pPr/>
-              <a:t>2015-03-07</a:t>
+              <a:t>2015-04-19</a:t>
             </a:fld>
             <a:r>
               <a:rPr lang="pl-PL" smtClean="0"/>
@@ -7276,7 +7248,7 @@
           <a:p>
             <a:r>
               <a:rPr lang="pl-PL" dirty="0" smtClean="0"/>
-              <a:t>2015-03-07  |  Gliwice</a:t>
+              <a:t>2015-04-20 |  Gliwice</a:t>
             </a:r>
             <a:endParaRPr lang="pl-PL" dirty="0"/>
           </a:p>
@@ -7306,34 +7278,24 @@
           <a:p>
             <a:pPr algn="r"/>
             <a:r>
-              <a:rPr lang="pl-PL" sz="1600" b="0" dirty="0" smtClean="0">
+              <a:rPr lang="pl-PL" sz="1600" b="0" baseline="0" dirty="0" smtClean="0">
                 <a:solidFill>
                   <a:schemeClr val="bg1"/>
                 </a:solidFill>
                 <a:latin typeface="Arial" pitchFamily="34" charset="0"/>
                 <a:cs typeface="Arial" pitchFamily="34" charset="0"/>
               </a:rPr>
-              <a:t>Bit </a:t>
-            </a:r>
-            <a:r>
-              <a:rPr lang="pl-PL" sz="1600" b="0" dirty="0" err="1" smtClean="0">
+              <a:t>CaseWeek – </a:t>
+            </a:r>
+            <a:r>
+              <a:rPr lang="pl-PL" sz="1600" b="0" baseline="0" dirty="0" smtClean="0">
                 <a:solidFill>
                   <a:schemeClr val="bg1"/>
                 </a:solidFill>
                 <a:latin typeface="Arial" pitchFamily="34" charset="0"/>
                 <a:cs typeface="Arial" pitchFamily="34" charset="0"/>
               </a:rPr>
-              <a:t>Festival</a:t>
-            </a:r>
-            <a:r>
-              <a:rPr lang="pl-PL" sz="1600" b="0" baseline="0" dirty="0" smtClean="0">
-                <a:solidFill>
-                  <a:schemeClr val="bg1"/>
-                </a:solidFill>
-                <a:latin typeface="Arial" pitchFamily="34" charset="0"/>
-                <a:cs typeface="Arial" pitchFamily="34" charset="0"/>
-              </a:rPr>
-              <a:t> – Android w praktyce</a:t>
+              <a:t>Android w praktyce</a:t>
             </a:r>
             <a:endParaRPr lang="pl-PL" sz="1600" b="0" dirty="0">
               <a:solidFill>
@@ -7376,17 +7338,7 @@
                 <a:latin typeface="Arial" pitchFamily="34" charset="0"/>
                 <a:cs typeface="Arial" pitchFamily="34" charset="0"/>
               </a:rPr>
-              <a:t>FP Mobile </a:t>
-            </a:r>
-            <a:r>
-              <a:rPr lang="pl-PL" sz="1200" b="1" dirty="0" err="1" smtClean="0">
-                <a:solidFill>
-                  <a:srgbClr val="B0BA25"/>
-                </a:solidFill>
-                <a:latin typeface="Arial" pitchFamily="34" charset="0"/>
-                <a:cs typeface="Arial" pitchFamily="34" charset="0"/>
-              </a:rPr>
-              <a:t>Division</a:t>
+              <a:t>FP Mobile Division</a:t>
             </a:r>
             <a:endParaRPr lang="pl-PL" sz="1200" b="1" dirty="0">
               <a:solidFill>
@@ -7874,7 +7826,7 @@
             <a:fld id="{359484F7-7C7A-4895-B82F-27C098609AFF}" type="datetime1">
               <a:rPr lang="pl-PL" smtClean="0"/>
               <a:pPr/>
-              <a:t>2015-03-07</a:t>
+              <a:t>2015-04-19</a:t>
             </a:fld>
             <a:r>
               <a:rPr lang="pl-PL" smtClean="0"/>
@@ -7919,7 +7871,7 @@
                 <a:latin typeface="Arial" pitchFamily="34" charset="0"/>
                 <a:cs typeface="Arial" pitchFamily="34" charset="0"/>
               </a:rPr>
-              <a:t>BEST</a:t>
+              <a:t>Case</a:t>
             </a:r>
             <a:r>
               <a:rPr lang="pl-PL" sz="1600" b="0" baseline="0" dirty="0" smtClean="0">
@@ -7929,7 +7881,7 @@
                 <a:latin typeface="Arial" pitchFamily="34" charset="0"/>
                 <a:cs typeface="Arial" pitchFamily="34" charset="0"/>
               </a:rPr>
-              <a:t> Android Workshop</a:t>
+              <a:t>Week – Android w praktyce</a:t>
             </a:r>
             <a:endParaRPr lang="pl-PL" sz="1600" b="0" dirty="0">
               <a:solidFill>
@@ -7972,7 +7924,7 @@
                 <a:latin typeface="Arial" pitchFamily="34" charset="0"/>
                 <a:cs typeface="Arial" pitchFamily="34" charset="0"/>
               </a:rPr>
-              <a:t>Central</a:t>
+              <a:t>F</a:t>
             </a:r>
             <a:r>
               <a:rPr lang="pl-PL" sz="1200" b="1" baseline="0" dirty="0" smtClean="0">
@@ -7982,7 +7934,7 @@
                 <a:latin typeface="Arial" pitchFamily="34" charset="0"/>
                 <a:cs typeface="Arial" pitchFamily="34" charset="0"/>
               </a:rPr>
-              <a:t> Mobile Team</a:t>
+              <a:t>P Mobile Division</a:t>
             </a:r>
             <a:endParaRPr lang="pl-PL" sz="1200" b="1" dirty="0">
               <a:solidFill>
@@ -8378,7 +8330,7 @@
             <a:fld id="{359484F7-7C7A-4895-B82F-27C098609AFF}" type="datetime1">
               <a:rPr lang="pl-PL" smtClean="0"/>
               <a:pPr/>
-              <a:t>2015-03-07</a:t>
+              <a:t>2015-04-19</a:t>
             </a:fld>
             <a:r>
               <a:rPr lang="pl-PL" smtClean="0"/>
@@ -8873,11 +8825,7 @@
           <a:p>
             <a:r>
               <a:rPr lang="pl-PL" dirty="0"/>
-              <a:t>2015-03-07 </a:t>
-            </a:r>
-            <a:r>
-              <a:rPr lang="pl-PL" dirty="0" smtClean="0"/>
-              <a:t> |  Gliwice</a:t>
+              <a:t>2015-04-20 |  Gliwice</a:t>
             </a:r>
             <a:endParaRPr lang="pl-PL" dirty="0"/>
           </a:p>
@@ -8937,11 +8885,7 @@
           <a:p>
             <a:r>
               <a:rPr lang="pl-PL" dirty="0"/>
-              <a:t>2015-03-07 |  </a:t>
-            </a:r>
-            <a:r>
-              <a:rPr lang="pl-PL" dirty="0" smtClean="0"/>
-              <a:t>Gliwice</a:t>
+              <a:t>2015-04-20 |  Gliwice</a:t>
             </a:r>
             <a:endParaRPr lang="pl-PL" dirty="0"/>
           </a:p>
@@ -9148,11 +9092,7 @@
           <a:p>
             <a:r>
               <a:rPr lang="pl-PL" dirty="0"/>
-              <a:t>2015-03-07 |  </a:t>
-            </a:r>
-            <a:r>
-              <a:rPr lang="pl-PL" dirty="0" smtClean="0"/>
-              <a:t>Gliwice</a:t>
+              <a:t>2015-04-20 |  Gliwice</a:t>
             </a:r>
             <a:endParaRPr lang="pl-PL" dirty="0"/>
           </a:p>
@@ -9421,11 +9361,7 @@
           <a:p>
             <a:r>
               <a:rPr lang="pl-PL" dirty="0"/>
-              <a:t>2015-03-07 |  </a:t>
-            </a:r>
-            <a:r>
-              <a:rPr lang="pl-PL" dirty="0" smtClean="0"/>
-              <a:t>Gliwice</a:t>
+              <a:t>2015-04-20 |  Gliwice</a:t>
             </a:r>
             <a:endParaRPr lang="pl-PL" dirty="0"/>
           </a:p>
@@ -9597,11 +9533,7 @@
           <a:p>
             <a:r>
               <a:rPr lang="pl-PL" dirty="0"/>
-              <a:t>2015-03-07 |  </a:t>
-            </a:r>
-            <a:r>
-              <a:rPr lang="pl-PL" dirty="0" smtClean="0"/>
-              <a:t>Gliwice</a:t>
+              <a:t>2015-04-20 |  Gliwice</a:t>
             </a:r>
             <a:endParaRPr lang="pl-PL" dirty="0"/>
           </a:p>
@@ -9964,11 +9896,7 @@
           <a:p>
             <a:r>
               <a:rPr lang="pl-PL" dirty="0"/>
-              <a:t>2015-03-07 |  </a:t>
-            </a:r>
-            <a:r>
-              <a:rPr lang="pl-PL" dirty="0" smtClean="0"/>
-              <a:t>Gliwice</a:t>
+              <a:t>2015-04-20 |  Gliwice</a:t>
             </a:r>
             <a:endParaRPr lang="pl-PL" dirty="0"/>
           </a:p>
@@ -10347,11 +10275,7 @@
           <a:p>
             <a:r>
               <a:rPr lang="pl-PL" dirty="0"/>
-              <a:t>2015-03-07 |  </a:t>
-            </a:r>
-            <a:r>
-              <a:rPr lang="pl-PL" dirty="0" smtClean="0"/>
-              <a:t>Gliwice</a:t>
+              <a:t>2015-04-20 |  Gliwice</a:t>
             </a:r>
             <a:endParaRPr lang="pl-PL" dirty="0"/>
           </a:p>
@@ -10542,11 +10466,7 @@
           <a:p>
             <a:r>
               <a:rPr lang="pl-PL" dirty="0"/>
-              <a:t>2015-03-07 |  </a:t>
-            </a:r>
-            <a:r>
-              <a:rPr lang="pl-PL" dirty="0" smtClean="0"/>
-              <a:t>Gliwice</a:t>
+              <a:t>2015-04-20 |  Gliwice</a:t>
             </a:r>
             <a:endParaRPr lang="pl-PL" dirty="0"/>
           </a:p>
@@ -10743,11 +10663,7 @@
           <a:p>
             <a:r>
               <a:rPr lang="pl-PL" dirty="0"/>
-              <a:t>2015-03-07 |  </a:t>
-            </a:r>
-            <a:r>
-              <a:rPr lang="pl-PL" dirty="0" smtClean="0"/>
-              <a:t>Gliwice</a:t>
+              <a:t>2015-04-20 |  Gliwice</a:t>
             </a:r>
             <a:endParaRPr lang="pl-PL" dirty="0"/>
           </a:p>
@@ -10968,11 +10884,7 @@
           <a:p>
             <a:r>
               <a:rPr lang="pl-PL" dirty="0"/>
-              <a:t>2015-03-07 </a:t>
-            </a:r>
-            <a:r>
-              <a:rPr lang="pl-PL" dirty="0" smtClean="0"/>
-              <a:t>|  Gliwice</a:t>
+              <a:t>2015-04-20 |  Gliwice</a:t>
             </a:r>
             <a:endParaRPr lang="pl-PL" dirty="0"/>
           </a:p>
@@ -11859,11 +11771,7 @@
           <a:p>
             <a:r>
               <a:rPr lang="pl-PL" dirty="0"/>
-              <a:t>2015-03-07 |  </a:t>
-            </a:r>
-            <a:r>
-              <a:rPr lang="pl-PL" dirty="0" smtClean="0"/>
-              <a:t>Gliwice</a:t>
+              <a:t>2015-04-20 |  Gliwice</a:t>
             </a:r>
             <a:endParaRPr lang="pl-PL" dirty="0"/>
           </a:p>
@@ -12323,8 +12231,8 @@
           <a:lstStyle/>
           <a:p>
             <a:r>
-              <a:rPr lang="pl-PL" dirty="0" smtClean="0"/>
-              <a:t>2015-03-07  |  Gliwice</a:t>
+              <a:rPr lang="pl-PL" dirty="0"/>
+              <a:t>2015-04-20 |  Gliwice</a:t>
             </a:r>
             <a:endParaRPr lang="pl-PL" dirty="0"/>
           </a:p>
@@ -12955,11 +12863,7 @@
           <a:p>
             <a:r>
               <a:rPr lang="pl-PL" dirty="0"/>
-              <a:t>2015-03-07 |  </a:t>
-            </a:r>
-            <a:r>
-              <a:rPr lang="pl-PL" dirty="0" smtClean="0"/>
-              <a:t>Gliwice</a:t>
+              <a:t>2015-04-20 |  Gliwice</a:t>
             </a:r>
             <a:endParaRPr lang="pl-PL" dirty="0"/>
           </a:p>
@@ -13091,11 +12995,7 @@
           <a:p>
             <a:r>
               <a:rPr lang="pl-PL" dirty="0"/>
-              <a:t>2015-03-07 |  </a:t>
-            </a:r>
-            <a:r>
-              <a:rPr lang="pl-PL" dirty="0" smtClean="0"/>
-              <a:t>Gliwice</a:t>
+              <a:t>2015-04-20 |  Gliwice</a:t>
             </a:r>
             <a:endParaRPr lang="pl-PL" dirty="0"/>
           </a:p>
@@ -13308,11 +13208,7 @@
           <a:p>
             <a:r>
               <a:rPr lang="pl-PL" dirty="0"/>
-              <a:t>2015-03-07 |  </a:t>
-            </a:r>
-            <a:r>
-              <a:rPr lang="pl-PL" dirty="0" smtClean="0"/>
-              <a:t>Gliwice</a:t>
+              <a:t>2015-04-20 |  Gliwice</a:t>
             </a:r>
             <a:endParaRPr lang="pl-PL" dirty="0"/>
           </a:p>
@@ -13444,11 +13340,7 @@
           <a:p>
             <a:r>
               <a:rPr lang="pl-PL" dirty="0"/>
-              <a:t>2015-03-07 |  </a:t>
-            </a:r>
-            <a:r>
-              <a:rPr lang="pl-PL" dirty="0" smtClean="0"/>
-              <a:t>Gliwice</a:t>
+              <a:t>2015-04-20 |  Gliwice</a:t>
             </a:r>
             <a:endParaRPr lang="pl-PL" dirty="0"/>
           </a:p>
@@ -13581,11 +13473,7 @@
           <a:p>
             <a:r>
               <a:rPr lang="pl-PL" dirty="0"/>
-              <a:t>2015-03-07 |  </a:t>
-            </a:r>
-            <a:r>
-              <a:rPr lang="pl-PL" dirty="0" smtClean="0"/>
-              <a:t>Gliwice</a:t>
+              <a:t>2015-04-20 |  Gliwice</a:t>
             </a:r>
             <a:endParaRPr lang="pl-PL" dirty="0"/>
           </a:p>
@@ -13796,11 +13684,7 @@
           <a:p>
             <a:r>
               <a:rPr lang="pl-PL" dirty="0"/>
-              <a:t>2015-03-07 |  </a:t>
-            </a:r>
-            <a:r>
-              <a:rPr lang="pl-PL" dirty="0" smtClean="0"/>
-              <a:t>Gliwice</a:t>
+              <a:t>2015-04-20 |  Gliwice</a:t>
             </a:r>
             <a:endParaRPr lang="pl-PL" dirty="0"/>
           </a:p>
@@ -13953,11 +13837,7 @@
           <a:p>
             <a:r>
               <a:rPr lang="pl-PL" dirty="0"/>
-              <a:t>2015-03-07 |  </a:t>
-            </a:r>
-            <a:r>
-              <a:rPr lang="pl-PL" dirty="0" smtClean="0"/>
-              <a:t>Gliwice</a:t>
+              <a:t>2015-04-20 |  Gliwice</a:t>
             </a:r>
             <a:endParaRPr lang="pl-PL" dirty="0"/>
           </a:p>
@@ -14133,11 +14013,7 @@
           <a:p>
             <a:r>
               <a:rPr lang="pl-PL" dirty="0"/>
-              <a:t>2015-03-07 |  </a:t>
-            </a:r>
-            <a:r>
-              <a:rPr lang="pl-PL" dirty="0" smtClean="0"/>
-              <a:t>Gliwice</a:t>
+              <a:t>2015-04-20 |  Gliwice</a:t>
             </a:r>
             <a:endParaRPr lang="pl-PL" dirty="0"/>
           </a:p>
@@ -15506,11 +15382,7 @@
           <a:p>
             <a:r>
               <a:rPr lang="pl-PL" dirty="0"/>
-              <a:t>2015-03-07 |  </a:t>
-            </a:r>
-            <a:r>
-              <a:rPr lang="pl-PL" dirty="0" smtClean="0"/>
-              <a:t>Gliwice</a:t>
+              <a:t>2015-04-20 |  Gliwice</a:t>
             </a:r>
             <a:endParaRPr lang="pl-PL" dirty="0"/>
           </a:p>
@@ -15643,11 +15515,7 @@
           <a:p>
             <a:r>
               <a:rPr lang="pl-PL" dirty="0"/>
-              <a:t>2015-03-07 |  </a:t>
-            </a:r>
-            <a:r>
-              <a:rPr lang="pl-PL" dirty="0" smtClean="0"/>
-              <a:t>Gliwice</a:t>
+              <a:t>2015-04-20 |  Gliwice</a:t>
             </a:r>
             <a:endParaRPr lang="pl-PL" dirty="0"/>
           </a:p>
@@ -15780,11 +15648,7 @@
           <a:p>
             <a:r>
               <a:rPr lang="pl-PL" dirty="0"/>
-              <a:t>2015-03-07 |  </a:t>
-            </a:r>
-            <a:r>
-              <a:rPr lang="pl-PL" dirty="0" smtClean="0"/>
-              <a:t>Gliwice</a:t>
+              <a:t>2015-04-20 |  Gliwice</a:t>
             </a:r>
             <a:endParaRPr lang="pl-PL" dirty="0"/>
           </a:p>
@@ -16031,11 +15895,7 @@
           <a:p>
             <a:r>
               <a:rPr lang="pl-PL" dirty="0"/>
-              <a:t>2015-03-07 </a:t>
-            </a:r>
-            <a:r>
-              <a:rPr lang="pl-PL" dirty="0" smtClean="0"/>
-              <a:t>|  Gliwice</a:t>
+              <a:t>2015-04-20 |  Gliwice</a:t>
             </a:r>
             <a:endParaRPr lang="pl-PL" dirty="0"/>
           </a:p>
@@ -16169,11 +16029,7 @@
           <a:p>
             <a:r>
               <a:rPr lang="pl-PL" dirty="0"/>
-              <a:t>2015-03-07 |  </a:t>
-            </a:r>
-            <a:r>
-              <a:rPr lang="pl-PL" dirty="0" smtClean="0"/>
-              <a:t>Gliwice</a:t>
+              <a:t>2015-04-20 |  Gliwice</a:t>
             </a:r>
             <a:endParaRPr lang="pl-PL" dirty="0"/>
           </a:p>
@@ -16362,11 +16218,7 @@
           <a:p>
             <a:r>
               <a:rPr lang="pl-PL" dirty="0"/>
-              <a:t>2015-03-07 |  </a:t>
-            </a:r>
-            <a:r>
-              <a:rPr lang="pl-PL" dirty="0" smtClean="0"/>
-              <a:t>Gliwice</a:t>
+              <a:t>2015-04-20 |  Gliwice</a:t>
             </a:r>
             <a:endParaRPr lang="pl-PL" dirty="0"/>
           </a:p>
@@ -17107,8 +16959,8 @@
           <a:lstStyle/>
           <a:p>
             <a:r>
-              <a:rPr lang="pl-PL" dirty="0" smtClean="0"/>
-              <a:t>2015-03-07  |  Gliwice</a:t>
+              <a:rPr lang="pl-PL" dirty="0"/>
+              <a:t>2015-04-20 |  Gliwice</a:t>
             </a:r>
             <a:endParaRPr lang="pl-PL" dirty="0"/>
           </a:p>
@@ -17718,11 +17570,7 @@
           <a:p>
             <a:r>
               <a:rPr lang="pl-PL" dirty="0"/>
-              <a:t>2015-03-07 </a:t>
-            </a:r>
-            <a:r>
-              <a:rPr lang="pl-PL" dirty="0" smtClean="0"/>
-              <a:t>|  Gliwice</a:t>
+              <a:t>2015-04-20 |  Gliwice</a:t>
             </a:r>
             <a:endParaRPr lang="pl-PL" dirty="0"/>
           </a:p>
@@ -17963,11 +17811,7 @@
           <a:p>
             <a:r>
               <a:rPr lang="pl-PL" dirty="0"/>
-              <a:t>2015-03-07 </a:t>
-            </a:r>
-            <a:r>
-              <a:rPr lang="pl-PL" dirty="0" smtClean="0"/>
-              <a:t>|  Gliwice</a:t>
+              <a:t>2015-04-20 |  Gliwice</a:t>
             </a:r>
             <a:endParaRPr lang="pl-PL" dirty="0"/>
           </a:p>
@@ -18116,11 +17960,7 @@
           <a:p>
             <a:r>
               <a:rPr lang="pl-PL" dirty="0"/>
-              <a:t>2015-03-07 </a:t>
-            </a:r>
-            <a:r>
-              <a:rPr lang="pl-PL" dirty="0" smtClean="0"/>
-              <a:t>|  Gliwice</a:t>
+              <a:t>2015-04-20 |  Gliwice</a:t>
             </a:r>
             <a:endParaRPr lang="pl-PL" dirty="0"/>
           </a:p>
@@ -18417,11 +18257,7 @@
           <a:p>
             <a:r>
               <a:rPr lang="pl-PL" dirty="0"/>
-              <a:t>2015-03-07 </a:t>
-            </a:r>
-            <a:r>
-              <a:rPr lang="pl-PL" dirty="0" smtClean="0"/>
-              <a:t>|  Gliwice</a:t>
+              <a:t>2015-04-20 |  Gliwice</a:t>
             </a:r>
             <a:endParaRPr lang="pl-PL" dirty="0"/>
           </a:p>
@@ -18559,11 +18395,7 @@
           <a:p>
             <a:r>
               <a:rPr lang="pl-PL" dirty="0"/>
-              <a:t>2015-03-07 </a:t>
-            </a:r>
-            <a:r>
-              <a:rPr lang="pl-PL" dirty="0" smtClean="0"/>
-              <a:t>|  Gliwice</a:t>
+              <a:t>2015-04-20 |  Gliwice</a:t>
             </a:r>
             <a:endParaRPr lang="pl-PL" dirty="0"/>
           </a:p>
@@ -18741,11 +18573,7 @@
           <a:p>
             <a:r>
               <a:rPr lang="pl-PL" dirty="0"/>
-              <a:t>2015-03-07 </a:t>
-            </a:r>
-            <a:r>
-              <a:rPr lang="pl-PL" dirty="0" smtClean="0"/>
-              <a:t>|  Gliwice</a:t>
+              <a:t>2015-04-20 |  Gliwice</a:t>
             </a:r>
             <a:endParaRPr lang="pl-PL" dirty="0"/>
           </a:p>
@@ -20004,8 +19832,8 @@
           <a:lstStyle/>
           <a:p>
             <a:r>
-              <a:rPr lang="pl-PL" dirty="0" smtClean="0"/>
-              <a:t>2015-03-07  |  Gliwice</a:t>
+              <a:rPr lang="pl-PL" dirty="0"/>
+              <a:t>2015-04-20 |  Gliwice</a:t>
             </a:r>
             <a:endParaRPr lang="pl-PL" dirty="0"/>
           </a:p>
@@ -20176,11 +20004,7 @@
           <a:p>
             <a:r>
               <a:rPr lang="pl-PL" dirty="0"/>
-              <a:t>2015-03-07 |  </a:t>
-            </a:r>
-            <a:r>
-              <a:rPr lang="pl-PL" dirty="0" smtClean="0"/>
-              <a:t>Gliwice</a:t>
+              <a:t>2015-04-20 |  Gliwice</a:t>
             </a:r>
             <a:endParaRPr lang="pl-PL" dirty="0"/>
           </a:p>
@@ -20474,11 +20298,7 @@
           <a:p>
             <a:r>
               <a:rPr lang="pl-PL" dirty="0"/>
-              <a:t>2015-03-07 </a:t>
-            </a:r>
-            <a:r>
-              <a:rPr lang="pl-PL" dirty="0" smtClean="0"/>
-              <a:t>|  Gliwice</a:t>
+              <a:t>2015-04-20 |  Gliwice</a:t>
             </a:r>
             <a:endParaRPr lang="pl-PL" dirty="0"/>
           </a:p>
@@ -20612,11 +20432,7 @@
           <a:p>
             <a:r>
               <a:rPr lang="pl-PL" dirty="0"/>
-              <a:t>2015-03-07 </a:t>
-            </a:r>
-            <a:r>
-              <a:rPr lang="pl-PL" dirty="0" smtClean="0"/>
-              <a:t>|  Gliwice</a:t>
+              <a:t>2015-04-20 |  Gliwice</a:t>
             </a:r>
             <a:endParaRPr lang="pl-PL" dirty="0"/>
           </a:p>
@@ -20728,11 +20544,7 @@
           <a:p>
             <a:r>
               <a:rPr lang="pl-PL" dirty="0"/>
-              <a:t>2015-03-07 </a:t>
-            </a:r>
-            <a:r>
-              <a:rPr lang="pl-PL" dirty="0" smtClean="0"/>
-              <a:t>|  Gliwice</a:t>
+              <a:t>2015-04-20 |  Gliwice</a:t>
             </a:r>
             <a:endParaRPr lang="pl-PL" dirty="0"/>
           </a:p>
@@ -20865,11 +20677,7 @@
           <a:p>
             <a:r>
               <a:rPr lang="pl-PL" dirty="0"/>
-              <a:t>2015-03-07 </a:t>
-            </a:r>
-            <a:r>
-              <a:rPr lang="pl-PL" dirty="0" smtClean="0"/>
-              <a:t>|  Gliwice</a:t>
+              <a:t>2015-04-20 |  Gliwice</a:t>
             </a:r>
             <a:endParaRPr lang="pl-PL" dirty="0"/>
           </a:p>
@@ -21254,8 +21062,8 @@
           <a:lstStyle/>
           <a:p>
             <a:r>
-              <a:rPr lang="pl-PL" dirty="0" smtClean="0"/>
-              <a:t>2015-03-07 |  Gliwice</a:t>
+              <a:rPr lang="pl-PL" dirty="0"/>
+              <a:t>2015-04-20 |  Gliwice</a:t>
             </a:r>
             <a:endParaRPr lang="pl-PL" dirty="0"/>
           </a:p>
@@ -21487,12 +21295,8 @@
           <a:lstStyle/>
           <a:p>
             <a:r>
-              <a:rPr lang="pl-PL" smtClean="0"/>
-              <a:t>2015-03-07 |  </a:t>
-            </a:r>
-            <a:r>
-              <a:rPr lang="pl-PL" dirty="0" smtClean="0"/>
-              <a:t>Gliwice</a:t>
+              <a:rPr lang="pl-PL" dirty="0"/>
+              <a:t>2015-04-20 |  Gliwice</a:t>
             </a:r>
             <a:endParaRPr lang="pl-PL" dirty="0"/>
           </a:p>
@@ -21680,11 +21484,7 @@
           <a:p>
             <a:r>
               <a:rPr lang="pl-PL" dirty="0"/>
-              <a:t>2015-03-07 |  </a:t>
-            </a:r>
-            <a:r>
-              <a:rPr lang="pl-PL" dirty="0" smtClean="0"/>
-              <a:t>Gliwice</a:t>
+              <a:t>2015-04-20 |  Gliwice</a:t>
             </a:r>
             <a:endParaRPr lang="pl-PL" dirty="0"/>
           </a:p>
@@ -21816,8 +21616,8 @@
           <a:lstStyle/>
           <a:p>
             <a:r>
-              <a:rPr lang="pl-PL" dirty="0" smtClean="0"/>
-              <a:t>2015-03-07  |  Gliwice</a:t>
+              <a:rPr lang="pl-PL" dirty="0"/>
+              <a:t>2015-04-20 |  Gliwice</a:t>
             </a:r>
             <a:endParaRPr lang="pl-PL" dirty="0"/>
           </a:p>
@@ -21987,8 +21787,8 @@
           <a:lstStyle/>
           <a:p>
             <a:r>
-              <a:rPr lang="pl-PL" dirty="0" smtClean="0"/>
-              <a:t>2015-03-07  |  Gliwice</a:t>
+              <a:rPr lang="pl-PL" dirty="0"/>
+              <a:t>2015-04-20 |  Gliwice</a:t>
             </a:r>
             <a:endParaRPr lang="pl-PL" dirty="0"/>
           </a:p>
